--- a/03/DATA515_03_Project.pptx
+++ b/03/DATA515_03_Project.pptx
@@ -28,16 +28,18 @@
     <p:sldId id="273" r:id="rId23"/>
     <p:sldId id="274" r:id="rId24"/>
     <p:sldId id="275" r:id="rId25"/>
+    <p:sldId id="276" r:id="rId26"/>
+    <p:sldId id="277" r:id="rId27"/>
   </p:sldIdLst>
   <p:sldSz cy="5143500" cx="9144000"/>
   <p:notesSz cx="6858000" cy="9144000"/>
   <p:embeddedFontLst>
     <p:embeddedFont>
       <p:font typeface="Roboto"/>
-      <p:regular r:id="rId26"/>
-      <p:bold r:id="rId27"/>
-      <p:italic r:id="rId28"/>
-      <p:boldItalic r:id="rId29"/>
+      <p:regular r:id="rId28"/>
+      <p:bold r:id="rId29"/>
+      <p:italic r:id="rId30"/>
+      <p:boldItalic r:id="rId31"/>
     </p:embeddedFont>
   </p:embeddedFontLst>
   <p:defaultTextStyle>
@@ -832,7 +834,7 @@
       </p:grpSpPr>
       <p:sp>
         <p:nvSpPr>
-          <p:cNvPr id="152" name="Google Shape;152;g201302a8efe_0_1313:notes"/>
+          <p:cNvPr id="152" name="Google Shape;152;g201302a8efe_0_0:notes"/>
           <p:cNvSpPr/>
           <p:nvPr>
             <p:ph idx="2" type="sldImg"/>
@@ -867,7 +869,7 @@
       </p:sp>
       <p:sp>
         <p:nvSpPr>
-          <p:cNvPr id="153" name="Google Shape;153;g201302a8efe_0_1313:notes"/>
+          <p:cNvPr id="153" name="Google Shape;153;g201302a8efe_0_0:notes"/>
           <p:cNvSpPr txBox="1"/>
           <p:nvPr>
             <p:ph idx="1" type="body"/>
@@ -931,7 +933,7 @@
       </p:grpSpPr>
       <p:sp>
         <p:nvSpPr>
-          <p:cNvPr id="158" name="Google Shape;158;g201302a8efe_0_1288:notes"/>
+          <p:cNvPr id="158" name="Google Shape;158;g201302a8efe_0_1313:notes"/>
           <p:cNvSpPr/>
           <p:nvPr>
             <p:ph idx="2" type="sldImg"/>
@@ -966,7 +968,7 @@
       </p:sp>
       <p:sp>
         <p:nvSpPr>
-          <p:cNvPr id="159" name="Google Shape;159;g201302a8efe_0_1288:notes"/>
+          <p:cNvPr id="159" name="Google Shape;159;g201302a8efe_0_1313:notes"/>
           <p:cNvSpPr txBox="1"/>
           <p:nvPr>
             <p:ph idx="1" type="body"/>
@@ -1030,7 +1032,7 @@
       </p:grpSpPr>
       <p:sp>
         <p:nvSpPr>
-          <p:cNvPr id="164" name="Google Shape;164;g201302a8efe_0_1293:notes"/>
+          <p:cNvPr id="164" name="Google Shape;164;g201302a8efe_0_1288:notes"/>
           <p:cNvSpPr/>
           <p:nvPr>
             <p:ph idx="2" type="sldImg"/>
@@ -1065,7 +1067,7 @@
       </p:sp>
       <p:sp>
         <p:nvSpPr>
-          <p:cNvPr id="165" name="Google Shape;165;g201302a8efe_0_1293:notes"/>
+          <p:cNvPr id="165" name="Google Shape;165;g201302a8efe_0_1288:notes"/>
           <p:cNvSpPr txBox="1"/>
           <p:nvPr>
             <p:ph idx="1" type="body"/>
@@ -1129,7 +1131,7 @@
       </p:grpSpPr>
       <p:sp>
         <p:nvSpPr>
-          <p:cNvPr id="170" name="Google Shape;170;g201302a8efe_0_1298:notes"/>
+          <p:cNvPr id="170" name="Google Shape;170;g201302a8efe_0_1293:notes"/>
           <p:cNvSpPr/>
           <p:nvPr>
             <p:ph idx="2" type="sldImg"/>
@@ -1164,7 +1166,7 @@
       </p:sp>
       <p:sp>
         <p:nvSpPr>
-          <p:cNvPr id="171" name="Google Shape;171;g201302a8efe_0_1298:notes"/>
+          <p:cNvPr id="171" name="Google Shape;171;g201302a8efe_0_1293:notes"/>
           <p:cNvSpPr txBox="1"/>
           <p:nvPr>
             <p:ph idx="1" type="body"/>
@@ -1228,7 +1230,7 @@
       </p:grpSpPr>
       <p:sp>
         <p:nvSpPr>
-          <p:cNvPr id="176" name="Google Shape;176;g201302a8efe_0_1303:notes"/>
+          <p:cNvPr id="176" name="Google Shape;176;g201302a8efe_0_1298:notes"/>
           <p:cNvSpPr/>
           <p:nvPr>
             <p:ph idx="2" type="sldImg"/>
@@ -1263,7 +1265,7 @@
       </p:sp>
       <p:sp>
         <p:nvSpPr>
-          <p:cNvPr id="177" name="Google Shape;177;g201302a8efe_0_1303:notes"/>
+          <p:cNvPr id="177" name="Google Shape;177;g201302a8efe_0_1298:notes"/>
           <p:cNvSpPr txBox="1"/>
           <p:nvPr>
             <p:ph idx="1" type="body"/>
@@ -1327,7 +1329,7 @@
       </p:grpSpPr>
       <p:sp>
         <p:nvSpPr>
-          <p:cNvPr id="182" name="Google Shape;182;g201302a8efe_0_1308:notes"/>
+          <p:cNvPr id="182" name="Google Shape;182;g201302a8efe_0_1303:notes"/>
           <p:cNvSpPr/>
           <p:nvPr>
             <p:ph idx="2" type="sldImg"/>
@@ -1362,7 +1364,7 @@
       </p:sp>
       <p:sp>
         <p:nvSpPr>
-          <p:cNvPr id="183" name="Google Shape;183;g201302a8efe_0_1308:notes"/>
+          <p:cNvPr id="183" name="Google Shape;183;g201302a8efe_0_1303:notes"/>
           <p:cNvSpPr txBox="1"/>
           <p:nvPr>
             <p:ph idx="1" type="body"/>
@@ -1426,7 +1428,7 @@
       </p:grpSpPr>
       <p:sp>
         <p:nvSpPr>
-          <p:cNvPr id="188" name="Google Shape;188;g1c2482a7c5e_0_521:notes"/>
+          <p:cNvPr id="188" name="Google Shape;188;g201302a8efe_0_1308:notes"/>
           <p:cNvSpPr/>
           <p:nvPr>
             <p:ph idx="2" type="sldImg"/>
@@ -1461,7 +1463,7 @@
       </p:sp>
       <p:sp>
         <p:nvSpPr>
-          <p:cNvPr id="189" name="Google Shape;189;g1c2482a7c5e_0_521:notes"/>
+          <p:cNvPr id="189" name="Google Shape;189;g201302a8efe_0_1308:notes"/>
           <p:cNvSpPr txBox="1"/>
           <p:nvPr>
             <p:ph idx="1" type="body"/>
@@ -1525,7 +1527,7 @@
       </p:grpSpPr>
       <p:sp>
         <p:nvSpPr>
-          <p:cNvPr id="194" name="Google Shape;194;g201302a8efe_0_5:notes"/>
+          <p:cNvPr id="194" name="Google Shape;194;g31b011bc891_0_0:notes"/>
           <p:cNvSpPr/>
           <p:nvPr>
             <p:ph idx="2" type="sldImg"/>
@@ -1560,7 +1562,7 @@
       </p:sp>
       <p:sp>
         <p:nvSpPr>
-          <p:cNvPr id="195" name="Google Shape;195;g201302a8efe_0_5:notes"/>
+          <p:cNvPr id="195" name="Google Shape;195;g31b011bc891_0_0:notes"/>
           <p:cNvSpPr txBox="1"/>
           <p:nvPr>
             <p:ph idx="1" type="body"/>
@@ -1624,7 +1626,7 @@
       </p:grpSpPr>
       <p:sp>
         <p:nvSpPr>
-          <p:cNvPr id="200" name="Google Shape;200;g201302a8efe_0_14:notes"/>
+          <p:cNvPr id="200" name="Google Shape;200;g1c2482a7c5e_0_521:notes"/>
           <p:cNvSpPr/>
           <p:nvPr>
             <p:ph idx="2" type="sldImg"/>
@@ -1659,7 +1661,7 @@
       </p:sp>
       <p:sp>
         <p:nvSpPr>
-          <p:cNvPr id="201" name="Google Shape;201;g201302a8efe_0_14:notes"/>
+          <p:cNvPr id="201" name="Google Shape;201;g1c2482a7c5e_0_521:notes"/>
           <p:cNvSpPr txBox="1"/>
           <p:nvPr>
             <p:ph idx="1" type="body"/>
@@ -1709,7 +1711,7 @@
   <p:cSld>
     <p:spTree>
       <p:nvGrpSpPr>
-        <p:cNvPr id="207" name="Shape 207"/>
+        <p:cNvPr id="205" name="Shape 205"/>
         <p:cNvGrpSpPr/>
         <p:nvPr/>
       </p:nvGrpSpPr>
@@ -1723,7 +1725,7 @@
       </p:grpSpPr>
       <p:sp>
         <p:nvSpPr>
-          <p:cNvPr id="208" name="Google Shape;208;g201302a8efe_0_27:notes"/>
+          <p:cNvPr id="206" name="Google Shape;206;g201302a8efe_0_5:notes"/>
           <p:cNvSpPr/>
           <p:nvPr>
             <p:ph idx="2" type="sldImg"/>
@@ -1758,7 +1760,7 @@
       </p:sp>
       <p:sp>
         <p:nvSpPr>
-          <p:cNvPr id="209" name="Google Shape;209;g201302a8efe_0_27:notes"/>
+          <p:cNvPr id="207" name="Google Shape;207;g201302a8efe_0_5:notes"/>
           <p:cNvSpPr txBox="1"/>
           <p:nvPr>
             <p:ph idx="1" type="body"/>
@@ -1907,7 +1909,7 @@
   <p:cSld>
     <p:spTree>
       <p:nvGrpSpPr>
-        <p:cNvPr id="216" name="Shape 216"/>
+        <p:cNvPr id="211" name="Shape 211"/>
         <p:cNvGrpSpPr/>
         <p:nvPr/>
       </p:nvGrpSpPr>
@@ -1921,7 +1923,7 @@
       </p:grpSpPr>
       <p:sp>
         <p:nvSpPr>
-          <p:cNvPr id="217" name="Google Shape;217;g201302a8efe_0_19:notes"/>
+          <p:cNvPr id="212" name="Google Shape;212;g201302a8efe_0_14:notes"/>
           <p:cNvSpPr/>
           <p:nvPr>
             <p:ph idx="2" type="sldImg"/>
@@ -1956,7 +1958,205 @@
       </p:sp>
       <p:sp>
         <p:nvSpPr>
-          <p:cNvPr id="218" name="Google Shape;218;g201302a8efe_0_19:notes"/>
+          <p:cNvPr id="213" name="Google Shape;213;g201302a8efe_0_14:notes"/>
+          <p:cNvSpPr txBox="1"/>
+          <p:nvPr>
+            <p:ph idx="1" type="body"/>
+          </p:nvPr>
+        </p:nvSpPr>
+        <p:spPr>
+          <a:xfrm>
+            <a:off x="685800" y="4343400"/>
+            <a:ext cx="5486400" cy="4114800"/>
+          </a:xfrm>
+          <a:prstGeom prst="rect">
+            <a:avLst/>
+          </a:prstGeom>
+        </p:spPr>
+        <p:txBody>
+          <a:bodyPr anchorCtr="0" anchor="t" bIns="91425" lIns="91425" spcFirstLastPara="1" rIns="91425" wrap="square" tIns="91425">
+            <a:noAutofit/>
+          </a:bodyPr>
+          <a:lstStyle/>
+          <a:p>
+            <a:pPr indent="0" lvl="0" marL="0" rtl="0" algn="l">
+              <a:spcBef>
+                <a:spcPts val="0"/>
+              </a:spcBef>
+              <a:spcAft>
+                <a:spcPts val="0"/>
+              </a:spcAft>
+              <a:buNone/>
+            </a:pPr>
+            <a:r>
+              <a:t/>
+            </a:r>
+            <a:endParaRPr/>
+          </a:p>
+        </p:txBody>
+      </p:sp>
+    </p:spTree>
+  </p:cSld>
+  <p:clrMapOvr>
+    <a:masterClrMapping/>
+  </p:clrMapOvr>
+</p:notes>
+</file>
+
+<file path=ppt/notesSlides/notesSlide21.xml><?xml version="1.0" encoding="utf-8"?>
+<p:notes xmlns:a="http://schemas.openxmlformats.org/drawingml/2006/main" xmlns:r="http://schemas.openxmlformats.org/officeDocument/2006/relationships" xmlns:mc="http://schemas.openxmlformats.org/markup-compatibility/2006" xmlns:mv="urn:schemas-microsoft-com:mac:vml" xmlns:p="http://schemas.openxmlformats.org/presentationml/2006/main" xmlns:c="http://schemas.openxmlformats.org/drawingml/2006/chart" xmlns:dgm="http://schemas.openxmlformats.org/drawingml/2006/diagram" xmlns:o="urn:schemas-microsoft-com:office:office" xmlns:v="urn:schemas-microsoft-com:vml" xmlns:pvml="urn:schemas-microsoft-com:office:powerpoint" xmlns:com="http://schemas.openxmlformats.org/drawingml/2006/compatibility" xmlns:p14="http://schemas.microsoft.com/office/powerpoint/2010/main" xmlns:p15="http://schemas.microsoft.com/office/powerpoint/2012/main" xmlns:ahyp="http://schemas.microsoft.com/office/drawing/2018/hyperlinkcolor" showMasterPhAnim="0" showMasterSp="0">
+  <p:cSld>
+    <p:spTree>
+      <p:nvGrpSpPr>
+        <p:cNvPr id="219" name="Shape 219"/>
+        <p:cNvGrpSpPr/>
+        <p:nvPr/>
+      </p:nvGrpSpPr>
+      <p:grpSpPr>
+        <a:xfrm>
+          <a:off x="0" y="0"/>
+          <a:ext cx="0" cy="0"/>
+          <a:chOff x="0" y="0"/>
+          <a:chExt cx="0" cy="0"/>
+        </a:xfrm>
+      </p:grpSpPr>
+      <p:sp>
+        <p:nvSpPr>
+          <p:cNvPr id="220" name="Google Shape;220;g201302a8efe_0_27:notes"/>
+          <p:cNvSpPr/>
+          <p:nvPr>
+            <p:ph idx="2" type="sldImg"/>
+          </p:nvPr>
+        </p:nvSpPr>
+        <p:spPr>
+          <a:xfrm>
+            <a:off x="381300" y="685800"/>
+            <a:ext cx="6096000" cy="3429000"/>
+          </a:xfrm>
+          <a:custGeom>
+            <a:rect b="b" l="l" r="r" t="t"/>
+            <a:pathLst>
+              <a:path extrusionOk="0" h="120000" w="120000">
+                <a:moveTo>
+                  <a:pt x="0" y="0"/>
+                </a:moveTo>
+                <a:lnTo>
+                  <a:pt x="120000" y="0"/>
+                </a:lnTo>
+                <a:lnTo>
+                  <a:pt x="120000" y="120000"/>
+                </a:lnTo>
+                <a:lnTo>
+                  <a:pt x="0" y="120000"/>
+                </a:lnTo>
+                <a:close/>
+              </a:path>
+            </a:pathLst>
+          </a:custGeom>
+        </p:spPr>
+      </p:sp>
+      <p:sp>
+        <p:nvSpPr>
+          <p:cNvPr id="221" name="Google Shape;221;g201302a8efe_0_27:notes"/>
+          <p:cNvSpPr txBox="1"/>
+          <p:nvPr>
+            <p:ph idx="1" type="body"/>
+          </p:nvPr>
+        </p:nvSpPr>
+        <p:spPr>
+          <a:xfrm>
+            <a:off x="685800" y="4343400"/>
+            <a:ext cx="5486400" cy="4114800"/>
+          </a:xfrm>
+          <a:prstGeom prst="rect">
+            <a:avLst/>
+          </a:prstGeom>
+        </p:spPr>
+        <p:txBody>
+          <a:bodyPr anchorCtr="0" anchor="t" bIns="91425" lIns="91425" spcFirstLastPara="1" rIns="91425" wrap="square" tIns="91425">
+            <a:noAutofit/>
+          </a:bodyPr>
+          <a:lstStyle/>
+          <a:p>
+            <a:pPr indent="0" lvl="0" marL="0" rtl="0" algn="l">
+              <a:spcBef>
+                <a:spcPts val="0"/>
+              </a:spcBef>
+              <a:spcAft>
+                <a:spcPts val="0"/>
+              </a:spcAft>
+              <a:buNone/>
+            </a:pPr>
+            <a:r>
+              <a:t/>
+            </a:r>
+            <a:endParaRPr/>
+          </a:p>
+        </p:txBody>
+      </p:sp>
+    </p:spTree>
+  </p:cSld>
+  <p:clrMapOvr>
+    <a:masterClrMapping/>
+  </p:clrMapOvr>
+</p:notes>
+</file>
+
+<file path=ppt/notesSlides/notesSlide22.xml><?xml version="1.0" encoding="utf-8"?>
+<p:notes xmlns:a="http://schemas.openxmlformats.org/drawingml/2006/main" xmlns:r="http://schemas.openxmlformats.org/officeDocument/2006/relationships" xmlns:mc="http://schemas.openxmlformats.org/markup-compatibility/2006" xmlns:mv="urn:schemas-microsoft-com:mac:vml" xmlns:p="http://schemas.openxmlformats.org/presentationml/2006/main" xmlns:c="http://schemas.openxmlformats.org/drawingml/2006/chart" xmlns:dgm="http://schemas.openxmlformats.org/drawingml/2006/diagram" xmlns:o="urn:schemas-microsoft-com:office:office" xmlns:v="urn:schemas-microsoft-com:vml" xmlns:pvml="urn:schemas-microsoft-com:office:powerpoint" xmlns:com="http://schemas.openxmlformats.org/drawingml/2006/compatibility" xmlns:p14="http://schemas.microsoft.com/office/powerpoint/2010/main" xmlns:p15="http://schemas.microsoft.com/office/powerpoint/2012/main" xmlns:ahyp="http://schemas.microsoft.com/office/drawing/2018/hyperlinkcolor" showMasterPhAnim="0" showMasterSp="0">
+  <p:cSld>
+    <p:spTree>
+      <p:nvGrpSpPr>
+        <p:cNvPr id="228" name="Shape 228"/>
+        <p:cNvGrpSpPr/>
+        <p:nvPr/>
+      </p:nvGrpSpPr>
+      <p:grpSpPr>
+        <a:xfrm>
+          <a:off x="0" y="0"/>
+          <a:ext cx="0" cy="0"/>
+          <a:chOff x="0" y="0"/>
+          <a:chExt cx="0" cy="0"/>
+        </a:xfrm>
+      </p:grpSpPr>
+      <p:sp>
+        <p:nvSpPr>
+          <p:cNvPr id="229" name="Google Shape;229;g201302a8efe_0_19:notes"/>
+          <p:cNvSpPr/>
+          <p:nvPr>
+            <p:ph idx="2" type="sldImg"/>
+          </p:nvPr>
+        </p:nvSpPr>
+        <p:spPr>
+          <a:xfrm>
+            <a:off x="381300" y="685800"/>
+            <a:ext cx="6096000" cy="3429000"/>
+          </a:xfrm>
+          <a:custGeom>
+            <a:rect b="b" l="l" r="r" t="t"/>
+            <a:pathLst>
+              <a:path extrusionOk="0" h="120000" w="120000">
+                <a:moveTo>
+                  <a:pt x="0" y="0"/>
+                </a:moveTo>
+                <a:lnTo>
+                  <a:pt x="120000" y="0"/>
+                </a:lnTo>
+                <a:lnTo>
+                  <a:pt x="120000" y="120000"/>
+                </a:lnTo>
+                <a:lnTo>
+                  <a:pt x="0" y="120000"/>
+                </a:lnTo>
+                <a:close/>
+              </a:path>
+            </a:pathLst>
+          </a:custGeom>
+        </p:spPr>
+      </p:sp>
+      <p:sp>
+        <p:nvSpPr>
+          <p:cNvPr id="230" name="Google Shape;230;g201302a8efe_0_19:notes"/>
           <p:cNvSpPr txBox="1"/>
           <p:nvPr>
             <p:ph idx="1" type="body"/>
@@ -2218,7 +2418,7 @@
       </p:grpSpPr>
       <p:sp>
         <p:nvSpPr>
-          <p:cNvPr id="86" name="Google Shape;86;g1c2482a7c5e_0_550:notes"/>
+          <p:cNvPr id="86" name="Google Shape;86;g1c2482a7c5e_0_557:notes"/>
           <p:cNvSpPr/>
           <p:nvPr>
             <p:ph idx="2" type="sldImg"/>
@@ -2253,7 +2453,7 @@
       </p:sp>
       <p:sp>
         <p:nvSpPr>
-          <p:cNvPr id="87" name="Google Shape;87;g1c2482a7c5e_0_550:notes"/>
+          <p:cNvPr id="87" name="Google Shape;87;g1c2482a7c5e_0_557:notes"/>
           <p:cNvSpPr txBox="1"/>
           <p:nvPr>
             <p:ph idx="1" type="body"/>
@@ -2317,7 +2517,7 @@
       </p:grpSpPr>
       <p:sp>
         <p:nvSpPr>
-          <p:cNvPr id="92" name="Google Shape;92;g1c2482a7c5e_0_557:notes"/>
+          <p:cNvPr id="92" name="Google Shape;92;g1c2482a7c5e_0_550:notes"/>
           <p:cNvSpPr/>
           <p:nvPr>
             <p:ph idx="2" type="sldImg"/>
@@ -2352,7 +2552,7 @@
       </p:sp>
       <p:sp>
         <p:nvSpPr>
-          <p:cNvPr id="93" name="Google Shape;93;g1c2482a7c5e_0_557:notes"/>
+          <p:cNvPr id="93" name="Google Shape;93;g1c2482a7c5e_0_550:notes"/>
           <p:cNvSpPr txBox="1"/>
           <p:nvPr>
             <p:ph idx="1" type="body"/>
@@ -2416,7 +2616,7 @@
       </p:grpSpPr>
       <p:sp>
         <p:nvSpPr>
-          <p:cNvPr id="98" name="Google Shape;98;g1c2482a7c5e_0_528:notes"/>
+          <p:cNvPr id="98" name="Google Shape;98;g31e763c3154_0_0:notes"/>
           <p:cNvSpPr/>
           <p:nvPr>
             <p:ph idx="2" type="sldImg"/>
@@ -2451,7 +2651,7 @@
       </p:sp>
       <p:sp>
         <p:nvSpPr>
-          <p:cNvPr id="99" name="Google Shape;99;g1c2482a7c5e_0_528:notes"/>
+          <p:cNvPr id="99" name="Google Shape;99;g31e763c3154_0_0:notes"/>
           <p:cNvSpPr txBox="1"/>
           <p:nvPr>
             <p:ph idx="1" type="body"/>
@@ -2515,7 +2715,7 @@
       </p:grpSpPr>
       <p:sp>
         <p:nvSpPr>
-          <p:cNvPr id="104" name="Google Shape;104;g201302a8efe_0_463:notes"/>
+          <p:cNvPr id="104" name="Google Shape;104;g1c2482a7c5e_0_528:notes"/>
           <p:cNvSpPr/>
           <p:nvPr>
             <p:ph idx="2" type="sldImg"/>
@@ -2550,7 +2750,7 @@
       </p:sp>
       <p:sp>
         <p:nvSpPr>
-          <p:cNvPr id="105" name="Google Shape;105;g201302a8efe_0_463:notes"/>
+          <p:cNvPr id="105" name="Google Shape;105;g1c2482a7c5e_0_528:notes"/>
           <p:cNvSpPr txBox="1"/>
           <p:nvPr>
             <p:ph idx="1" type="body"/>
@@ -2600,7 +2800,7 @@
   <p:cSld>
     <p:spTree>
       <p:nvGrpSpPr>
-        <p:cNvPr id="145" name="Shape 145"/>
+        <p:cNvPr id="109" name="Shape 109"/>
         <p:cNvGrpSpPr/>
         <p:nvPr/>
       </p:nvGrpSpPr>
@@ -2614,7 +2814,7 @@
       </p:grpSpPr>
       <p:sp>
         <p:nvSpPr>
-          <p:cNvPr id="146" name="Google Shape;146;g201302a8efe_0_0:notes"/>
+          <p:cNvPr id="110" name="Google Shape;110;g201302a8efe_0_463:notes"/>
           <p:cNvSpPr/>
           <p:nvPr>
             <p:ph idx="2" type="sldImg"/>
@@ -2649,7 +2849,7 @@
       </p:sp>
       <p:sp>
         <p:nvSpPr>
-          <p:cNvPr id="147" name="Google Shape;147;g201302a8efe_0_0:notes"/>
+          <p:cNvPr id="111" name="Google Shape;111;g201302a8efe_0_463:notes"/>
           <p:cNvSpPr txBox="1"/>
           <p:nvPr>
             <p:ph idx="1" type="body"/>
@@ -7943,7 +8143,7 @@
             </a:pPr>
             <a:r>
               <a:rPr lang="en"/>
-              <a:t>January 18, 2024</a:t>
+              <a:t>January 23, 2025</a:t>
             </a:r>
             <a:endParaRPr/>
           </a:p>
@@ -8008,7 +8208,7 @@
             </a:pPr>
             <a:r>
               <a:rPr lang="en"/>
-              <a:t>Week 4: Team Selection</a:t>
+              <a:t>Week 5: Project Proposals</a:t>
             </a:r>
             <a:endParaRPr/>
           </a:p>
@@ -8025,7 +8225,7 @@
         <p:spPr>
           <a:xfrm>
             <a:off x="311700" y="1152475"/>
-            <a:ext cx="8520600" cy="3834300"/>
+            <a:ext cx="8520600" cy="3738600"/>
           </a:xfrm>
           <a:prstGeom prst="rect">
             <a:avLst/>
@@ -8048,12 +8248,12 @@
             </a:pPr>
             <a:r>
               <a:rPr lang="en"/>
-              <a:t>During project proposals:</a:t>
+              <a:t>Share what you’re passionate about and convince others to work with you:</a:t>
             </a:r>
             <a:endParaRPr/>
           </a:p>
           <a:p>
-            <a:pPr indent="-342900" lvl="0" marL="914400" rtl="0" algn="l">
+            <a:pPr indent="-342900" lvl="0" marL="457200" rtl="0" algn="l">
               <a:spcBef>
                 <a:spcPts val="1200"/>
               </a:spcBef>
@@ -8065,30 +8265,14 @@
             </a:pPr>
             <a:r>
               <a:rPr lang="en"/>
-              <a:t>Take notes on what projects sound interesting to you</a:t>
+              <a:t>1 slide (PowerPoint, Keynote, or Google Slides)</a:t>
             </a:r>
             <a:endParaRPr/>
           </a:p>
           <a:p>
-            <a:pPr indent="0" lvl="0" marL="0" rtl="0" algn="l">
-              <a:spcBef>
-                <a:spcPts val="1200"/>
-              </a:spcBef>
-              <a:spcAft>
-                <a:spcPts val="0"/>
-              </a:spcAft>
-              <a:buNone/>
-            </a:pPr>
-            <a:r>
-              <a:rPr lang="en"/>
-              <a:t>After project proposals:</a:t>
-            </a:r>
-            <a:endParaRPr/>
-          </a:p>
-          <a:p>
-            <a:pPr indent="-342900" lvl="0" marL="914400" rtl="0" algn="l">
-              <a:spcBef>
-                <a:spcPts val="1200"/>
+            <a:pPr indent="-342900" lvl="0" marL="457200" rtl="0" algn="l">
+              <a:spcBef>
+                <a:spcPts val="0"/>
               </a:spcBef>
               <a:spcAft>
                 <a:spcPts val="0"/>
@@ -8098,12 +8282,12 @@
             </a:pPr>
             <a:r>
               <a:rPr lang="en"/>
-              <a:t>You’ll have time in class to talk to each other and form teams around a project proposal</a:t>
+              <a:t>Title</a:t>
             </a:r>
             <a:endParaRPr/>
           </a:p>
           <a:p>
-            <a:pPr indent="-342900" lvl="0" marL="914400" rtl="0" algn="l">
+            <a:pPr indent="-342900" lvl="0" marL="457200" rtl="0" algn="l">
               <a:spcBef>
                 <a:spcPts val="0"/>
               </a:spcBef>
@@ -8115,12 +8299,12 @@
             </a:pPr>
             <a:r>
               <a:rPr lang="en"/>
-              <a:t>3-4 people per team - 1 person submits names via Canvas</a:t>
+              <a:t>Project type (research, reusable data, tool)</a:t>
             </a:r>
             <a:endParaRPr/>
           </a:p>
           <a:p>
-            <a:pPr indent="-342900" lvl="0" marL="914400" rtl="0" algn="l">
+            <a:pPr indent="-342900" lvl="0" marL="457200" rtl="0" algn="l">
               <a:spcBef>
                 <a:spcPts val="0"/>
               </a:spcBef>
@@ -8132,16 +8316,12 @@
             </a:pPr>
             <a:r>
               <a:rPr lang="en"/>
-              <a:t>If you’d prefer, I’m </a:t>
-            </a:r>
-            <a:r>
-              <a:rPr lang="en"/>
-              <a:t>happy to help find a group for you, particularly if your team has just 1-2 people</a:t>
+              <a:t>Short pitch - what will you do, why it is cool</a:t>
             </a:r>
             <a:endParaRPr/>
           </a:p>
           <a:p>
-            <a:pPr indent="-342900" lvl="0" marL="914400" rtl="0" algn="l">
+            <a:pPr indent="-342900" lvl="0" marL="457200" rtl="0" algn="l">
               <a:spcBef>
                 <a:spcPts val="0"/>
               </a:spcBef>
@@ -8153,41 +8333,77 @@
             </a:pPr>
             <a:r>
               <a:rPr lang="en"/>
-              <a:t>If you have to miss class</a:t>
+              <a:t>Your 2+ data sources (could be tentative)</a:t>
             </a:r>
             <a:endParaRPr/>
           </a:p>
           <a:p>
-            <a:pPr indent="-317500" lvl="1" marL="1371600" rtl="0" algn="l">
-              <a:spcBef>
-                <a:spcPts val="0"/>
-              </a:spcBef>
-              <a:spcAft>
-                <a:spcPts val="0"/>
-              </a:spcAft>
-              <a:buSzPts val="1400"/>
-              <a:buChar char="○"/>
+            <a:pPr indent="-342900" lvl="0" marL="457200" rtl="0" algn="l">
+              <a:spcBef>
+                <a:spcPts val="0"/>
+              </a:spcBef>
+              <a:spcAft>
+                <a:spcPts val="0"/>
+              </a:spcAft>
+              <a:buSzPts val="1800"/>
+              <a:buChar char="●"/>
             </a:pPr>
             <a:r>
               <a:rPr lang="en"/>
-              <a:t>Let me know</a:t>
+              <a:t>Your name</a:t>
             </a:r>
             <a:endParaRPr/>
           </a:p>
           <a:p>
-            <a:pPr indent="-317500" lvl="1" marL="1371600" rtl="0" algn="l">
-              <a:spcBef>
-                <a:spcPts val="0"/>
-              </a:spcBef>
-              <a:spcAft>
-                <a:spcPts val="0"/>
-              </a:spcAft>
-              <a:buSzPts val="1400"/>
-              <a:buChar char="○"/>
+            <a:pPr indent="0" lvl="0" marL="0" rtl="0" algn="l">
+              <a:spcBef>
+                <a:spcPts val="1200"/>
+              </a:spcBef>
+              <a:spcAft>
+                <a:spcPts val="0"/>
+              </a:spcAft>
+              <a:buNone/>
+            </a:pPr>
+            <a:r>
+              <a:rPr b="1" lang="en"/>
+              <a:t>Due by 12pm Thursday 2/6 via Canvas (I need time to compile the deck!)</a:t>
+            </a:r>
+            <a:endParaRPr b="1"/>
+          </a:p>
+          <a:p>
+            <a:pPr indent="0" lvl="0" marL="0" rtl="0" algn="l">
+              <a:spcBef>
+                <a:spcPts val="1200"/>
+              </a:spcBef>
+              <a:spcAft>
+                <a:spcPts val="0"/>
+              </a:spcAft>
+              <a:buNone/>
             </a:pPr>
             <a:r>
               <a:rPr lang="en"/>
-              <a:t>I will help you find a project team</a:t>
+              <a:t>In-class presentation of your proposal (2 minutes)</a:t>
+            </a:r>
+            <a:endParaRPr/>
+          </a:p>
+          <a:p>
+            <a:pPr indent="0" lvl="0" marL="0" rtl="0" algn="l">
+              <a:spcBef>
+                <a:spcPts val="1200"/>
+              </a:spcBef>
+              <a:spcAft>
+                <a:spcPts val="1200"/>
+              </a:spcAft>
+              <a:buClr>
+                <a:schemeClr val="dk1"/>
+              </a:buClr>
+              <a:buSzPts val="1100"/>
+              <a:buFont typeface="Arial"/>
+              <a:buNone/>
+            </a:pPr>
+            <a:r>
+              <a:rPr lang="en"/>
+              <a:t>Participation points! If you are unable to attend, please let me know.</a:t>
             </a:r>
             <a:endParaRPr/>
           </a:p>
@@ -8252,7 +8468,7 @@
             </a:pPr>
             <a:r>
               <a:rPr lang="en"/>
-              <a:t>Week 4-5: Idea Validation</a:t>
+              <a:t>Week 5: Team Selection</a:t>
             </a:r>
             <a:endParaRPr/>
           </a:p>
@@ -8269,7 +8485,7 @@
         <p:spPr>
           <a:xfrm>
             <a:off x="311700" y="1152475"/>
-            <a:ext cx="8520600" cy="3416400"/>
+            <a:ext cx="8520600" cy="3834300"/>
           </a:xfrm>
           <a:prstGeom prst="rect">
             <a:avLst/>
@@ -8277,178 +8493,163 @@
         </p:spPr>
         <p:txBody>
           <a:bodyPr anchorCtr="0" anchor="t" bIns="91425" lIns="91425" spcFirstLastPara="1" rIns="91425" wrap="square" tIns="91425">
-            <a:normAutofit/>
+            <a:normAutofit lnSpcReduction="10000"/>
           </a:bodyPr>
           <a:lstStyle/>
           <a:p>
-            <a:pPr indent="-361950" lvl="0" marL="457200" rtl="0" algn="l">
-              <a:spcBef>
-                <a:spcPts val="0"/>
-              </a:spcBef>
-              <a:spcAft>
-                <a:spcPts val="0"/>
-              </a:spcAft>
-              <a:buSzPts val="2100"/>
+            <a:pPr indent="0" lvl="0" marL="0" rtl="0" algn="l">
+              <a:spcBef>
+                <a:spcPts val="0"/>
+              </a:spcBef>
+              <a:spcAft>
+                <a:spcPts val="0"/>
+              </a:spcAft>
+              <a:buNone/>
+            </a:pPr>
+            <a:r>
+              <a:rPr lang="en"/>
+              <a:t>During project proposals:</a:t>
+            </a:r>
+            <a:endParaRPr/>
+          </a:p>
+          <a:p>
+            <a:pPr indent="-342900" lvl="0" marL="914400" rtl="0" algn="l">
+              <a:spcBef>
+                <a:spcPts val="1200"/>
+              </a:spcBef>
+              <a:spcAft>
+                <a:spcPts val="0"/>
+              </a:spcAft>
+              <a:buSzPts val="1800"/>
               <a:buChar char="●"/>
             </a:pPr>
             <a:r>
-              <a:rPr lang="en" sz="2100"/>
-              <a:t>Agree as a team on what the project is</a:t>
-            </a:r>
-            <a:endParaRPr sz="2100"/>
-          </a:p>
-          <a:p>
-            <a:pPr indent="-336550" lvl="1" marL="914400" rtl="0" algn="l">
-              <a:spcBef>
-                <a:spcPts val="0"/>
-              </a:spcBef>
-              <a:spcAft>
-                <a:spcPts val="0"/>
-              </a:spcAft>
-              <a:buSzPts val="1700"/>
+              <a:rPr lang="en"/>
+              <a:t>Take notes on what projects sound interesting to you</a:t>
+            </a:r>
+            <a:endParaRPr/>
+          </a:p>
+          <a:p>
+            <a:pPr indent="0" lvl="0" marL="0" rtl="0" algn="l">
+              <a:spcBef>
+                <a:spcPts val="1200"/>
+              </a:spcBef>
+              <a:spcAft>
+                <a:spcPts val="0"/>
+              </a:spcAft>
+              <a:buNone/>
+            </a:pPr>
+            <a:r>
+              <a:rPr lang="en"/>
+              <a:t>After project proposals:</a:t>
+            </a:r>
+            <a:endParaRPr/>
+          </a:p>
+          <a:p>
+            <a:pPr indent="-342900" lvl="0" marL="914400" rtl="0" algn="l">
+              <a:spcBef>
+                <a:spcPts val="1200"/>
+              </a:spcBef>
+              <a:spcAft>
+                <a:spcPts val="0"/>
+              </a:spcAft>
+              <a:buSzPts val="1800"/>
+              <a:buChar char="●"/>
+            </a:pPr>
+            <a:r>
+              <a:rPr lang="en"/>
+              <a:t>You’ll have time in class to talk to each other and form teams around a project proposal</a:t>
+            </a:r>
+            <a:endParaRPr/>
+          </a:p>
+          <a:p>
+            <a:pPr indent="-342900" lvl="0" marL="914400" rtl="0" algn="l">
+              <a:spcBef>
+                <a:spcPts val="0"/>
+              </a:spcBef>
+              <a:spcAft>
+                <a:spcPts val="0"/>
+              </a:spcAft>
+              <a:buSzPts val="1800"/>
+              <a:buChar char="●"/>
+            </a:pPr>
+            <a:r>
+              <a:rPr lang="en"/>
+              <a:t>3-4 people per team - 1 person submits names via Canvas</a:t>
+            </a:r>
+            <a:endParaRPr/>
+          </a:p>
+          <a:p>
+            <a:pPr indent="-342900" lvl="0" marL="914400" rtl="0" algn="l">
+              <a:spcBef>
+                <a:spcPts val="0"/>
+              </a:spcBef>
+              <a:spcAft>
+                <a:spcPts val="0"/>
+              </a:spcAft>
+              <a:buSzPts val="1800"/>
+              <a:buChar char="●"/>
+            </a:pPr>
+            <a:r>
+              <a:rPr lang="en"/>
+              <a:t>If you’d prefer, I’m </a:t>
+            </a:r>
+            <a:r>
+              <a:rPr lang="en"/>
+              <a:t>happy to help find a group for you, particularly if your team has just 1-2 people</a:t>
+            </a:r>
+            <a:endParaRPr/>
+          </a:p>
+          <a:p>
+            <a:pPr indent="-342900" lvl="0" marL="914400" rtl="0" algn="l">
+              <a:spcBef>
+                <a:spcPts val="0"/>
+              </a:spcBef>
+              <a:spcAft>
+                <a:spcPts val="0"/>
+              </a:spcAft>
+              <a:buSzPts val="1800"/>
+              <a:buChar char="●"/>
+            </a:pPr>
+            <a:r>
+              <a:rPr lang="en"/>
+              <a:t>If you have to miss class</a:t>
+            </a:r>
+            <a:endParaRPr/>
+          </a:p>
+          <a:p>
+            <a:pPr indent="-317500" lvl="1" marL="1371600" rtl="0" algn="l">
+              <a:spcBef>
+                <a:spcPts val="0"/>
+              </a:spcBef>
+              <a:spcAft>
+                <a:spcPts val="0"/>
+              </a:spcAft>
+              <a:buSzPts val="1400"/>
               <a:buChar char="○"/>
             </a:pPr>
             <a:r>
-              <a:rPr lang="en" sz="1700"/>
-              <a:t>Clarity about the project type</a:t>
-            </a:r>
-            <a:endParaRPr sz="1700"/>
-          </a:p>
-          <a:p>
-            <a:pPr indent="-336550" lvl="1" marL="914400" rtl="0" algn="l">
-              <a:spcBef>
-                <a:spcPts val="0"/>
-              </a:spcBef>
-              <a:spcAft>
-                <a:spcPts val="0"/>
-              </a:spcAft>
-              <a:buSzPts val="1700"/>
+              <a:rPr lang="en"/>
+              <a:t>Let me know</a:t>
+            </a:r>
+            <a:endParaRPr/>
+          </a:p>
+          <a:p>
+            <a:pPr indent="-317500" lvl="1" marL="1371600" rtl="0" algn="l">
+              <a:spcBef>
+                <a:spcPts val="0"/>
+              </a:spcBef>
+              <a:spcAft>
+                <a:spcPts val="0"/>
+              </a:spcAft>
+              <a:buSzPts val="1400"/>
               <a:buChar char="○"/>
             </a:pPr>
             <a:r>
-              <a:rPr lang="en" sz="1700"/>
-              <a:t>Consensus on the problem being solved</a:t>
-            </a:r>
-            <a:endParaRPr sz="1700"/>
-          </a:p>
-          <a:p>
-            <a:pPr indent="-361950" lvl="0" marL="457200" rtl="0" algn="l">
-              <a:spcBef>
-                <a:spcPts val="0"/>
-              </a:spcBef>
-              <a:spcAft>
-                <a:spcPts val="0"/>
-              </a:spcAft>
-              <a:buSzPts val="2100"/>
-              <a:buChar char="●"/>
-            </a:pPr>
-            <a:r>
-              <a:rPr lang="en" sz="2100"/>
-              <a:t>Validate that the project is feasible and large enough</a:t>
-            </a:r>
-            <a:endParaRPr sz="2100"/>
-          </a:p>
-          <a:p>
-            <a:pPr indent="-336550" lvl="1" marL="914400" rtl="0" algn="l">
-              <a:spcBef>
-                <a:spcPts val="0"/>
-              </a:spcBef>
-              <a:spcAft>
-                <a:spcPts val="0"/>
-              </a:spcAft>
-              <a:buSzPts val="1700"/>
-              <a:buChar char="○"/>
-            </a:pPr>
-            <a:r>
-              <a:rPr lang="en" sz="1700"/>
-              <a:t>Is there an unmet need (i.e. no code already exists)?</a:t>
-            </a:r>
-            <a:endParaRPr sz="1700"/>
-          </a:p>
-          <a:p>
-            <a:pPr indent="-336550" lvl="1" marL="914400" rtl="0" algn="l">
-              <a:spcBef>
-                <a:spcPts val="0"/>
-              </a:spcBef>
-              <a:spcAft>
-                <a:spcPts val="0"/>
-              </a:spcAft>
-              <a:buSzPts val="1700"/>
-              <a:buChar char="○"/>
-            </a:pPr>
-            <a:r>
-              <a:rPr lang="en" sz="1700"/>
-              <a:t>Do you have data that can solve the problem?</a:t>
-            </a:r>
-            <a:endParaRPr sz="1700"/>
-          </a:p>
-          <a:p>
-            <a:pPr indent="-336550" lvl="1" marL="914400" rtl="0" algn="l">
-              <a:spcBef>
-                <a:spcPts val="0"/>
-              </a:spcBef>
-              <a:spcAft>
-                <a:spcPts val="0"/>
-              </a:spcAft>
-              <a:buSzPts val="1700"/>
-              <a:buChar char="○"/>
-            </a:pPr>
-            <a:r>
-              <a:rPr lang="en" sz="1700"/>
-              <a:t>Will this project take about 5-6 weeks of effort for 3-4 people to complete?</a:t>
-            </a:r>
-            <a:endParaRPr sz="1700"/>
-          </a:p>
-          <a:p>
-            <a:pPr indent="-361950" lvl="0" marL="457200" rtl="0" algn="l">
-              <a:spcBef>
-                <a:spcPts val="0"/>
-              </a:spcBef>
-              <a:spcAft>
-                <a:spcPts val="0"/>
-              </a:spcAft>
-              <a:buSzPts val="2100"/>
-              <a:buChar char="●"/>
-            </a:pPr>
-            <a:r>
-              <a:rPr lang="en" sz="2100"/>
-              <a:t>Create a git repository for your team</a:t>
-            </a:r>
-            <a:endParaRPr sz="2100"/>
-          </a:p>
-          <a:p>
-            <a:pPr indent="-336550" lvl="1" marL="914400" rtl="0" algn="l">
-              <a:spcBef>
-                <a:spcPts val="0"/>
-              </a:spcBef>
-              <a:spcAft>
-                <a:spcPts val="0"/>
-              </a:spcAft>
-              <a:buSzPts val="1700"/>
-              <a:buChar char="○"/>
-            </a:pPr>
-            <a:r>
-              <a:rPr lang="en" sz="1700"/>
-              <a:t>README.md with result of the idea validation</a:t>
-            </a:r>
-            <a:endParaRPr sz="1700"/>
-          </a:p>
-          <a:p>
-            <a:pPr indent="-336550" lvl="1" marL="914400" rtl="0" algn="l">
-              <a:spcBef>
-                <a:spcPts val="0"/>
-              </a:spcBef>
-              <a:spcAft>
-                <a:spcPts val="0"/>
-              </a:spcAft>
-              <a:buSzPts val="1700"/>
-              <a:buChar char="○"/>
-            </a:pPr>
-            <a:r>
-              <a:rPr lang="en" sz="1700"/>
-              <a:t>One person submits the repository link via Canvas</a:t>
-            </a:r>
-            <a:endParaRPr sz="1700"/>
+              <a:rPr lang="en"/>
+              <a:t>I will help you find a project team</a:t>
+            </a:r>
+            <a:endParaRPr/>
           </a:p>
         </p:txBody>
       </p:sp>
@@ -8511,7 +8712,7 @@
             </a:pPr>
             <a:r>
               <a:rPr lang="en"/>
-              <a:t>Week 5-6: Software &amp; Use Case Design (in class)</a:t>
+              <a:t>Week 5-6: Idea Validation</a:t>
             </a:r>
             <a:endParaRPr/>
           </a:p>
@@ -8540,91 +8741,174 @@
           </a:bodyPr>
           <a:lstStyle/>
           <a:p>
-            <a:pPr indent="0" lvl="0" marL="0" rtl="0" algn="l">
-              <a:spcBef>
-                <a:spcPts val="0"/>
-              </a:spcBef>
-              <a:spcAft>
-                <a:spcPts val="0"/>
-              </a:spcAft>
-              <a:buNone/>
-            </a:pPr>
-            <a:r>
-              <a:rPr lang="en"/>
-              <a:t>In-class exercise to design your project:</a:t>
-            </a:r>
-            <a:endParaRPr/>
-          </a:p>
-          <a:p>
-            <a:pPr indent="-342900" lvl="0" marL="457200" rtl="0" algn="l">
-              <a:spcBef>
-                <a:spcPts val="1200"/>
-              </a:spcBef>
-              <a:spcAft>
-                <a:spcPts val="0"/>
-              </a:spcAft>
-              <a:buSzPts val="1800"/>
+            <a:pPr indent="-361950" lvl="0" marL="457200" rtl="0" algn="l">
+              <a:spcBef>
+                <a:spcPts val="0"/>
+              </a:spcBef>
+              <a:spcAft>
+                <a:spcPts val="0"/>
+              </a:spcAft>
+              <a:buSzPts val="2100"/>
               <a:buChar char="●"/>
             </a:pPr>
             <a:r>
-              <a:rPr lang="en"/>
-              <a:t>W</a:t>
-            </a:r>
-            <a:r>
-              <a:rPr lang="en"/>
-              <a:t>ho are the users? What do they know?</a:t>
-            </a:r>
-            <a:endParaRPr/>
-          </a:p>
-          <a:p>
-            <a:pPr indent="-342900" lvl="0" marL="457200" rtl="0" algn="l">
-              <a:spcBef>
-                <a:spcPts val="0"/>
-              </a:spcBef>
-              <a:spcAft>
-                <a:spcPts val="0"/>
-              </a:spcAft>
-              <a:buSzPts val="1800"/>
+              <a:rPr lang="en" sz="2100"/>
+              <a:t>Agree as a team on what the project is</a:t>
+            </a:r>
+            <a:endParaRPr sz="2100"/>
+          </a:p>
+          <a:p>
+            <a:pPr indent="-336550" lvl="1" marL="914400" rtl="0" algn="l">
+              <a:spcBef>
+                <a:spcPts val="0"/>
+              </a:spcBef>
+              <a:spcAft>
+                <a:spcPts val="0"/>
+              </a:spcAft>
+              <a:buSzPts val="1700"/>
+              <a:buChar char="○"/>
+            </a:pPr>
+            <a:r>
+              <a:rPr lang="en" sz="1700"/>
+              <a:t>Clarity about the project type</a:t>
+            </a:r>
+            <a:endParaRPr sz="1700"/>
+          </a:p>
+          <a:p>
+            <a:pPr indent="-336550" lvl="1" marL="914400" rtl="0" algn="l">
+              <a:spcBef>
+                <a:spcPts val="0"/>
+              </a:spcBef>
+              <a:spcAft>
+                <a:spcPts val="0"/>
+              </a:spcAft>
+              <a:buSzPts val="1700"/>
+              <a:buChar char="○"/>
+            </a:pPr>
+            <a:r>
+              <a:rPr lang="en" sz="1700"/>
+              <a:t>Consensus on the problem being solved</a:t>
+            </a:r>
+            <a:endParaRPr sz="1700"/>
+          </a:p>
+          <a:p>
+            <a:pPr indent="-361950" lvl="0" marL="457200" rtl="0" algn="l">
+              <a:spcBef>
+                <a:spcPts val="0"/>
+              </a:spcBef>
+              <a:spcAft>
+                <a:spcPts val="0"/>
+              </a:spcAft>
+              <a:buSzPts val="2100"/>
               <a:buChar char="●"/>
             </a:pPr>
             <a:r>
-              <a:rPr lang="en"/>
-              <a:t>What information do users want from the system?</a:t>
-            </a:r>
-            <a:endParaRPr/>
-          </a:p>
-          <a:p>
-            <a:pPr indent="-342900" lvl="0" marL="457200" rtl="0" algn="l">
-              <a:spcBef>
-                <a:spcPts val="0"/>
-              </a:spcBef>
-              <a:spcAft>
-                <a:spcPts val="0"/>
-              </a:spcAft>
-              <a:buSzPts val="1800"/>
+              <a:rPr lang="en" sz="2100"/>
+              <a:t>Validate that the project is feasible and large enough</a:t>
+            </a:r>
+            <a:endParaRPr sz="2100"/>
+          </a:p>
+          <a:p>
+            <a:pPr indent="-336550" lvl="1" marL="914400" rtl="0" algn="l">
+              <a:spcBef>
+                <a:spcPts val="0"/>
+              </a:spcBef>
+              <a:spcAft>
+                <a:spcPts val="0"/>
+              </a:spcAft>
+              <a:buSzPts val="1700"/>
+              <a:buChar char="○"/>
+            </a:pPr>
+            <a:r>
+              <a:rPr lang="en" sz="1700"/>
+              <a:t>Is there an unmet need (i.e. no code already exists)?</a:t>
+            </a:r>
+            <a:endParaRPr sz="1700"/>
+          </a:p>
+          <a:p>
+            <a:pPr indent="-336550" lvl="1" marL="914400" rtl="0" algn="l">
+              <a:spcBef>
+                <a:spcPts val="0"/>
+              </a:spcBef>
+              <a:spcAft>
+                <a:spcPts val="0"/>
+              </a:spcAft>
+              <a:buSzPts val="1700"/>
+              <a:buChar char="○"/>
+            </a:pPr>
+            <a:r>
+              <a:rPr lang="en" sz="1700"/>
+              <a:t>Do you have data that can solve the problem?</a:t>
+            </a:r>
+            <a:endParaRPr sz="1700"/>
+          </a:p>
+          <a:p>
+            <a:pPr indent="-336550" lvl="1" marL="914400" rtl="0" algn="l">
+              <a:spcBef>
+                <a:spcPts val="0"/>
+              </a:spcBef>
+              <a:spcAft>
+                <a:spcPts val="0"/>
+              </a:spcAft>
+              <a:buSzPts val="1700"/>
+              <a:buChar char="○"/>
+            </a:pPr>
+            <a:r>
+              <a:rPr lang="en" sz="1700"/>
+              <a:t>Will this project take about 5-6 weeks of effort for 3-4 people to complete?</a:t>
+            </a:r>
+            <a:endParaRPr sz="1700"/>
+          </a:p>
+          <a:p>
+            <a:pPr indent="-361950" lvl="0" marL="457200" rtl="0" algn="l">
+              <a:spcBef>
+                <a:spcPts val="0"/>
+              </a:spcBef>
+              <a:spcAft>
+                <a:spcPts val="0"/>
+              </a:spcAft>
+              <a:buSzPts val="2100"/>
               <a:buChar char="●"/>
             </a:pPr>
             <a:r>
-              <a:rPr lang="en"/>
-              <a:t>Use cases - how users interact with the system</a:t>
-            </a:r>
-            <a:endParaRPr/>
-          </a:p>
-          <a:p>
-            <a:pPr indent="0" lvl="0" marL="0" rtl="0" algn="l">
-              <a:spcBef>
-                <a:spcPts val="1200"/>
-              </a:spcBef>
-              <a:spcAft>
-                <a:spcPts val="1200"/>
-              </a:spcAft>
-              <a:buNone/>
-            </a:pPr>
-            <a:r>
-              <a:rPr lang="en"/>
-              <a:t>After class: complete and submit the design in your GitHub repository by 2/15</a:t>
-            </a:r>
-            <a:endParaRPr/>
+              <a:rPr lang="en" sz="2100"/>
+              <a:t>Create a git repository for your team</a:t>
+            </a:r>
+            <a:endParaRPr sz="2100"/>
+          </a:p>
+          <a:p>
+            <a:pPr indent="-336550" lvl="1" marL="914400" rtl="0" algn="l">
+              <a:spcBef>
+                <a:spcPts val="0"/>
+              </a:spcBef>
+              <a:spcAft>
+                <a:spcPts val="0"/>
+              </a:spcAft>
+              <a:buSzPts val="1700"/>
+              <a:buChar char="○"/>
+            </a:pPr>
+            <a:r>
+              <a:rPr lang="en" sz="1700"/>
+              <a:t>README.md with result of the idea validation</a:t>
+            </a:r>
+            <a:endParaRPr sz="1700"/>
+          </a:p>
+          <a:p>
+            <a:pPr indent="-336550" lvl="1" marL="914400" rtl="0" algn="l">
+              <a:spcBef>
+                <a:spcPts val="0"/>
+              </a:spcBef>
+              <a:spcAft>
+                <a:spcPts val="0"/>
+              </a:spcAft>
+              <a:buSzPts val="1700"/>
+              <a:buChar char="○"/>
+            </a:pPr>
+            <a:r>
+              <a:rPr lang="en" sz="1700"/>
+              <a:t>One person submits the repository link via Canvas</a:t>
+            </a:r>
+            <a:endParaRPr sz="1700"/>
           </a:p>
         </p:txBody>
       </p:sp>
@@ -8687,7 +8971,7 @@
             </a:pPr>
             <a:r>
               <a:rPr lang="en"/>
-              <a:t>Week 6: Technology Reviews</a:t>
+              <a:t>Week 6-7: Software &amp; Use Case Design (in class)</a:t>
             </a:r>
             <a:endParaRPr/>
           </a:p>
@@ -8727,38 +9011,78 @@
             </a:pPr>
             <a:r>
               <a:rPr lang="en"/>
-              <a:t>In-class presentation addressing a choice of library.</a:t>
+              <a:t>In-class exercise to design your project:</a:t>
             </a:r>
             <a:endParaRPr/>
           </a:p>
           <a:p>
+            <a:pPr indent="-342900" lvl="0" marL="457200" rtl="0" algn="l">
+              <a:spcBef>
+                <a:spcPts val="1200"/>
+              </a:spcBef>
+              <a:spcAft>
+                <a:spcPts val="0"/>
+              </a:spcAft>
+              <a:buSzPts val="1800"/>
+              <a:buChar char="●"/>
+            </a:pPr>
+            <a:r>
+              <a:rPr lang="en"/>
+              <a:t>W</a:t>
+            </a:r>
+            <a:r>
+              <a:rPr lang="en"/>
+              <a:t>ho are the users? What do they know?</a:t>
+            </a:r>
+            <a:endParaRPr/>
+          </a:p>
+          <a:p>
+            <a:pPr indent="-342900" lvl="0" marL="457200" rtl="0" algn="l">
+              <a:spcBef>
+                <a:spcPts val="0"/>
+              </a:spcBef>
+              <a:spcAft>
+                <a:spcPts val="0"/>
+              </a:spcAft>
+              <a:buSzPts val="1800"/>
+              <a:buChar char="●"/>
+            </a:pPr>
+            <a:r>
+              <a:rPr lang="en"/>
+              <a:t>What information do users want from the system?</a:t>
+            </a:r>
+            <a:endParaRPr/>
+          </a:p>
+          <a:p>
+            <a:pPr indent="-342900" lvl="0" marL="457200" rtl="0" algn="l">
+              <a:spcBef>
+                <a:spcPts val="0"/>
+              </a:spcBef>
+              <a:spcAft>
+                <a:spcPts val="0"/>
+              </a:spcAft>
+              <a:buSzPts val="1800"/>
+              <a:buChar char="●"/>
+            </a:pPr>
+            <a:r>
+              <a:rPr lang="en"/>
+              <a:t>Use cases - how users interact with the system</a:t>
+            </a:r>
+            <a:endParaRPr/>
+          </a:p>
+          <a:p>
             <a:pPr indent="0" lvl="0" marL="0" rtl="0" algn="l">
               <a:spcBef>
                 <a:spcPts val="1200"/>
               </a:spcBef>
               <a:spcAft>
-                <a:spcPts val="0"/>
-              </a:spcAft>
-              <a:buNone/>
-            </a:pPr>
-            <a:r>
-              <a:t/>
-            </a:r>
-            <a:endParaRPr/>
-          </a:p>
-          <a:p>
-            <a:pPr indent="0" lvl="0" marL="0" rtl="0" algn="l">
-              <a:spcBef>
                 <a:spcPts val="1200"/>
-              </a:spcBef>
-              <a:spcAft>
-                <a:spcPts val="1200"/>
               </a:spcAft>
               <a:buNone/>
             </a:pPr>
             <a:r>
               <a:rPr lang="en"/>
-              <a:t>Stay tuned!</a:t>
+              <a:t>After class: complete and submit the design in your GitHub repository by 2/15</a:t>
             </a:r>
             <a:endParaRPr/>
           </a:p>
@@ -8823,7 +9147,7 @@
             </a:pPr>
             <a:r>
               <a:rPr lang="en"/>
-              <a:t>Week 7-10: Project Work</a:t>
+              <a:t>Week 7-8: Technology Reviews</a:t>
             </a:r>
             <a:endParaRPr/>
           </a:p>
@@ -8852,123 +9176,51 @@
           </a:bodyPr>
           <a:lstStyle/>
           <a:p>
-            <a:pPr indent="-368300" lvl="0" marL="457200" rtl="0" algn="l">
-              <a:spcBef>
-                <a:spcPts val="0"/>
-              </a:spcBef>
-              <a:spcAft>
-                <a:spcPts val="0"/>
-              </a:spcAft>
-              <a:buSzPts val="2200"/>
-              <a:buChar char="●"/>
-            </a:pPr>
-            <a:r>
-              <a:rPr lang="en" sz="2200"/>
-              <a:t>Weekly standups in class</a:t>
-            </a:r>
-            <a:endParaRPr sz="2200"/>
-          </a:p>
-          <a:p>
-            <a:pPr indent="-368300" lvl="0" marL="457200" rtl="0" algn="l">
-              <a:spcBef>
-                <a:spcPts val="0"/>
-              </a:spcBef>
-              <a:spcAft>
-                <a:spcPts val="0"/>
-              </a:spcAft>
-              <a:buSzPts val="2200"/>
-              <a:buChar char="●"/>
-            </a:pPr>
-            <a:r>
-              <a:rPr lang="en" sz="2200"/>
-              <a:t>Collaboration outside of class - code reviews &amp; pull requests</a:t>
-            </a:r>
-            <a:endParaRPr sz="2200"/>
-          </a:p>
-          <a:p>
-            <a:pPr indent="-368300" lvl="0" marL="457200" rtl="0" algn="l">
-              <a:spcBef>
-                <a:spcPts val="0"/>
-              </a:spcBef>
-              <a:spcAft>
-                <a:spcPts val="0"/>
-              </a:spcAft>
-              <a:buSzPts val="2200"/>
-              <a:buChar char="●"/>
-            </a:pPr>
-            <a:r>
-              <a:rPr lang="en" sz="2200"/>
-              <a:t>Deliver on the milestones you’ve defined</a:t>
-            </a:r>
-            <a:endParaRPr sz="2200"/>
-          </a:p>
-          <a:p>
-            <a:pPr indent="-342900" lvl="1" marL="914400" rtl="0" algn="l">
-              <a:spcBef>
-                <a:spcPts val="0"/>
-              </a:spcBef>
-              <a:spcAft>
-                <a:spcPts val="0"/>
-              </a:spcAft>
-              <a:buSzPts val="1800"/>
-              <a:buChar char="○"/>
-            </a:pPr>
-            <a:r>
-              <a:rPr lang="en" sz="1800"/>
-              <a:t>Functionality</a:t>
-            </a:r>
-            <a:endParaRPr sz="1800"/>
-          </a:p>
-          <a:p>
-            <a:pPr indent="-342900" lvl="1" marL="914400" rtl="0" algn="l">
-              <a:spcBef>
-                <a:spcPts val="0"/>
-              </a:spcBef>
-              <a:spcAft>
-                <a:spcPts val="0"/>
-              </a:spcAft>
-              <a:buSzPts val="1800"/>
-              <a:buChar char="○"/>
-            </a:pPr>
-            <a:r>
-              <a:rPr lang="en" sz="1800"/>
-              <a:t>Documentation</a:t>
-            </a:r>
-            <a:endParaRPr sz="1800"/>
-          </a:p>
-          <a:p>
-            <a:pPr indent="-342900" lvl="1" marL="914400" rtl="0" algn="l">
-              <a:spcBef>
-                <a:spcPts val="0"/>
-              </a:spcBef>
-              <a:spcAft>
-                <a:spcPts val="0"/>
-              </a:spcAft>
-              <a:buSzPts val="1800"/>
-              <a:buChar char="○"/>
-            </a:pPr>
-            <a:r>
-              <a:rPr lang="en" sz="1800"/>
-              <a:t>Style</a:t>
-            </a:r>
-            <a:endParaRPr sz="1800"/>
-          </a:p>
-          <a:p>
-            <a:pPr indent="-342900" lvl="1" marL="914400" rtl="0" algn="l">
-              <a:spcBef>
-                <a:spcPts val="0"/>
-              </a:spcBef>
-              <a:spcAft>
-                <a:spcPts val="0"/>
-              </a:spcAft>
-              <a:buSzPts val="1800"/>
-              <a:buChar char="○"/>
-            </a:pPr>
-            <a:r>
-              <a:rPr lang="en" sz="1800"/>
-              <a:t>Testing</a:t>
-            </a:r>
-            <a:endParaRPr sz="1800"/>
+            <a:pPr indent="0" lvl="0" marL="0" rtl="0" algn="l">
+              <a:spcBef>
+                <a:spcPts val="0"/>
+              </a:spcBef>
+              <a:spcAft>
+                <a:spcPts val="0"/>
+              </a:spcAft>
+              <a:buNone/>
+            </a:pPr>
+            <a:r>
+              <a:rPr lang="en"/>
+              <a:t>Writeup addressing a choice of library; in-class presentation to instructors as part of the first project demo in week 8.</a:t>
+            </a:r>
+            <a:endParaRPr/>
+          </a:p>
+          <a:p>
+            <a:pPr indent="0" lvl="0" marL="0" rtl="0" algn="l">
+              <a:spcBef>
+                <a:spcPts val="1200"/>
+              </a:spcBef>
+              <a:spcAft>
+                <a:spcPts val="0"/>
+              </a:spcAft>
+              <a:buNone/>
+            </a:pPr>
+            <a:r>
+              <a:t/>
+            </a:r>
+            <a:endParaRPr/>
+          </a:p>
+          <a:p>
+            <a:pPr indent="0" lvl="0" marL="0" rtl="0" algn="l">
+              <a:spcBef>
+                <a:spcPts val="1200"/>
+              </a:spcBef>
+              <a:spcAft>
+                <a:spcPts val="1200"/>
+              </a:spcAft>
+              <a:buNone/>
+            </a:pPr>
+            <a:r>
+              <a:rPr lang="en"/>
+              <a:t>Stay tuned!</a:t>
+            </a:r>
+            <a:endParaRPr/>
           </a:p>
         </p:txBody>
       </p:sp>
@@ -9031,7 +9283,7 @@
             </a:pPr>
             <a:r>
               <a:rPr lang="en"/>
-              <a:t>Finals: Presentations</a:t>
+              <a:t>Week 7-10: Project Work</a:t>
             </a:r>
             <a:endParaRPr/>
           </a:p>
@@ -9072,7 +9324,41 @@
             </a:pPr>
             <a:r>
               <a:rPr lang="en" sz="2200"/>
-              <a:t>8 minute oral presentations</a:t>
+              <a:t>Weekly standups in class</a:t>
+            </a:r>
+            <a:endParaRPr sz="2200"/>
+          </a:p>
+          <a:p>
+            <a:pPr indent="-368300" lvl="0" marL="457200" rtl="0" algn="l">
+              <a:spcBef>
+                <a:spcPts val="0"/>
+              </a:spcBef>
+              <a:spcAft>
+                <a:spcPts val="0"/>
+              </a:spcAft>
+              <a:buSzPts val="2200"/>
+              <a:buChar char="●"/>
+            </a:pPr>
+            <a:r>
+              <a:rPr lang="en" sz="2200"/>
+              <a:t>Collaboration outside of class - code reviews &amp; pull requests</a:t>
+            </a:r>
+            <a:endParaRPr sz="2200"/>
+          </a:p>
+          <a:p>
+            <a:pPr indent="-368300" lvl="0" marL="457200" rtl="0" algn="l">
+              <a:spcBef>
+                <a:spcPts val="0"/>
+              </a:spcBef>
+              <a:spcAft>
+                <a:spcPts val="0"/>
+              </a:spcAft>
+              <a:buSzPts val="2200"/>
+              <a:buChar char="●"/>
+            </a:pPr>
+            <a:r>
+              <a:rPr lang="en" sz="2200"/>
+              <a:t>Deliver on the milestones you’ve defined</a:t>
             </a:r>
             <a:endParaRPr sz="2200"/>
           </a:p>
@@ -9089,7 +9375,7 @@
             </a:pPr>
             <a:r>
               <a:rPr lang="en" sz="1800"/>
-              <a:t>All group members should present a part</a:t>
+              <a:t>Functionality</a:t>
             </a:r>
             <a:endParaRPr sz="1800"/>
           </a:p>
@@ -9106,7 +9392,7 @@
             </a:pPr>
             <a:r>
               <a:rPr lang="en" sz="1800"/>
-              <a:t>Background</a:t>
+              <a:t>Documentation</a:t>
             </a:r>
             <a:endParaRPr sz="1800"/>
           </a:p>
@@ -9123,7 +9409,7 @@
             </a:pPr>
             <a:r>
               <a:rPr lang="en" sz="1800"/>
-              <a:t>Data</a:t>
+              <a:t>Style</a:t>
             </a:r>
             <a:endParaRPr sz="1800"/>
           </a:p>
@@ -9140,77 +9426,9 @@
             </a:pPr>
             <a:r>
               <a:rPr lang="en" sz="1800"/>
-              <a:t>Use cases</a:t>
+              <a:t>Testing</a:t>
             </a:r>
             <a:endParaRPr sz="1800"/>
-          </a:p>
-          <a:p>
-            <a:pPr indent="-342900" lvl="1" marL="914400" rtl="0" algn="l">
-              <a:spcBef>
-                <a:spcPts val="0"/>
-              </a:spcBef>
-              <a:spcAft>
-                <a:spcPts val="0"/>
-              </a:spcAft>
-              <a:buSzPts val="1800"/>
-              <a:buChar char="○"/>
-            </a:pPr>
-            <a:r>
-              <a:rPr lang="en" sz="1800"/>
-              <a:t>Component design</a:t>
-            </a:r>
-            <a:endParaRPr sz="1800"/>
-          </a:p>
-          <a:p>
-            <a:pPr indent="-342900" lvl="1" marL="914400" rtl="0" algn="l">
-              <a:spcBef>
-                <a:spcPts val="0"/>
-              </a:spcBef>
-              <a:spcAft>
-                <a:spcPts val="0"/>
-              </a:spcAft>
-              <a:buSzPts val="1800"/>
-              <a:buChar char="○"/>
-            </a:pPr>
-            <a:r>
-              <a:rPr lang="en" sz="1800"/>
-              <a:t>Demo</a:t>
-            </a:r>
-            <a:endParaRPr sz="1800"/>
-          </a:p>
-          <a:p>
-            <a:pPr indent="-342900" lvl="1" marL="914400" rtl="0" algn="l">
-              <a:spcBef>
-                <a:spcPts val="0"/>
-              </a:spcBef>
-              <a:spcAft>
-                <a:spcPts val="0"/>
-              </a:spcAft>
-              <a:buSzPts val="1800"/>
-              <a:buChar char="○"/>
-            </a:pPr>
-            <a:r>
-              <a:rPr lang="en" sz="1800"/>
-              <a:t>Lessons learned</a:t>
-            </a:r>
-            <a:endParaRPr sz="1800"/>
-          </a:p>
-          <a:p>
-            <a:pPr indent="-368300" lvl="0" marL="457200" rtl="0" algn="l">
-              <a:spcBef>
-                <a:spcPts val="0"/>
-              </a:spcBef>
-              <a:spcAft>
-                <a:spcPts val="0"/>
-              </a:spcAft>
-              <a:buSzPts val="2200"/>
-              <a:buChar char="●"/>
-            </a:pPr>
-            <a:r>
-              <a:rPr lang="en" sz="2200"/>
-              <a:t>Slides + demo</a:t>
-            </a:r>
-            <a:endParaRPr sz="2200"/>
           </a:p>
         </p:txBody>
       </p:sp>
@@ -9273,7 +9491,7 @@
             </a:pPr>
             <a:r>
               <a:rPr lang="en"/>
-              <a:t>Some Public Data</a:t>
+              <a:t>Finals: Presentations</a:t>
             </a:r>
             <a:endParaRPr/>
           </a:p>
@@ -9298,239 +9516,165 @@
         </p:spPr>
         <p:txBody>
           <a:bodyPr anchorCtr="0" anchor="t" bIns="91425" lIns="91425" spcFirstLastPara="1" rIns="91425" wrap="square" tIns="91425">
-            <a:normAutofit fontScale="55000" lnSpcReduction="20000"/>
+            <a:normAutofit/>
           </a:bodyPr>
           <a:lstStyle/>
           <a:p>
-            <a:pPr indent="0" lvl="0" marL="0" rtl="0" algn="l">
-              <a:spcBef>
-                <a:spcPts val="0"/>
-              </a:spcBef>
-              <a:spcAft>
-                <a:spcPts val="0"/>
-              </a:spcAft>
-              <a:buNone/>
-            </a:pPr>
-            <a:r>
-              <a:rPr lang="en" u="sng">
-                <a:solidFill>
-                  <a:schemeClr val="hlink"/>
-                </a:solidFill>
-                <a:hlinkClick r:id="rId3"/>
-              </a:rPr>
-              <a:t>http://drugbank.ca</a:t>
-            </a:r>
-            <a:endParaRPr/>
-          </a:p>
-          <a:p>
-            <a:pPr indent="0" lvl="0" marL="0" rtl="0" algn="l">
-              <a:spcBef>
-                <a:spcPts val="1200"/>
-              </a:spcBef>
-              <a:spcAft>
-                <a:spcPts val="0"/>
-              </a:spcAft>
-              <a:buNone/>
-            </a:pPr>
-            <a:r>
-              <a:rPr lang="en" u="sng">
-                <a:solidFill>
-                  <a:schemeClr val="hlink"/>
-                </a:solidFill>
-                <a:hlinkClick r:id="rId4"/>
-              </a:rPr>
-              <a:t>http://toxnet.nlm.nih.gov</a:t>
-            </a:r>
-            <a:endParaRPr/>
-          </a:p>
-          <a:p>
-            <a:pPr indent="0" lvl="0" marL="0" rtl="0" algn="l">
-              <a:spcBef>
-                <a:spcPts val="1200"/>
-              </a:spcBef>
-              <a:spcAft>
-                <a:spcPts val="0"/>
-              </a:spcAft>
-              <a:buNone/>
-            </a:pPr>
-            <a:r>
-              <a:rPr lang="en" u="sng">
-                <a:solidFill>
-                  <a:schemeClr val="hlink"/>
-                </a:solidFill>
-                <a:hlinkClick r:id="rId5"/>
-              </a:rPr>
-              <a:t>https://data.seattle.gov/Transportation/Traffic-Flow-Counts/7svg-ds5z</a:t>
-            </a:r>
-            <a:endParaRPr/>
-          </a:p>
-          <a:p>
-            <a:pPr indent="0" lvl="0" marL="0" rtl="0" algn="l">
-              <a:spcBef>
-                <a:spcPts val="1200"/>
-              </a:spcBef>
-              <a:spcAft>
-                <a:spcPts val="0"/>
-              </a:spcAft>
-              <a:buNone/>
-            </a:pPr>
-            <a:r>
-              <a:rPr lang="en" u="sng">
-                <a:solidFill>
-                  <a:schemeClr val="hlink"/>
-                </a:solidFill>
-                <a:hlinkClick r:id="rId6"/>
-              </a:rPr>
-              <a:t>https://www.divvybikes.com/data</a:t>
-            </a:r>
-            <a:endParaRPr/>
-          </a:p>
-          <a:p>
-            <a:pPr indent="0" lvl="0" marL="0" rtl="0" algn="l">
-              <a:spcBef>
-                <a:spcPts val="1200"/>
-              </a:spcBef>
-              <a:spcAft>
-                <a:spcPts val="0"/>
-              </a:spcAft>
-              <a:buNone/>
-            </a:pPr>
-            <a:r>
-              <a:rPr lang="en" u="sng">
-                <a:solidFill>
-                  <a:schemeClr val="hlink"/>
-                </a:solidFill>
-                <a:hlinkClick r:id="rId7"/>
-              </a:rPr>
-              <a:t>http://www.nyc.gov/html/tlc/html/about/trip_record_data.shtml</a:t>
-            </a:r>
-            <a:endParaRPr/>
-          </a:p>
-          <a:p>
-            <a:pPr indent="0" lvl="0" marL="0" rtl="0" algn="l">
-              <a:spcBef>
-                <a:spcPts val="1200"/>
-              </a:spcBef>
-              <a:spcAft>
-                <a:spcPts val="0"/>
-              </a:spcAft>
-              <a:buNone/>
-            </a:pPr>
-            <a:r>
-              <a:rPr lang="en" u="sng">
-                <a:solidFill>
-                  <a:schemeClr val="hlink"/>
-                </a:solidFill>
-                <a:hlinkClick r:id="rId8"/>
-              </a:rPr>
-              <a:t>https://www.kaggle.com</a:t>
-            </a:r>
-            <a:endParaRPr/>
-          </a:p>
-          <a:p>
-            <a:pPr indent="0" lvl="0" marL="0" rtl="0" algn="l">
-              <a:spcBef>
-                <a:spcPts val="1200"/>
-              </a:spcBef>
-              <a:spcAft>
-                <a:spcPts val="0"/>
-              </a:spcAft>
-              <a:buNone/>
-            </a:pPr>
-            <a:r>
-              <a:rPr lang="en" u="sng">
-                <a:solidFill>
-                  <a:schemeClr val="hlink"/>
-                </a:solidFill>
-                <a:hlinkClick r:id="rId9"/>
-              </a:rPr>
-              <a:t>Pronto bike data</a:t>
-            </a:r>
-            <a:endParaRPr/>
-          </a:p>
-          <a:p>
-            <a:pPr indent="0" lvl="0" marL="0" rtl="0" algn="l">
-              <a:spcBef>
-                <a:spcPts val="1200"/>
-              </a:spcBef>
-              <a:spcAft>
-                <a:spcPts val="0"/>
-              </a:spcAft>
-              <a:buNone/>
-            </a:pPr>
-            <a:r>
-              <a:rPr lang="en" u="sng">
-                <a:solidFill>
-                  <a:schemeClr val="hlink"/>
-                </a:solidFill>
-                <a:hlinkClick r:id="rId10"/>
-              </a:rPr>
-              <a:t>American Fact Finder Data</a:t>
-            </a:r>
-            <a:endParaRPr/>
-          </a:p>
-          <a:p>
-            <a:pPr indent="0" lvl="0" marL="0" rtl="0" algn="l">
-              <a:spcBef>
-                <a:spcPts val="1200"/>
-              </a:spcBef>
-              <a:spcAft>
-                <a:spcPts val="0"/>
-              </a:spcAft>
-              <a:buNone/>
-            </a:pPr>
-            <a:r>
-              <a:rPr lang="en" u="sng">
-                <a:solidFill>
-                  <a:schemeClr val="hlink"/>
-                </a:solidFill>
-                <a:hlinkClick r:id="rId11"/>
-              </a:rPr>
-              <a:t>European union data (World bank)</a:t>
-            </a:r>
-            <a:endParaRPr/>
-          </a:p>
-          <a:p>
-            <a:pPr indent="0" lvl="0" marL="0" rtl="0" algn="l">
-              <a:spcBef>
-                <a:spcPts val="1200"/>
-              </a:spcBef>
-              <a:spcAft>
-                <a:spcPts val="0"/>
-              </a:spcAft>
-              <a:buNone/>
-            </a:pPr>
-            <a:r>
-              <a:rPr lang="en" u="sng">
-                <a:solidFill>
-                  <a:schemeClr val="hlink"/>
-                </a:solidFill>
-                <a:hlinkClick r:id="rId12"/>
-              </a:rPr>
-              <a:t>Russian federation data (World bank)</a:t>
-            </a:r>
-            <a:endParaRPr/>
-          </a:p>
-          <a:p>
-            <a:pPr indent="0" lvl="0" marL="0" rtl="0" algn="l">
-              <a:spcBef>
-                <a:spcPts val="1200"/>
-              </a:spcBef>
-              <a:spcAft>
-                <a:spcPts val="1200"/>
-              </a:spcAft>
-              <a:buNone/>
-            </a:pPr>
-            <a:r>
-              <a:rPr lang="en" u="sng">
-                <a:solidFill>
-                  <a:schemeClr val="hlink"/>
-                </a:solidFill>
-                <a:hlinkClick r:id="rId13"/>
-              </a:rPr>
-              <a:t>China data (World bank)</a:t>
-            </a:r>
-            <a:endParaRPr/>
+            <a:pPr indent="-368300" lvl="0" marL="457200" rtl="0" algn="l">
+              <a:spcBef>
+                <a:spcPts val="0"/>
+              </a:spcBef>
+              <a:spcAft>
+                <a:spcPts val="0"/>
+              </a:spcAft>
+              <a:buSzPts val="2200"/>
+              <a:buChar char="●"/>
+            </a:pPr>
+            <a:r>
+              <a:rPr lang="en" sz="2200"/>
+              <a:t>10</a:t>
+            </a:r>
+            <a:r>
+              <a:rPr lang="en" sz="2200"/>
+              <a:t> minute oral presentations</a:t>
+            </a:r>
+            <a:endParaRPr sz="2200"/>
+          </a:p>
+          <a:p>
+            <a:pPr indent="-342900" lvl="1" marL="914400" rtl="0" algn="l">
+              <a:spcBef>
+                <a:spcPts val="0"/>
+              </a:spcBef>
+              <a:spcAft>
+                <a:spcPts val="0"/>
+              </a:spcAft>
+              <a:buSzPts val="1800"/>
+              <a:buChar char="○"/>
+            </a:pPr>
+            <a:r>
+              <a:rPr lang="en" sz="1800"/>
+              <a:t>All group members should present a part</a:t>
+            </a:r>
+            <a:endParaRPr sz="1800"/>
+          </a:p>
+          <a:p>
+            <a:pPr indent="-342900" lvl="1" marL="914400" rtl="0" algn="l">
+              <a:spcBef>
+                <a:spcPts val="0"/>
+              </a:spcBef>
+              <a:spcAft>
+                <a:spcPts val="0"/>
+              </a:spcAft>
+              <a:buSzPts val="1800"/>
+              <a:buChar char="○"/>
+            </a:pPr>
+            <a:r>
+              <a:rPr lang="en" sz="1800"/>
+              <a:t>Background</a:t>
+            </a:r>
+            <a:endParaRPr sz="1800"/>
+          </a:p>
+          <a:p>
+            <a:pPr indent="-342900" lvl="1" marL="914400" rtl="0" algn="l">
+              <a:spcBef>
+                <a:spcPts val="0"/>
+              </a:spcBef>
+              <a:spcAft>
+                <a:spcPts val="0"/>
+              </a:spcAft>
+              <a:buSzPts val="1800"/>
+              <a:buChar char="○"/>
+            </a:pPr>
+            <a:r>
+              <a:rPr lang="en" sz="1800"/>
+              <a:t>Data</a:t>
+            </a:r>
+            <a:endParaRPr sz="1800"/>
+          </a:p>
+          <a:p>
+            <a:pPr indent="-342900" lvl="1" marL="914400" rtl="0" algn="l">
+              <a:spcBef>
+                <a:spcPts val="0"/>
+              </a:spcBef>
+              <a:spcAft>
+                <a:spcPts val="0"/>
+              </a:spcAft>
+              <a:buSzPts val="1800"/>
+              <a:buChar char="○"/>
+            </a:pPr>
+            <a:r>
+              <a:rPr lang="en" sz="1800"/>
+              <a:t>Use cases</a:t>
+            </a:r>
+            <a:endParaRPr sz="1800"/>
+          </a:p>
+          <a:p>
+            <a:pPr indent="-342900" lvl="1" marL="914400" rtl="0" algn="l">
+              <a:spcBef>
+                <a:spcPts val="0"/>
+              </a:spcBef>
+              <a:spcAft>
+                <a:spcPts val="0"/>
+              </a:spcAft>
+              <a:buSzPts val="1800"/>
+              <a:buChar char="○"/>
+            </a:pPr>
+            <a:r>
+              <a:rPr lang="en" sz="1800"/>
+              <a:t>Component design</a:t>
+            </a:r>
+            <a:endParaRPr sz="1800"/>
+          </a:p>
+          <a:p>
+            <a:pPr indent="-342900" lvl="1" marL="914400" rtl="0" algn="l">
+              <a:spcBef>
+                <a:spcPts val="0"/>
+              </a:spcBef>
+              <a:spcAft>
+                <a:spcPts val="0"/>
+              </a:spcAft>
+              <a:buSzPts val="1800"/>
+              <a:buChar char="○"/>
+            </a:pPr>
+            <a:r>
+              <a:rPr lang="en" sz="1800"/>
+              <a:t>Demo</a:t>
+            </a:r>
+            <a:endParaRPr sz="1800"/>
+          </a:p>
+          <a:p>
+            <a:pPr indent="-342900" lvl="1" marL="914400" rtl="0" algn="l">
+              <a:spcBef>
+                <a:spcPts val="0"/>
+              </a:spcBef>
+              <a:spcAft>
+                <a:spcPts val="0"/>
+              </a:spcAft>
+              <a:buSzPts val="1800"/>
+              <a:buChar char="○"/>
+            </a:pPr>
+            <a:r>
+              <a:rPr lang="en" sz="1800"/>
+              <a:t>Lessons learned</a:t>
+            </a:r>
+            <a:endParaRPr sz="1800"/>
+          </a:p>
+          <a:p>
+            <a:pPr indent="-368300" lvl="0" marL="457200" rtl="0" algn="l">
+              <a:spcBef>
+                <a:spcPts val="0"/>
+              </a:spcBef>
+              <a:spcAft>
+                <a:spcPts val="0"/>
+              </a:spcAft>
+              <a:buSzPts val="2200"/>
+              <a:buChar char="●"/>
+            </a:pPr>
+            <a:r>
+              <a:rPr lang="en" sz="2200"/>
+              <a:t>Slides + demo</a:t>
+            </a:r>
+            <a:endParaRPr sz="2200"/>
           </a:p>
         </p:txBody>
       </p:sp>
@@ -9569,20 +9713,20 @@
         </p:nvSpPr>
         <p:spPr>
           <a:xfrm>
-            <a:off x="311700" y="2150850"/>
-            <a:ext cx="8520600" cy="841800"/>
+            <a:off x="311700" y="445025"/>
+            <a:ext cx="8520600" cy="572700"/>
           </a:xfrm>
           <a:prstGeom prst="rect">
             <a:avLst/>
           </a:prstGeom>
         </p:spPr>
         <p:txBody>
-          <a:bodyPr anchorCtr="0" anchor="ctr" bIns="91425" lIns="91425" spcFirstLastPara="1" rIns="91425" wrap="square" tIns="91425">
-            <a:normAutofit/>
+          <a:bodyPr anchorCtr="0" anchor="t" bIns="91425" lIns="91425" spcFirstLastPara="1" rIns="91425" wrap="square" tIns="91425">
+            <a:normAutofit fontScale="90000"/>
           </a:bodyPr>
           <a:lstStyle/>
           <a:p>
-            <a:pPr indent="0" lvl="0" marL="0" rtl="0" algn="ctr">
+            <a:pPr indent="0" lvl="0" marL="0" rtl="0" algn="l">
               <a:spcBef>
                 <a:spcPts val="0"/>
               </a:spcBef>
@@ -9593,7 +9737,7 @@
             </a:pPr>
             <a:r>
               <a:rPr lang="en"/>
-              <a:t>Project Proposal Examples</a:t>
+              <a:t>Grading</a:t>
             </a:r>
             <a:endParaRPr/>
           </a:p>
@@ -9604,13 +9748,13 @@
           <p:cNvPr id="198" name="Google Shape;198;p29"/>
           <p:cNvSpPr txBox="1"/>
           <p:nvPr>
-            <p:ph idx="4294967295" type="subTitle"/>
+            <p:ph idx="1" type="body"/>
           </p:nvPr>
         </p:nvSpPr>
         <p:spPr>
           <a:xfrm>
-            <a:off x="311700" y="2834125"/>
-            <a:ext cx="8520600" cy="792600"/>
+            <a:off x="311700" y="1152475"/>
+            <a:ext cx="8520600" cy="3829200"/>
           </a:xfrm>
           <a:prstGeom prst="rect">
             <a:avLst/>
@@ -9622,28 +9766,215 @@
           </a:bodyPr>
           <a:lstStyle/>
           <a:p>
-            <a:pPr indent="0" lvl="0" marL="0" rtl="0" algn="ctr">
-              <a:spcBef>
-                <a:spcPts val="0"/>
-              </a:spcBef>
-              <a:spcAft>
+            <a:pPr indent="0" lvl="0" marL="0" rtl="0" algn="l">
+              <a:spcBef>
+                <a:spcPts val="0"/>
+              </a:spcBef>
+              <a:spcAft>
+                <a:spcPts val="0"/>
+              </a:spcAft>
+              <a:buNone/>
+            </a:pPr>
+            <a:r>
+              <a:rPr lang="en"/>
+              <a:t>On the course webpage*: </a:t>
+            </a:r>
+            <a:r>
+              <a:rPr lang="en" u="sng">
+                <a:solidFill>
+                  <a:schemeClr val="hlink"/>
+                </a:solidFill>
+                <a:hlinkClick r:id="rId3"/>
+              </a:rPr>
+              <a:t>https://uwdata515.github.io/projects.html</a:t>
+            </a:r>
+            <a:endParaRPr/>
+          </a:p>
+          <a:p>
+            <a:pPr indent="-342900" lvl="0" marL="457200" rtl="0" algn="l">
+              <a:spcBef>
                 <a:spcPts val="1200"/>
-              </a:spcAft>
-              <a:buNone/>
-            </a:pPr>
-            <a:r>
-              <a:rPr lang="en">
-                <a:solidFill>
-                  <a:srgbClr val="FFFFFF"/>
-                </a:solidFill>
-              </a:rPr>
-              <a:t>Just to get your mind working</a:t>
-            </a:r>
-            <a:endParaRPr>
-              <a:solidFill>
-                <a:srgbClr val="FFFFFF"/>
-              </a:solidFill>
-            </a:endParaRPr>
+              </a:spcBef>
+              <a:spcAft>
+                <a:spcPts val="0"/>
+              </a:spcAft>
+              <a:buSzPts val="1800"/>
+              <a:buChar char="●"/>
+            </a:pPr>
+            <a:r>
+              <a:rPr lang="en"/>
+              <a:t>Organization: 10%</a:t>
+            </a:r>
+            <a:endParaRPr/>
+          </a:p>
+          <a:p>
+            <a:pPr indent="-317500" lvl="1" marL="914400" rtl="0" algn="l">
+              <a:spcBef>
+                <a:spcPts val="0"/>
+              </a:spcBef>
+              <a:spcAft>
+                <a:spcPts val="0"/>
+              </a:spcAft>
+              <a:buSzPts val="1400"/>
+              <a:buChar char="○"/>
+            </a:pPr>
+            <a:r>
+              <a:rPr i="1" lang="en"/>
+              <a:t>Can you follow directions?</a:t>
+            </a:r>
+            <a:endParaRPr i="1"/>
+          </a:p>
+          <a:p>
+            <a:pPr indent="-342900" lvl="0" marL="457200" rtl="0" algn="l">
+              <a:spcBef>
+                <a:spcPts val="0"/>
+              </a:spcBef>
+              <a:spcAft>
+                <a:spcPts val="0"/>
+              </a:spcAft>
+              <a:buSzPts val="1800"/>
+              <a:buChar char="●"/>
+            </a:pPr>
+            <a:r>
+              <a:rPr lang="en"/>
+              <a:t>Code quality: 32%</a:t>
+            </a:r>
+            <a:endParaRPr/>
+          </a:p>
+          <a:p>
+            <a:pPr indent="-317500" lvl="1" marL="914400" rtl="0" algn="l">
+              <a:spcBef>
+                <a:spcPts val="0"/>
+              </a:spcBef>
+              <a:spcAft>
+                <a:spcPts val="0"/>
+              </a:spcAft>
+              <a:buSzPts val="1400"/>
+              <a:buChar char="○"/>
+            </a:pPr>
+            <a:r>
+              <a:rPr i="1" lang="en"/>
+              <a:t>Test coverage, style, CI, package setup, PRs/code reviews</a:t>
+            </a:r>
+            <a:endParaRPr i="1"/>
+          </a:p>
+          <a:p>
+            <a:pPr indent="-342900" lvl="0" marL="457200" rtl="0" algn="l">
+              <a:spcBef>
+                <a:spcPts val="0"/>
+              </a:spcBef>
+              <a:spcAft>
+                <a:spcPts val="0"/>
+              </a:spcAft>
+              <a:buSzPts val="1800"/>
+              <a:buChar char="●"/>
+            </a:pPr>
+            <a:r>
+              <a:rPr lang="en"/>
+              <a:t>Documentation: 24%</a:t>
+            </a:r>
+            <a:endParaRPr/>
+          </a:p>
+          <a:p>
+            <a:pPr indent="-317500" lvl="1" marL="914400" rtl="0" algn="l">
+              <a:spcBef>
+                <a:spcPts val="0"/>
+              </a:spcBef>
+              <a:spcAft>
+                <a:spcPts val="0"/>
+              </a:spcAft>
+              <a:buSzPts val="1400"/>
+              <a:buChar char="○"/>
+            </a:pPr>
+            <a:r>
+              <a:rPr i="1" lang="en"/>
+              <a:t>README, design documents, examples &amp; instructions</a:t>
+            </a:r>
+            <a:endParaRPr i="1"/>
+          </a:p>
+          <a:p>
+            <a:pPr indent="-342900" lvl="0" marL="457200" rtl="0" algn="l">
+              <a:spcBef>
+                <a:spcPts val="0"/>
+              </a:spcBef>
+              <a:spcAft>
+                <a:spcPts val="0"/>
+              </a:spcAft>
+              <a:buSzPts val="1800"/>
+              <a:buChar char="●"/>
+            </a:pPr>
+            <a:r>
+              <a:rPr lang="en"/>
+              <a:t>Design: 20%</a:t>
+            </a:r>
+            <a:endParaRPr/>
+          </a:p>
+          <a:p>
+            <a:pPr indent="-317500" lvl="1" marL="914400" rtl="0" algn="l">
+              <a:spcBef>
+                <a:spcPts val="0"/>
+              </a:spcBef>
+              <a:spcAft>
+                <a:spcPts val="0"/>
+              </a:spcAft>
+              <a:buSzPts val="1400"/>
+              <a:buChar char="○"/>
+            </a:pPr>
+            <a:r>
+              <a:rPr i="1" lang="en"/>
+              <a:t>What you built, test design, module design</a:t>
+            </a:r>
+            <a:endParaRPr i="1"/>
+          </a:p>
+          <a:p>
+            <a:pPr indent="-342900" lvl="0" marL="457200" rtl="0" algn="l">
+              <a:spcBef>
+                <a:spcPts val="0"/>
+              </a:spcBef>
+              <a:spcAft>
+                <a:spcPts val="0"/>
+              </a:spcAft>
+              <a:buSzPts val="1800"/>
+              <a:buChar char="●"/>
+            </a:pPr>
+            <a:r>
+              <a:rPr lang="en"/>
+              <a:t>Presentations: 14%</a:t>
+            </a:r>
+            <a:endParaRPr/>
+          </a:p>
+          <a:p>
+            <a:pPr indent="-317500" lvl="1" marL="914400" rtl="0" algn="l">
+              <a:spcBef>
+                <a:spcPts val="0"/>
+              </a:spcBef>
+              <a:spcAft>
+                <a:spcPts val="0"/>
+              </a:spcAft>
+              <a:buSzPts val="1400"/>
+              <a:buChar char="○"/>
+            </a:pPr>
+            <a:r>
+              <a:rPr i="1" lang="en"/>
+              <a:t>Technology review, final presentation</a:t>
+            </a:r>
+            <a:endParaRPr i="1"/>
+          </a:p>
+          <a:p>
+            <a:pPr indent="0" lvl="0" marL="0" rtl="0" algn="l">
+              <a:spcBef>
+                <a:spcPts val="1200"/>
+              </a:spcBef>
+              <a:spcAft>
+                <a:spcPts val="1200"/>
+              </a:spcAft>
+              <a:buNone/>
+            </a:pPr>
+            <a:r>
+              <a:rPr i="1" lang="en" sz="1400"/>
+              <a:t>*exact percentages may change slightly but will remain approximately as described</a:t>
+            </a:r>
+            <a:endParaRPr i="1" sz="1400"/>
           </a:p>
         </p:txBody>
       </p:sp>
@@ -9658,18 +9989,6 @@
 <file path=ppt/slides/slide18.xml><?xml version="1.0" encoding="utf-8"?>
 <p:sld xmlns:a="http://schemas.openxmlformats.org/drawingml/2006/main" xmlns:r="http://schemas.openxmlformats.org/officeDocument/2006/relationships" xmlns:mc="http://schemas.openxmlformats.org/markup-compatibility/2006" xmlns:mv="urn:schemas-microsoft-com:mac:vml" xmlns:p="http://schemas.openxmlformats.org/presentationml/2006/main" xmlns:c="http://schemas.openxmlformats.org/drawingml/2006/chart" xmlns:dgm="http://schemas.openxmlformats.org/drawingml/2006/diagram" xmlns:o="urn:schemas-microsoft-com:office:office" xmlns:v="urn:schemas-microsoft-com:vml" xmlns:pvml="urn:schemas-microsoft-com:office:powerpoint" xmlns:com="http://schemas.openxmlformats.org/drawingml/2006/compatibility" xmlns:p14="http://schemas.microsoft.com/office/powerpoint/2010/main" xmlns:p15="http://schemas.microsoft.com/office/powerpoint/2012/main" xmlns:ahyp="http://schemas.microsoft.com/office/drawing/2018/hyperlinkcolor">
   <p:cSld>
-    <p:bg>
-      <p:bgPr>
-        <a:blipFill>
-          <a:blip r:embed="rId3">
-            <a:alphaModFix/>
-          </a:blip>
-          <a:stretch>
-            <a:fillRect/>
-          </a:stretch>
-        </a:blipFill>
-      </p:bgPr>
-    </p:bg>
     <p:spTree>
       <p:nvGrpSpPr>
         <p:cNvPr id="202" name="Shape 202"/>
@@ -9718,7 +10037,7 @@
             </a:pPr>
             <a:r>
               <a:rPr lang="en"/>
-              <a:t>Weather Wizard for Farmers</a:t>
+              <a:t>Some Public Data</a:t>
             </a:r>
             <a:endParaRPr/>
           </a:p>
@@ -9727,534 +10046,6 @@
       <p:sp>
         <p:nvSpPr>
           <p:cNvPr id="204" name="Google Shape;204;p30"/>
-          <p:cNvSpPr txBox="1"/>
-          <p:nvPr>
-            <p:ph idx="1" type="body"/>
-          </p:nvPr>
-        </p:nvSpPr>
-        <p:spPr>
-          <a:xfrm>
-            <a:off x="311700" y="1152475"/>
-            <a:ext cx="8520600" cy="3844800"/>
-          </a:xfrm>
-          <a:prstGeom prst="rect">
-            <a:avLst/>
-          </a:prstGeom>
-          <a:solidFill>
-            <a:srgbClr val="FFFFFF">
-              <a:alpha val="77380"/>
-            </a:srgbClr>
-          </a:solidFill>
-        </p:spPr>
-        <p:txBody>
-          <a:bodyPr anchorCtr="0" anchor="t" bIns="91425" lIns="91425" spcFirstLastPara="1" rIns="91425" wrap="square" tIns="91425">
-            <a:normAutofit/>
-          </a:bodyPr>
-          <a:lstStyle/>
-          <a:p>
-            <a:pPr indent="-342900" lvl="0" marL="457200" rtl="0" algn="l">
-              <a:spcBef>
-                <a:spcPts val="0"/>
-              </a:spcBef>
-              <a:spcAft>
-                <a:spcPts val="0"/>
-              </a:spcAft>
-              <a:buClr>
-                <a:schemeClr val="dk1"/>
-              </a:buClr>
-              <a:buSzPts val="1800"/>
-              <a:buChar char="●"/>
-            </a:pPr>
-            <a:r>
-              <a:rPr lang="en">
-                <a:solidFill>
-                  <a:schemeClr val="dk1"/>
-                </a:solidFill>
-              </a:rPr>
-              <a:t>Project output: reusable data (a simple web app)</a:t>
-            </a:r>
-            <a:endParaRPr>
-              <a:solidFill>
-                <a:schemeClr val="dk1"/>
-              </a:solidFill>
-            </a:endParaRPr>
-          </a:p>
-          <a:p>
-            <a:pPr indent="-317500" lvl="1" marL="914400" rtl="0" algn="l">
-              <a:spcBef>
-                <a:spcPts val="0"/>
-              </a:spcBef>
-              <a:spcAft>
-                <a:spcPts val="0"/>
-              </a:spcAft>
-              <a:buClr>
-                <a:schemeClr val="dk1"/>
-              </a:buClr>
-              <a:buSzPts val="1400"/>
-              <a:buChar char="○"/>
-            </a:pPr>
-            <a:r>
-              <a:rPr lang="en">
-                <a:solidFill>
-                  <a:schemeClr val="dk1"/>
-                </a:solidFill>
-              </a:rPr>
-              <a:t>Give it your location (zip code?)</a:t>
-            </a:r>
-            <a:endParaRPr>
-              <a:solidFill>
-                <a:schemeClr val="dk1"/>
-              </a:solidFill>
-            </a:endParaRPr>
-          </a:p>
-          <a:p>
-            <a:pPr indent="-317500" lvl="1" marL="914400" rtl="0" algn="l">
-              <a:spcBef>
-                <a:spcPts val="0"/>
-              </a:spcBef>
-              <a:spcAft>
-                <a:spcPts val="0"/>
-              </a:spcAft>
-              <a:buClr>
-                <a:schemeClr val="dk1"/>
-              </a:buClr>
-              <a:buSzPts val="1400"/>
-              <a:buChar char="○"/>
-            </a:pPr>
-            <a:r>
-              <a:rPr lang="en">
-                <a:solidFill>
-                  <a:schemeClr val="dk1"/>
-                </a:solidFill>
-              </a:rPr>
-              <a:t>Use a machine learning model to predict future temperature and precipitation for your zip code</a:t>
-            </a:r>
-            <a:endParaRPr>
-              <a:solidFill>
-                <a:schemeClr val="dk1"/>
-              </a:solidFill>
-            </a:endParaRPr>
-          </a:p>
-          <a:p>
-            <a:pPr indent="-317500" lvl="1" marL="914400" rtl="0" algn="l">
-              <a:spcBef>
-                <a:spcPts val="0"/>
-              </a:spcBef>
-              <a:spcAft>
-                <a:spcPts val="0"/>
-              </a:spcAft>
-              <a:buClr>
-                <a:schemeClr val="dk1"/>
-              </a:buClr>
-              <a:buSzPts val="1400"/>
-              <a:buChar char="○"/>
-            </a:pPr>
-            <a:r>
-              <a:rPr lang="en">
-                <a:solidFill>
-                  <a:schemeClr val="dk1"/>
-                </a:solidFill>
-              </a:rPr>
-              <a:t>It will predict your last frost and whether it will be a warmer/cooler or wetter/dryer year</a:t>
-            </a:r>
-            <a:endParaRPr>
-              <a:solidFill>
-                <a:schemeClr val="dk1"/>
-              </a:solidFill>
-            </a:endParaRPr>
-          </a:p>
-          <a:p>
-            <a:pPr indent="-317500" lvl="1" marL="914400" rtl="0" algn="l">
-              <a:spcBef>
-                <a:spcPts val="0"/>
-              </a:spcBef>
-              <a:spcAft>
-                <a:spcPts val="0"/>
-              </a:spcAft>
-              <a:buClr>
-                <a:schemeClr val="dk1"/>
-              </a:buClr>
-              <a:buSzPts val="1400"/>
-              <a:buChar char="○"/>
-            </a:pPr>
-            <a:r>
-              <a:rPr lang="en">
-                <a:solidFill>
-                  <a:schemeClr val="dk1"/>
-                </a:solidFill>
-              </a:rPr>
-              <a:t>It will predict which crops you (the farmer) should plant to make the most money</a:t>
-            </a:r>
-            <a:endParaRPr>
-              <a:solidFill>
-                <a:schemeClr val="dk1"/>
-              </a:solidFill>
-            </a:endParaRPr>
-          </a:p>
-          <a:p>
-            <a:pPr indent="-342900" lvl="0" marL="457200" rtl="0" algn="l">
-              <a:spcBef>
-                <a:spcPts val="0"/>
-              </a:spcBef>
-              <a:spcAft>
-                <a:spcPts val="0"/>
-              </a:spcAft>
-              <a:buClr>
-                <a:schemeClr val="dk1"/>
-              </a:buClr>
-              <a:buSzPts val="1800"/>
-              <a:buChar char="●"/>
-            </a:pPr>
-            <a:r>
-              <a:rPr lang="en">
-                <a:solidFill>
-                  <a:schemeClr val="dk1"/>
-                </a:solidFill>
-              </a:rPr>
-              <a:t>Data</a:t>
-            </a:r>
-            <a:endParaRPr>
-              <a:solidFill>
-                <a:schemeClr val="dk1"/>
-              </a:solidFill>
-            </a:endParaRPr>
-          </a:p>
-          <a:p>
-            <a:pPr indent="-317500" lvl="1" marL="914400" rtl="0" algn="l">
-              <a:spcBef>
-                <a:spcPts val="0"/>
-              </a:spcBef>
-              <a:spcAft>
-                <a:spcPts val="0"/>
-              </a:spcAft>
-              <a:buClr>
-                <a:schemeClr val="dk1"/>
-              </a:buClr>
-              <a:buSzPts val="1400"/>
-              <a:buChar char="○"/>
-            </a:pPr>
-            <a:r>
-              <a:rPr lang="en">
-                <a:solidFill>
-                  <a:schemeClr val="dk1"/>
-                </a:solidFill>
-              </a:rPr>
-              <a:t>NOAA data</a:t>
-            </a:r>
-            <a:endParaRPr>
-              <a:solidFill>
-                <a:schemeClr val="dk1"/>
-              </a:solidFill>
-            </a:endParaRPr>
-          </a:p>
-          <a:p>
-            <a:pPr indent="-317500" lvl="2" marL="1371600" rtl="0" algn="l">
-              <a:spcBef>
-                <a:spcPts val="0"/>
-              </a:spcBef>
-              <a:spcAft>
-                <a:spcPts val="0"/>
-              </a:spcAft>
-              <a:buClr>
-                <a:schemeClr val="dk1"/>
-              </a:buClr>
-              <a:buSzPts val="1400"/>
-              <a:buChar char="■"/>
-            </a:pPr>
-            <a:r>
-              <a:rPr lang="en">
-                <a:solidFill>
-                  <a:schemeClr val="dk1"/>
-                </a:solidFill>
-              </a:rPr>
-              <a:t>Historical weather (temperature/precipitation) by location</a:t>
-            </a:r>
-            <a:endParaRPr>
-              <a:solidFill>
-                <a:schemeClr val="dk1"/>
-              </a:solidFill>
-            </a:endParaRPr>
-          </a:p>
-          <a:p>
-            <a:pPr indent="-317500" lvl="2" marL="1371600" rtl="0" algn="l">
-              <a:spcBef>
-                <a:spcPts val="0"/>
-              </a:spcBef>
-              <a:spcAft>
-                <a:spcPts val="0"/>
-              </a:spcAft>
-              <a:buClr>
-                <a:schemeClr val="dk1"/>
-              </a:buClr>
-              <a:buSzPts val="1400"/>
-              <a:buChar char="■"/>
-            </a:pPr>
-            <a:r>
-              <a:rPr lang="en">
-                <a:solidFill>
-                  <a:schemeClr val="dk1"/>
-                </a:solidFill>
-              </a:rPr>
-              <a:t>El Niño/Southern Oscillation history</a:t>
-            </a:r>
-            <a:endParaRPr>
-              <a:solidFill>
-                <a:schemeClr val="dk1"/>
-              </a:solidFill>
-            </a:endParaRPr>
-          </a:p>
-          <a:p>
-            <a:pPr indent="-317500" lvl="2" marL="1371600" rtl="0" algn="l">
-              <a:spcBef>
-                <a:spcPts val="0"/>
-              </a:spcBef>
-              <a:spcAft>
-                <a:spcPts val="0"/>
-              </a:spcAft>
-              <a:buClr>
-                <a:schemeClr val="dk1"/>
-              </a:buClr>
-              <a:buSzPts val="1400"/>
-              <a:buChar char="■"/>
-            </a:pPr>
-            <a:r>
-              <a:rPr lang="en">
-                <a:solidFill>
-                  <a:schemeClr val="dk1"/>
-                </a:solidFill>
-              </a:rPr>
-              <a:t>Atlantic/Pacific Multidecadal Oscillation history</a:t>
-            </a:r>
-            <a:endParaRPr>
-              <a:solidFill>
-                <a:schemeClr val="dk1"/>
-              </a:solidFill>
-            </a:endParaRPr>
-          </a:p>
-          <a:p>
-            <a:pPr indent="-317500" lvl="2" marL="1371600" rtl="0" algn="l">
-              <a:spcBef>
-                <a:spcPts val="0"/>
-              </a:spcBef>
-              <a:spcAft>
-                <a:spcPts val="0"/>
-              </a:spcAft>
-              <a:buClr>
-                <a:schemeClr val="dk1"/>
-              </a:buClr>
-              <a:buSzPts val="1400"/>
-              <a:buChar char="■"/>
-            </a:pPr>
-            <a:r>
-              <a:rPr lang="en">
-                <a:solidFill>
-                  <a:schemeClr val="dk1"/>
-                </a:solidFill>
-              </a:rPr>
-              <a:t>Solar Cycle history</a:t>
-            </a:r>
-            <a:endParaRPr>
-              <a:solidFill>
-                <a:schemeClr val="dk1"/>
-              </a:solidFill>
-            </a:endParaRPr>
-          </a:p>
-          <a:p>
-            <a:pPr indent="-317500" lvl="1" marL="914400" rtl="0" algn="l">
-              <a:spcBef>
-                <a:spcPts val="0"/>
-              </a:spcBef>
-              <a:spcAft>
-                <a:spcPts val="0"/>
-              </a:spcAft>
-              <a:buClr>
-                <a:schemeClr val="dk1"/>
-              </a:buClr>
-              <a:buSzPts val="1400"/>
-              <a:buChar char="○"/>
-            </a:pPr>
-            <a:r>
-              <a:rPr lang="en">
-                <a:solidFill>
-                  <a:schemeClr val="dk1"/>
-                </a:solidFill>
-              </a:rPr>
-              <a:t>USDA data</a:t>
-            </a:r>
-            <a:endParaRPr>
-              <a:solidFill>
-                <a:schemeClr val="dk1"/>
-              </a:solidFill>
-            </a:endParaRPr>
-          </a:p>
-          <a:p>
-            <a:pPr indent="-317500" lvl="2" marL="1371600" rtl="0" algn="l">
-              <a:spcBef>
-                <a:spcPts val="0"/>
-              </a:spcBef>
-              <a:spcAft>
-                <a:spcPts val="0"/>
-              </a:spcAft>
-              <a:buClr>
-                <a:schemeClr val="dk1"/>
-              </a:buClr>
-              <a:buSzPts val="1400"/>
-              <a:buChar char="■"/>
-            </a:pPr>
-            <a:r>
-              <a:rPr lang="en">
-                <a:solidFill>
-                  <a:schemeClr val="dk1"/>
-                </a:solidFill>
-              </a:rPr>
-              <a:t>State agricultural output data by crop</a:t>
-            </a:r>
-            <a:endParaRPr>
-              <a:solidFill>
-                <a:schemeClr val="dk1"/>
-              </a:solidFill>
-            </a:endParaRPr>
-          </a:p>
-        </p:txBody>
-      </p:sp>
-      <p:pic>
-        <p:nvPicPr>
-          <p:cNvPr id="205" name="Google Shape;205;p30"/>
-          <p:cNvPicPr preferRelativeResize="0"/>
-          <p:nvPr/>
-        </p:nvPicPr>
-        <p:blipFill>
-          <a:blip r:embed="rId4">
-            <a:alphaModFix/>
-          </a:blip>
-          <a:stretch>
-            <a:fillRect/>
-          </a:stretch>
-        </p:blipFill>
-        <p:spPr>
-          <a:xfrm>
-            <a:off x="6721101" y="3040901"/>
-            <a:ext cx="1826150" cy="1826150"/>
-          </a:xfrm>
-          <a:prstGeom prst="rect">
-            <a:avLst/>
-          </a:prstGeom>
-          <a:noFill/>
-          <a:ln>
-            <a:noFill/>
-          </a:ln>
-        </p:spPr>
-      </p:pic>
-      <p:sp>
-        <p:nvSpPr>
-          <p:cNvPr id="206" name="Google Shape;206;p30"/>
-          <p:cNvSpPr txBox="1"/>
-          <p:nvPr/>
-        </p:nvSpPr>
-        <p:spPr>
-          <a:xfrm>
-            <a:off x="7269350" y="4657075"/>
-            <a:ext cx="1711800" cy="400200"/>
-          </a:xfrm>
-          <a:prstGeom prst="rect">
-            <a:avLst/>
-          </a:prstGeom>
-          <a:noFill/>
-          <a:ln>
-            <a:noFill/>
-          </a:ln>
-        </p:spPr>
-        <p:txBody>
-          <a:bodyPr anchorCtr="0" anchor="t" bIns="91425" lIns="91425" spcFirstLastPara="1" rIns="91425" wrap="square" tIns="91425">
-            <a:spAutoFit/>
-          </a:bodyPr>
-          <a:lstStyle/>
-          <a:p>
-            <a:pPr indent="0" lvl="0" marL="0" rtl="0" algn="l">
-              <a:spcBef>
-                <a:spcPts val="0"/>
-              </a:spcBef>
-              <a:spcAft>
-                <a:spcPts val="0"/>
-              </a:spcAft>
-              <a:buNone/>
-            </a:pPr>
-            <a:r>
-              <a:rPr lang="en"/>
-              <a:t>Melissa Winstanley</a:t>
-            </a:r>
-            <a:endParaRPr/>
-          </a:p>
-        </p:txBody>
-      </p:sp>
-    </p:spTree>
-  </p:cSld>
-  <p:clrMapOvr>
-    <a:masterClrMapping/>
-  </p:clrMapOvr>
-</p:sld>
-</file>
-
-<file path=ppt/slides/slide19.xml><?xml version="1.0" encoding="utf-8"?>
-<p:sld xmlns:a="http://schemas.openxmlformats.org/drawingml/2006/main" xmlns:r="http://schemas.openxmlformats.org/officeDocument/2006/relationships" xmlns:mc="http://schemas.openxmlformats.org/markup-compatibility/2006" xmlns:mv="urn:schemas-microsoft-com:mac:vml" xmlns:p="http://schemas.openxmlformats.org/presentationml/2006/main" xmlns:c="http://schemas.openxmlformats.org/drawingml/2006/chart" xmlns:dgm="http://schemas.openxmlformats.org/drawingml/2006/diagram" xmlns:o="urn:schemas-microsoft-com:office:office" xmlns:v="urn:schemas-microsoft-com:vml" xmlns:pvml="urn:schemas-microsoft-com:office:powerpoint" xmlns:com="http://schemas.openxmlformats.org/drawingml/2006/compatibility" xmlns:p14="http://schemas.microsoft.com/office/powerpoint/2010/main" xmlns:p15="http://schemas.microsoft.com/office/powerpoint/2012/main" xmlns:ahyp="http://schemas.microsoft.com/office/drawing/2018/hyperlinkcolor">
-  <p:cSld>
-    <p:spTree>
-      <p:nvGrpSpPr>
-        <p:cNvPr id="210" name="Shape 210"/>
-        <p:cNvGrpSpPr/>
-        <p:nvPr/>
-      </p:nvGrpSpPr>
-      <p:grpSpPr>
-        <a:xfrm>
-          <a:off x="0" y="0"/>
-          <a:ext cx="0" cy="0"/>
-          <a:chOff x="0" y="0"/>
-          <a:chExt cx="0" cy="0"/>
-        </a:xfrm>
-      </p:grpSpPr>
-      <p:sp>
-        <p:nvSpPr>
-          <p:cNvPr id="211" name="Google Shape;211;p31"/>
-          <p:cNvSpPr txBox="1"/>
-          <p:nvPr>
-            <p:ph type="title"/>
-          </p:nvPr>
-        </p:nvSpPr>
-        <p:spPr>
-          <a:xfrm>
-            <a:off x="311700" y="445025"/>
-            <a:ext cx="8520600" cy="572700"/>
-          </a:xfrm>
-          <a:prstGeom prst="rect">
-            <a:avLst/>
-          </a:prstGeom>
-        </p:spPr>
-        <p:txBody>
-          <a:bodyPr anchorCtr="0" anchor="t" bIns="91425" lIns="91425" spcFirstLastPara="1" rIns="91425" wrap="square" tIns="91425">
-            <a:normAutofit fontScale="90000"/>
-          </a:bodyPr>
-          <a:lstStyle/>
-          <a:p>
-            <a:pPr indent="0" lvl="0" marL="0" rtl="0" algn="l">
-              <a:spcBef>
-                <a:spcPts val="0"/>
-              </a:spcBef>
-              <a:spcAft>
-                <a:spcPts val="0"/>
-              </a:spcAft>
-              <a:buNone/>
-            </a:pPr>
-            <a:r>
-              <a:rPr lang="en"/>
-              <a:t>Tide Me Over!</a:t>
-            </a:r>
-            <a:endParaRPr/>
-          </a:p>
-        </p:txBody>
-      </p:sp>
-      <p:sp>
-        <p:nvSpPr>
-          <p:cNvPr id="212" name="Google Shape;212;p31"/>
           <p:cNvSpPr txBox="1"/>
           <p:nvPr>
             <p:ph idx="1" type="body"/>
@@ -10271,256 +10062,352 @@
         </p:spPr>
         <p:txBody>
           <a:bodyPr anchorCtr="0" anchor="t" bIns="91425" lIns="91425" spcFirstLastPara="1" rIns="91425" wrap="square" tIns="91425">
-            <a:normAutofit/>
+            <a:normAutofit fontScale="55000" lnSpcReduction="20000"/>
           </a:bodyPr>
           <a:lstStyle/>
           <a:p>
-            <a:pPr indent="-361950" lvl="0" marL="457200" rtl="0" algn="l">
-              <a:spcBef>
-                <a:spcPts val="0"/>
-              </a:spcBef>
-              <a:spcAft>
-                <a:spcPts val="0"/>
-              </a:spcAft>
-              <a:buSzPts val="2100"/>
-              <a:buChar char="●"/>
-            </a:pPr>
-            <a:r>
-              <a:rPr lang="en" sz="2100"/>
-              <a:t>Project output: research &amp; a tool (to make map visualizations)</a:t>
-            </a:r>
-            <a:endParaRPr sz="2100"/>
-          </a:p>
-          <a:p>
-            <a:pPr indent="-336550" lvl="1" marL="914400" rtl="0" algn="l">
-              <a:spcBef>
-                <a:spcPts val="0"/>
-              </a:spcBef>
-              <a:spcAft>
-                <a:spcPts val="0"/>
-              </a:spcAft>
-              <a:buSzPts val="1700"/>
-              <a:buChar char="○"/>
-            </a:pPr>
-            <a:r>
-              <a:rPr lang="en" sz="1700"/>
-              <a:t>Research how tides affect water changes in Puget Sound via mooring buoy</a:t>
-            </a:r>
-            <a:endParaRPr sz="1700"/>
-          </a:p>
-          <a:p>
-            <a:pPr indent="-336550" lvl="2" marL="1371600" rtl="0" algn="l">
-              <a:spcBef>
-                <a:spcPts val="0"/>
-              </a:spcBef>
-              <a:spcAft>
-                <a:spcPts val="0"/>
-              </a:spcAft>
-              <a:buSzPts val="1700"/>
-              <a:buChar char="■"/>
-            </a:pPr>
-            <a:r>
-              <a:rPr lang="en" sz="1700"/>
-              <a:t>Depth, oxygen, chlorophyll, and salinity</a:t>
-            </a:r>
-            <a:endParaRPr sz="1700"/>
-          </a:p>
-          <a:p>
-            <a:pPr indent="-336550" lvl="1" marL="914400" rtl="0" algn="l">
-              <a:spcBef>
-                <a:spcPts val="0"/>
-              </a:spcBef>
-              <a:spcAft>
-                <a:spcPts val="0"/>
-              </a:spcAft>
-              <a:buSzPts val="1700"/>
-              <a:buChar char="○"/>
-            </a:pPr>
-            <a:r>
-              <a:rPr lang="en" sz="1700"/>
-              <a:t>Build map visualizations with a time slider to show the changes</a:t>
-            </a:r>
-            <a:endParaRPr sz="1700"/>
-          </a:p>
-          <a:p>
-            <a:pPr indent="-336550" lvl="1" marL="914400" rtl="0" algn="l">
-              <a:spcBef>
-                <a:spcPts val="0"/>
-              </a:spcBef>
-              <a:spcAft>
-                <a:spcPts val="0"/>
-              </a:spcAft>
-              <a:buSzPts val="1700"/>
-              <a:buChar char="○"/>
-            </a:pPr>
-            <a:r>
-              <a:rPr lang="en" sz="1700"/>
-              <a:t>Include a search feature to narrow in on a particular location</a:t>
-            </a:r>
-            <a:endParaRPr sz="1700"/>
-          </a:p>
-          <a:p>
-            <a:pPr indent="-361950" lvl="0" marL="457200" rtl="0" algn="l">
-              <a:spcBef>
-                <a:spcPts val="0"/>
-              </a:spcBef>
-              <a:spcAft>
-                <a:spcPts val="0"/>
-              </a:spcAft>
-              <a:buSzPts val="2100"/>
-              <a:buChar char="●"/>
-            </a:pPr>
-            <a:r>
-              <a:rPr lang="en" sz="2100"/>
-              <a:t>Data</a:t>
-            </a:r>
-            <a:endParaRPr sz="2100"/>
-          </a:p>
-          <a:p>
-            <a:pPr indent="-336550" lvl="1" marL="914400" rtl="0" algn="l">
-              <a:spcBef>
-                <a:spcPts val="0"/>
-              </a:spcBef>
-              <a:spcAft>
-                <a:spcPts val="0"/>
-              </a:spcAft>
-              <a:buSzPts val="1700"/>
-              <a:buChar char="○"/>
-            </a:pPr>
-            <a:r>
-              <a:rPr lang="en" sz="1700"/>
-              <a:t>NOAA historical tide data</a:t>
-            </a:r>
-            <a:endParaRPr sz="1700"/>
-          </a:p>
-          <a:p>
-            <a:pPr indent="-336550" lvl="1" marL="914400" rtl="0" algn="l">
-              <a:spcBef>
-                <a:spcPts val="0"/>
-              </a:spcBef>
-              <a:spcAft>
-                <a:spcPts val="0"/>
-              </a:spcAft>
-              <a:buSzPts val="1700"/>
-              <a:buChar char="○"/>
-            </a:pPr>
-            <a:r>
-              <a:rPr lang="en" sz="1700"/>
-              <a:t>King County mooring buoy data </a:t>
-            </a:r>
-            <a:endParaRPr sz="1700"/>
-          </a:p>
-          <a:p>
             <a:pPr indent="0" lvl="0" marL="0" rtl="0" algn="l">
               <a:spcBef>
+                <a:spcPts val="0"/>
+              </a:spcBef>
+              <a:spcAft>
+                <a:spcPts val="0"/>
+              </a:spcAft>
+              <a:buNone/>
+            </a:pPr>
+            <a:r>
+              <a:rPr lang="en" u="sng">
+                <a:solidFill>
+                  <a:schemeClr val="hlink"/>
+                </a:solidFill>
+                <a:hlinkClick r:id="rId3"/>
+              </a:rPr>
+              <a:t>http://drugbank.ca</a:t>
+            </a:r>
+            <a:endParaRPr/>
+          </a:p>
+          <a:p>
+            <a:pPr indent="0" lvl="0" marL="0" rtl="0" algn="l">
+              <a:spcBef>
                 <a:spcPts val="1200"/>
               </a:spcBef>
               <a:spcAft>
+                <a:spcPts val="0"/>
+              </a:spcAft>
+              <a:buNone/>
+            </a:pPr>
+            <a:r>
+              <a:rPr lang="en" u="sng">
+                <a:solidFill>
+                  <a:schemeClr val="hlink"/>
+                </a:solidFill>
+                <a:hlinkClick r:id="rId4"/>
+              </a:rPr>
+              <a:t>http://toxnet.nlm.nih.gov</a:t>
+            </a:r>
+            <a:endParaRPr/>
+          </a:p>
+          <a:p>
+            <a:pPr indent="0" lvl="0" marL="0" rtl="0" algn="l">
+              <a:spcBef>
                 <a:spcPts val="1200"/>
-              </a:spcAft>
-              <a:buNone/>
-            </a:pPr>
-            <a:r>
-              <a:t/>
+              </a:spcBef>
+              <a:spcAft>
+                <a:spcPts val="0"/>
+              </a:spcAft>
+              <a:buNone/>
+            </a:pPr>
+            <a:r>
+              <a:rPr lang="en" u="sng">
+                <a:solidFill>
+                  <a:schemeClr val="hlink"/>
+                </a:solidFill>
+                <a:hlinkClick r:id="rId5"/>
+              </a:rPr>
+              <a:t>https://data.seattle.gov/Transportation/Traffic-Flow-Counts/7svg-ds5z</a:t>
+            </a:r>
+            <a:endParaRPr/>
+          </a:p>
+          <a:p>
+            <a:pPr indent="0" lvl="0" marL="0" rtl="0" algn="l">
+              <a:spcBef>
+                <a:spcPts val="1200"/>
+              </a:spcBef>
+              <a:spcAft>
+                <a:spcPts val="0"/>
+              </a:spcAft>
+              <a:buNone/>
+            </a:pPr>
+            <a:r>
+              <a:rPr lang="en" u="sng">
+                <a:solidFill>
+                  <a:schemeClr val="hlink"/>
+                </a:solidFill>
+                <a:hlinkClick r:id="rId6"/>
+              </a:rPr>
+              <a:t>https://www.divvybikes.com/data</a:t>
+            </a:r>
+            <a:endParaRPr/>
+          </a:p>
+          <a:p>
+            <a:pPr indent="0" lvl="0" marL="0" rtl="0" algn="l">
+              <a:spcBef>
+                <a:spcPts val="1200"/>
+              </a:spcBef>
+              <a:spcAft>
+                <a:spcPts val="0"/>
+              </a:spcAft>
+              <a:buNone/>
+            </a:pPr>
+            <a:r>
+              <a:rPr lang="en" u="sng">
+                <a:solidFill>
+                  <a:schemeClr val="hlink"/>
+                </a:solidFill>
+                <a:hlinkClick r:id="rId7"/>
+              </a:rPr>
+              <a:t>http://www.nyc.gov/html/tlc/html/about/trip_record_data.shtml</a:t>
+            </a:r>
+            <a:endParaRPr/>
+          </a:p>
+          <a:p>
+            <a:pPr indent="0" lvl="0" marL="0" rtl="0" algn="l">
+              <a:spcBef>
+                <a:spcPts val="1200"/>
+              </a:spcBef>
+              <a:spcAft>
+                <a:spcPts val="0"/>
+              </a:spcAft>
+              <a:buNone/>
+            </a:pPr>
+            <a:r>
+              <a:rPr lang="en" u="sng">
+                <a:solidFill>
+                  <a:schemeClr val="hlink"/>
+                </a:solidFill>
+                <a:hlinkClick r:id="rId8"/>
+              </a:rPr>
+              <a:t>https://www.kaggle.com</a:t>
+            </a:r>
+            <a:endParaRPr/>
+          </a:p>
+          <a:p>
+            <a:pPr indent="0" lvl="0" marL="0" rtl="0" algn="l">
+              <a:spcBef>
+                <a:spcPts val="1200"/>
+              </a:spcBef>
+              <a:spcAft>
+                <a:spcPts val="0"/>
+              </a:spcAft>
+              <a:buNone/>
+            </a:pPr>
+            <a:r>
+              <a:rPr lang="en" u="sng">
+                <a:solidFill>
+                  <a:schemeClr val="hlink"/>
+                </a:solidFill>
+                <a:hlinkClick r:id="rId9"/>
+              </a:rPr>
+              <a:t>Pronto bike data</a:t>
+            </a:r>
+            <a:endParaRPr/>
+          </a:p>
+          <a:p>
+            <a:pPr indent="0" lvl="0" marL="0" rtl="0" algn="l">
+              <a:spcBef>
+                <a:spcPts val="1200"/>
+              </a:spcBef>
+              <a:spcAft>
+                <a:spcPts val="0"/>
+              </a:spcAft>
+              <a:buNone/>
+            </a:pPr>
+            <a:r>
+              <a:rPr lang="en" u="sng">
+                <a:solidFill>
+                  <a:schemeClr val="hlink"/>
+                </a:solidFill>
+                <a:hlinkClick r:id="rId10"/>
+              </a:rPr>
+              <a:t>American Fact Finder Data</a:t>
+            </a:r>
+            <a:endParaRPr/>
+          </a:p>
+          <a:p>
+            <a:pPr indent="0" lvl="0" marL="0" rtl="0" algn="l">
+              <a:spcBef>
+                <a:spcPts val="1200"/>
+              </a:spcBef>
+              <a:spcAft>
+                <a:spcPts val="0"/>
+              </a:spcAft>
+              <a:buNone/>
+            </a:pPr>
+            <a:r>
+              <a:rPr lang="en" u="sng">
+                <a:solidFill>
+                  <a:schemeClr val="hlink"/>
+                </a:solidFill>
+                <a:hlinkClick r:id="rId11"/>
+              </a:rPr>
+              <a:t>European union data (World bank)</a:t>
+            </a:r>
+            <a:endParaRPr/>
+          </a:p>
+          <a:p>
+            <a:pPr indent="0" lvl="0" marL="0" rtl="0" algn="l">
+              <a:spcBef>
+                <a:spcPts val="1200"/>
+              </a:spcBef>
+              <a:spcAft>
+                <a:spcPts val="0"/>
+              </a:spcAft>
+              <a:buNone/>
+            </a:pPr>
+            <a:r>
+              <a:rPr lang="en" u="sng">
+                <a:solidFill>
+                  <a:schemeClr val="hlink"/>
+                </a:solidFill>
+                <a:hlinkClick r:id="rId12"/>
+              </a:rPr>
+              <a:t>Russian federation data (World bank)</a:t>
+            </a:r>
+            <a:endParaRPr/>
+          </a:p>
+          <a:p>
+            <a:pPr indent="0" lvl="0" marL="0" rtl="0" algn="l">
+              <a:spcBef>
+                <a:spcPts val="1200"/>
+              </a:spcBef>
+              <a:spcAft>
+                <a:spcPts val="1200"/>
+              </a:spcAft>
+              <a:buNone/>
+            </a:pPr>
+            <a:r>
+              <a:rPr lang="en" u="sng">
+                <a:solidFill>
+                  <a:schemeClr val="hlink"/>
+                </a:solidFill>
+                <a:hlinkClick r:id="rId13"/>
+              </a:rPr>
+              <a:t>China data (World bank)</a:t>
             </a:r>
             <a:endParaRPr/>
           </a:p>
         </p:txBody>
       </p:sp>
-      <p:pic>
-        <p:nvPicPr>
-          <p:cNvPr id="213" name="Google Shape;213;p31"/>
-          <p:cNvPicPr preferRelativeResize="0"/>
-          <p:nvPr/>
-        </p:nvPicPr>
-        <p:blipFill>
-          <a:blip r:embed="rId3">
-            <a:alphaModFix/>
-          </a:blip>
-          <a:stretch>
-            <a:fillRect/>
-          </a:stretch>
-        </p:blipFill>
+    </p:spTree>
+  </p:cSld>
+  <p:clrMapOvr>
+    <a:masterClrMapping/>
+  </p:clrMapOvr>
+</p:sld>
+</file>
+
+<file path=ppt/slides/slide19.xml><?xml version="1.0" encoding="utf-8"?>
+<p:sld xmlns:a="http://schemas.openxmlformats.org/drawingml/2006/main" xmlns:r="http://schemas.openxmlformats.org/officeDocument/2006/relationships" xmlns:mc="http://schemas.openxmlformats.org/markup-compatibility/2006" xmlns:mv="urn:schemas-microsoft-com:mac:vml" xmlns:p="http://schemas.openxmlformats.org/presentationml/2006/main" xmlns:c="http://schemas.openxmlformats.org/drawingml/2006/chart" xmlns:dgm="http://schemas.openxmlformats.org/drawingml/2006/diagram" xmlns:o="urn:schemas-microsoft-com:office:office" xmlns:v="urn:schemas-microsoft-com:vml" xmlns:pvml="urn:schemas-microsoft-com:office:powerpoint" xmlns:com="http://schemas.openxmlformats.org/drawingml/2006/compatibility" xmlns:p14="http://schemas.microsoft.com/office/powerpoint/2010/main" xmlns:p15="http://schemas.microsoft.com/office/powerpoint/2012/main" xmlns:ahyp="http://schemas.microsoft.com/office/drawing/2018/hyperlinkcolor">
+  <p:cSld>
+    <p:spTree>
+      <p:nvGrpSpPr>
+        <p:cNvPr id="208" name="Shape 208"/>
+        <p:cNvGrpSpPr/>
+        <p:nvPr/>
+      </p:nvGrpSpPr>
+      <p:grpSpPr>
+        <a:xfrm>
+          <a:off x="0" y="0"/>
+          <a:ext cx="0" cy="0"/>
+          <a:chOff x="0" y="0"/>
+          <a:chExt cx="0" cy="0"/>
+        </a:xfrm>
+      </p:grpSpPr>
+      <p:sp>
+        <p:nvSpPr>
+          <p:cNvPr id="209" name="Google Shape;209;p31"/>
+          <p:cNvSpPr txBox="1"/>
+          <p:nvPr>
+            <p:ph type="title"/>
+          </p:nvPr>
+        </p:nvSpPr>
         <p:spPr>
           <a:xfrm>
-            <a:off x="4869700" y="2802200"/>
-            <a:ext cx="3508750" cy="2214900"/>
+            <a:off x="311700" y="2150850"/>
+            <a:ext cx="8520600" cy="841800"/>
           </a:xfrm>
           <a:prstGeom prst="rect">
             <a:avLst/>
           </a:prstGeom>
-          <a:noFill/>
-          <a:ln>
-            <a:noFill/>
-          </a:ln>
         </p:spPr>
-      </p:pic>
-      <p:pic>
-        <p:nvPicPr>
-          <p:cNvPr id="214" name="Google Shape;214;p31"/>
-          <p:cNvPicPr preferRelativeResize="0"/>
-          <p:nvPr/>
-        </p:nvPicPr>
-        <p:blipFill rotWithShape="1">
-          <a:blip r:embed="rId4">
-            <a:alphaModFix/>
-          </a:blip>
-          <a:srcRect b="17478" l="18367" r="0" t="18590"/>
-          <a:stretch/>
-        </p:blipFill>
+        <p:txBody>
+          <a:bodyPr anchorCtr="0" anchor="ctr" bIns="91425" lIns="91425" spcFirstLastPara="1" rIns="91425" wrap="square" tIns="91425">
+            <a:normAutofit/>
+          </a:bodyPr>
+          <a:lstStyle/>
+          <a:p>
+            <a:pPr indent="0" lvl="0" marL="0" rtl="0" algn="ctr">
+              <a:spcBef>
+                <a:spcPts val="0"/>
+              </a:spcBef>
+              <a:spcAft>
+                <a:spcPts val="0"/>
+              </a:spcAft>
+              <a:buNone/>
+            </a:pPr>
+            <a:r>
+              <a:rPr lang="en"/>
+              <a:t>Project Proposal Examples</a:t>
+            </a:r>
+            <a:endParaRPr/>
+          </a:p>
+        </p:txBody>
+      </p:sp>
+      <p:sp>
+        <p:nvSpPr>
+          <p:cNvPr id="210" name="Google Shape;210;p31"/>
+          <p:cNvSpPr txBox="1"/>
+          <p:nvPr>
+            <p:ph idx="4294967295" type="subTitle"/>
+          </p:nvPr>
+        </p:nvSpPr>
         <p:spPr>
           <a:xfrm>
-            <a:off x="1339700" y="3817075"/>
-            <a:ext cx="2365813" cy="1200025"/>
+            <a:off x="311700" y="2834125"/>
+            <a:ext cx="8520600" cy="792600"/>
           </a:xfrm>
           <a:prstGeom prst="rect">
             <a:avLst/>
           </a:prstGeom>
-          <a:noFill/>
-          <a:ln>
-            <a:noFill/>
-          </a:ln>
-        </p:spPr>
-      </p:pic>
-      <p:sp>
-        <p:nvSpPr>
-          <p:cNvPr id="215" name="Google Shape;215;p31"/>
-          <p:cNvSpPr txBox="1"/>
-          <p:nvPr/>
-        </p:nvSpPr>
-        <p:spPr>
-          <a:xfrm>
-            <a:off x="7258725" y="4616900"/>
-            <a:ext cx="1711800" cy="400200"/>
-          </a:xfrm>
-          <a:prstGeom prst="rect">
-            <a:avLst/>
-          </a:prstGeom>
-          <a:noFill/>
-          <a:ln>
-            <a:noFill/>
-          </a:ln>
         </p:spPr>
         <p:txBody>
           <a:bodyPr anchorCtr="0" anchor="t" bIns="91425" lIns="91425" spcFirstLastPara="1" rIns="91425" wrap="square" tIns="91425">
-            <a:spAutoFit/>
+            <a:normAutofit/>
           </a:bodyPr>
           <a:lstStyle/>
           <a:p>
-            <a:pPr indent="0" lvl="0" marL="0" rtl="0" algn="l">
-              <a:spcBef>
-                <a:spcPts val="0"/>
-              </a:spcBef>
-              <a:spcAft>
-                <a:spcPts val="0"/>
-              </a:spcAft>
-              <a:buNone/>
-            </a:pPr>
-            <a:r>
-              <a:rPr lang="en"/>
-              <a:t>Melissa Winstanley</a:t>
-            </a:r>
-            <a:endParaRPr/>
+            <a:pPr indent="0" lvl="0" marL="0" rtl="0" algn="ctr">
+              <a:spcBef>
+                <a:spcPts val="0"/>
+              </a:spcBef>
+              <a:spcAft>
+                <a:spcPts val="1200"/>
+              </a:spcAft>
+              <a:buNone/>
+            </a:pPr>
+            <a:r>
+              <a:rPr lang="en">
+                <a:solidFill>
+                  <a:srgbClr val="FFFFFF"/>
+                </a:solidFill>
+              </a:rPr>
+              <a:t>Just to get your mind working</a:t>
+            </a:r>
+            <a:endParaRPr>
+              <a:solidFill>
+                <a:srgbClr val="FFFFFF"/>
+              </a:solidFill>
+            </a:endParaRPr>
           </a:p>
         </p:txBody>
       </p:sp>
@@ -10731,9 +10618,21 @@
 <file path=ppt/slides/slide20.xml><?xml version="1.0" encoding="utf-8"?>
 <p:sld xmlns:a="http://schemas.openxmlformats.org/drawingml/2006/main" xmlns:r="http://schemas.openxmlformats.org/officeDocument/2006/relationships" xmlns:mc="http://schemas.openxmlformats.org/markup-compatibility/2006" xmlns:mv="urn:schemas-microsoft-com:mac:vml" xmlns:p="http://schemas.openxmlformats.org/presentationml/2006/main" xmlns:c="http://schemas.openxmlformats.org/drawingml/2006/chart" xmlns:dgm="http://schemas.openxmlformats.org/drawingml/2006/diagram" xmlns:o="urn:schemas-microsoft-com:office:office" xmlns:v="urn:schemas-microsoft-com:vml" xmlns:pvml="urn:schemas-microsoft-com:office:powerpoint" xmlns:com="http://schemas.openxmlformats.org/drawingml/2006/compatibility" xmlns:p14="http://schemas.microsoft.com/office/powerpoint/2010/main" xmlns:p15="http://schemas.microsoft.com/office/powerpoint/2012/main" xmlns:ahyp="http://schemas.microsoft.com/office/drawing/2018/hyperlinkcolor">
   <p:cSld>
+    <p:bg>
+      <p:bgPr>
+        <a:blipFill>
+          <a:blip r:embed="rId3">
+            <a:alphaModFix/>
+          </a:blip>
+          <a:stretch>
+            <a:fillRect/>
+          </a:stretch>
+        </a:blipFill>
+      </p:bgPr>
+    </p:bg>
     <p:spTree>
       <p:nvGrpSpPr>
-        <p:cNvPr id="219" name="Shape 219"/>
+        <p:cNvPr id="214" name="Shape 214"/>
         <p:cNvGrpSpPr/>
         <p:nvPr/>
       </p:nvGrpSpPr>
@@ -10747,7 +10646,7 @@
       </p:grpSpPr>
       <p:sp>
         <p:nvSpPr>
-          <p:cNvPr id="220" name="Google Shape;220;p32"/>
+          <p:cNvPr id="215" name="Google Shape;215;p32"/>
           <p:cNvSpPr txBox="1"/>
           <p:nvPr>
             <p:ph type="title"/>
@@ -10779,7 +10678,7 @@
             </a:pPr>
             <a:r>
               <a:rPr lang="en"/>
-              <a:t>Fantastical Basketball*</a:t>
+              <a:t>Weather Wizard for Farmers</a:t>
             </a:r>
             <a:endParaRPr/>
           </a:p>
@@ -10787,7 +10686,872 @@
       </p:sp>
       <p:sp>
         <p:nvSpPr>
-          <p:cNvPr id="221" name="Google Shape;221;p32"/>
+          <p:cNvPr id="216" name="Google Shape;216;p32"/>
+          <p:cNvSpPr txBox="1"/>
+          <p:nvPr>
+            <p:ph idx="1" type="body"/>
+          </p:nvPr>
+        </p:nvSpPr>
+        <p:spPr>
+          <a:xfrm>
+            <a:off x="311700" y="1152475"/>
+            <a:ext cx="8520600" cy="3844800"/>
+          </a:xfrm>
+          <a:prstGeom prst="rect">
+            <a:avLst/>
+          </a:prstGeom>
+          <a:solidFill>
+            <a:srgbClr val="FFFFFF">
+              <a:alpha val="77380"/>
+            </a:srgbClr>
+          </a:solidFill>
+        </p:spPr>
+        <p:txBody>
+          <a:bodyPr anchorCtr="0" anchor="t" bIns="91425" lIns="91425" spcFirstLastPara="1" rIns="91425" wrap="square" tIns="91425">
+            <a:normAutofit/>
+          </a:bodyPr>
+          <a:lstStyle/>
+          <a:p>
+            <a:pPr indent="-342900" lvl="0" marL="457200" rtl="0" algn="l">
+              <a:spcBef>
+                <a:spcPts val="0"/>
+              </a:spcBef>
+              <a:spcAft>
+                <a:spcPts val="0"/>
+              </a:spcAft>
+              <a:buClr>
+                <a:schemeClr val="dk1"/>
+              </a:buClr>
+              <a:buSzPts val="1800"/>
+              <a:buChar char="●"/>
+            </a:pPr>
+            <a:r>
+              <a:rPr lang="en">
+                <a:solidFill>
+                  <a:schemeClr val="dk1"/>
+                </a:solidFill>
+              </a:rPr>
+              <a:t>Project output: reusable data (a simple web app)</a:t>
+            </a:r>
+            <a:endParaRPr>
+              <a:solidFill>
+                <a:schemeClr val="dk1"/>
+              </a:solidFill>
+            </a:endParaRPr>
+          </a:p>
+          <a:p>
+            <a:pPr indent="-317500" lvl="1" marL="914400" rtl="0" algn="l">
+              <a:spcBef>
+                <a:spcPts val="0"/>
+              </a:spcBef>
+              <a:spcAft>
+                <a:spcPts val="0"/>
+              </a:spcAft>
+              <a:buClr>
+                <a:schemeClr val="dk1"/>
+              </a:buClr>
+              <a:buSzPts val="1400"/>
+              <a:buChar char="○"/>
+            </a:pPr>
+            <a:r>
+              <a:rPr lang="en">
+                <a:solidFill>
+                  <a:schemeClr val="dk1"/>
+                </a:solidFill>
+              </a:rPr>
+              <a:t>Give it your location (zip code?)</a:t>
+            </a:r>
+            <a:endParaRPr>
+              <a:solidFill>
+                <a:schemeClr val="dk1"/>
+              </a:solidFill>
+            </a:endParaRPr>
+          </a:p>
+          <a:p>
+            <a:pPr indent="-317500" lvl="1" marL="914400" rtl="0" algn="l">
+              <a:spcBef>
+                <a:spcPts val="0"/>
+              </a:spcBef>
+              <a:spcAft>
+                <a:spcPts val="0"/>
+              </a:spcAft>
+              <a:buClr>
+                <a:schemeClr val="dk1"/>
+              </a:buClr>
+              <a:buSzPts val="1400"/>
+              <a:buChar char="○"/>
+            </a:pPr>
+            <a:r>
+              <a:rPr lang="en">
+                <a:solidFill>
+                  <a:schemeClr val="dk1"/>
+                </a:solidFill>
+              </a:rPr>
+              <a:t>Use a machine learning model to predict future temperature and precipitation for your zip code</a:t>
+            </a:r>
+            <a:endParaRPr>
+              <a:solidFill>
+                <a:schemeClr val="dk1"/>
+              </a:solidFill>
+            </a:endParaRPr>
+          </a:p>
+          <a:p>
+            <a:pPr indent="-317500" lvl="1" marL="914400" rtl="0" algn="l">
+              <a:spcBef>
+                <a:spcPts val="0"/>
+              </a:spcBef>
+              <a:spcAft>
+                <a:spcPts val="0"/>
+              </a:spcAft>
+              <a:buClr>
+                <a:schemeClr val="dk1"/>
+              </a:buClr>
+              <a:buSzPts val="1400"/>
+              <a:buChar char="○"/>
+            </a:pPr>
+            <a:r>
+              <a:rPr lang="en">
+                <a:solidFill>
+                  <a:schemeClr val="dk1"/>
+                </a:solidFill>
+              </a:rPr>
+              <a:t>It will predict your last frost and whether it will be a warmer/cooler or wetter/dryer year</a:t>
+            </a:r>
+            <a:endParaRPr>
+              <a:solidFill>
+                <a:schemeClr val="dk1"/>
+              </a:solidFill>
+            </a:endParaRPr>
+          </a:p>
+          <a:p>
+            <a:pPr indent="-317500" lvl="1" marL="914400" rtl="0" algn="l">
+              <a:spcBef>
+                <a:spcPts val="0"/>
+              </a:spcBef>
+              <a:spcAft>
+                <a:spcPts val="0"/>
+              </a:spcAft>
+              <a:buClr>
+                <a:schemeClr val="dk1"/>
+              </a:buClr>
+              <a:buSzPts val="1400"/>
+              <a:buChar char="○"/>
+            </a:pPr>
+            <a:r>
+              <a:rPr lang="en">
+                <a:solidFill>
+                  <a:schemeClr val="dk1"/>
+                </a:solidFill>
+              </a:rPr>
+              <a:t>It will predict which crops you (the farmer) should plant to make the most money</a:t>
+            </a:r>
+            <a:endParaRPr>
+              <a:solidFill>
+                <a:schemeClr val="dk1"/>
+              </a:solidFill>
+            </a:endParaRPr>
+          </a:p>
+          <a:p>
+            <a:pPr indent="-342900" lvl="0" marL="457200" rtl="0" algn="l">
+              <a:spcBef>
+                <a:spcPts val="0"/>
+              </a:spcBef>
+              <a:spcAft>
+                <a:spcPts val="0"/>
+              </a:spcAft>
+              <a:buClr>
+                <a:schemeClr val="dk1"/>
+              </a:buClr>
+              <a:buSzPts val="1800"/>
+              <a:buChar char="●"/>
+            </a:pPr>
+            <a:r>
+              <a:rPr lang="en">
+                <a:solidFill>
+                  <a:schemeClr val="dk1"/>
+                </a:solidFill>
+              </a:rPr>
+              <a:t>Data</a:t>
+            </a:r>
+            <a:endParaRPr>
+              <a:solidFill>
+                <a:schemeClr val="dk1"/>
+              </a:solidFill>
+            </a:endParaRPr>
+          </a:p>
+          <a:p>
+            <a:pPr indent="-317500" lvl="1" marL="914400" rtl="0" algn="l">
+              <a:spcBef>
+                <a:spcPts val="0"/>
+              </a:spcBef>
+              <a:spcAft>
+                <a:spcPts val="0"/>
+              </a:spcAft>
+              <a:buClr>
+                <a:schemeClr val="dk1"/>
+              </a:buClr>
+              <a:buSzPts val="1400"/>
+              <a:buChar char="○"/>
+            </a:pPr>
+            <a:r>
+              <a:rPr lang="en">
+                <a:solidFill>
+                  <a:schemeClr val="dk1"/>
+                </a:solidFill>
+              </a:rPr>
+              <a:t>NOAA data</a:t>
+            </a:r>
+            <a:endParaRPr>
+              <a:solidFill>
+                <a:schemeClr val="dk1"/>
+              </a:solidFill>
+            </a:endParaRPr>
+          </a:p>
+          <a:p>
+            <a:pPr indent="-317500" lvl="2" marL="1371600" rtl="0" algn="l">
+              <a:spcBef>
+                <a:spcPts val="0"/>
+              </a:spcBef>
+              <a:spcAft>
+                <a:spcPts val="0"/>
+              </a:spcAft>
+              <a:buClr>
+                <a:schemeClr val="dk1"/>
+              </a:buClr>
+              <a:buSzPts val="1400"/>
+              <a:buChar char="■"/>
+            </a:pPr>
+            <a:r>
+              <a:rPr lang="en">
+                <a:solidFill>
+                  <a:schemeClr val="dk1"/>
+                </a:solidFill>
+              </a:rPr>
+              <a:t>Historical weather (temperature/precipitation) by location</a:t>
+            </a:r>
+            <a:endParaRPr>
+              <a:solidFill>
+                <a:schemeClr val="dk1"/>
+              </a:solidFill>
+            </a:endParaRPr>
+          </a:p>
+          <a:p>
+            <a:pPr indent="-317500" lvl="2" marL="1371600" rtl="0" algn="l">
+              <a:spcBef>
+                <a:spcPts val="0"/>
+              </a:spcBef>
+              <a:spcAft>
+                <a:spcPts val="0"/>
+              </a:spcAft>
+              <a:buClr>
+                <a:schemeClr val="dk1"/>
+              </a:buClr>
+              <a:buSzPts val="1400"/>
+              <a:buChar char="■"/>
+            </a:pPr>
+            <a:r>
+              <a:rPr lang="en">
+                <a:solidFill>
+                  <a:schemeClr val="dk1"/>
+                </a:solidFill>
+              </a:rPr>
+              <a:t>El Niño/Southern Oscillation history</a:t>
+            </a:r>
+            <a:endParaRPr>
+              <a:solidFill>
+                <a:schemeClr val="dk1"/>
+              </a:solidFill>
+            </a:endParaRPr>
+          </a:p>
+          <a:p>
+            <a:pPr indent="-317500" lvl="2" marL="1371600" rtl="0" algn="l">
+              <a:spcBef>
+                <a:spcPts val="0"/>
+              </a:spcBef>
+              <a:spcAft>
+                <a:spcPts val="0"/>
+              </a:spcAft>
+              <a:buClr>
+                <a:schemeClr val="dk1"/>
+              </a:buClr>
+              <a:buSzPts val="1400"/>
+              <a:buChar char="■"/>
+            </a:pPr>
+            <a:r>
+              <a:rPr lang="en">
+                <a:solidFill>
+                  <a:schemeClr val="dk1"/>
+                </a:solidFill>
+              </a:rPr>
+              <a:t>Atlantic/Pacific Multidecadal Oscillation history</a:t>
+            </a:r>
+            <a:endParaRPr>
+              <a:solidFill>
+                <a:schemeClr val="dk1"/>
+              </a:solidFill>
+            </a:endParaRPr>
+          </a:p>
+          <a:p>
+            <a:pPr indent="-317500" lvl="2" marL="1371600" rtl="0" algn="l">
+              <a:spcBef>
+                <a:spcPts val="0"/>
+              </a:spcBef>
+              <a:spcAft>
+                <a:spcPts val="0"/>
+              </a:spcAft>
+              <a:buClr>
+                <a:schemeClr val="dk1"/>
+              </a:buClr>
+              <a:buSzPts val="1400"/>
+              <a:buChar char="■"/>
+            </a:pPr>
+            <a:r>
+              <a:rPr lang="en">
+                <a:solidFill>
+                  <a:schemeClr val="dk1"/>
+                </a:solidFill>
+              </a:rPr>
+              <a:t>Solar Cycle history</a:t>
+            </a:r>
+            <a:endParaRPr>
+              <a:solidFill>
+                <a:schemeClr val="dk1"/>
+              </a:solidFill>
+            </a:endParaRPr>
+          </a:p>
+          <a:p>
+            <a:pPr indent="-317500" lvl="1" marL="914400" rtl="0" algn="l">
+              <a:spcBef>
+                <a:spcPts val="0"/>
+              </a:spcBef>
+              <a:spcAft>
+                <a:spcPts val="0"/>
+              </a:spcAft>
+              <a:buClr>
+                <a:schemeClr val="dk1"/>
+              </a:buClr>
+              <a:buSzPts val="1400"/>
+              <a:buChar char="○"/>
+            </a:pPr>
+            <a:r>
+              <a:rPr lang="en">
+                <a:solidFill>
+                  <a:schemeClr val="dk1"/>
+                </a:solidFill>
+              </a:rPr>
+              <a:t>USDA data</a:t>
+            </a:r>
+            <a:endParaRPr>
+              <a:solidFill>
+                <a:schemeClr val="dk1"/>
+              </a:solidFill>
+            </a:endParaRPr>
+          </a:p>
+          <a:p>
+            <a:pPr indent="-317500" lvl="2" marL="1371600" rtl="0" algn="l">
+              <a:spcBef>
+                <a:spcPts val="0"/>
+              </a:spcBef>
+              <a:spcAft>
+                <a:spcPts val="0"/>
+              </a:spcAft>
+              <a:buClr>
+                <a:schemeClr val="dk1"/>
+              </a:buClr>
+              <a:buSzPts val="1400"/>
+              <a:buChar char="■"/>
+            </a:pPr>
+            <a:r>
+              <a:rPr lang="en">
+                <a:solidFill>
+                  <a:schemeClr val="dk1"/>
+                </a:solidFill>
+              </a:rPr>
+              <a:t>State agricultural output data by crop</a:t>
+            </a:r>
+            <a:endParaRPr>
+              <a:solidFill>
+                <a:schemeClr val="dk1"/>
+              </a:solidFill>
+            </a:endParaRPr>
+          </a:p>
+        </p:txBody>
+      </p:sp>
+      <p:pic>
+        <p:nvPicPr>
+          <p:cNvPr id="217" name="Google Shape;217;p32"/>
+          <p:cNvPicPr preferRelativeResize="0"/>
+          <p:nvPr/>
+        </p:nvPicPr>
+        <p:blipFill>
+          <a:blip r:embed="rId4">
+            <a:alphaModFix/>
+          </a:blip>
+          <a:stretch>
+            <a:fillRect/>
+          </a:stretch>
+        </p:blipFill>
+        <p:spPr>
+          <a:xfrm>
+            <a:off x="6721101" y="3040901"/>
+            <a:ext cx="1826150" cy="1826150"/>
+          </a:xfrm>
+          <a:prstGeom prst="rect">
+            <a:avLst/>
+          </a:prstGeom>
+          <a:noFill/>
+          <a:ln>
+            <a:noFill/>
+          </a:ln>
+        </p:spPr>
+      </p:pic>
+      <p:sp>
+        <p:nvSpPr>
+          <p:cNvPr id="218" name="Google Shape;218;p32"/>
+          <p:cNvSpPr txBox="1"/>
+          <p:nvPr/>
+        </p:nvSpPr>
+        <p:spPr>
+          <a:xfrm>
+            <a:off x="7269350" y="4657075"/>
+            <a:ext cx="1711800" cy="400200"/>
+          </a:xfrm>
+          <a:prstGeom prst="rect">
+            <a:avLst/>
+          </a:prstGeom>
+          <a:noFill/>
+          <a:ln>
+            <a:noFill/>
+          </a:ln>
+        </p:spPr>
+        <p:txBody>
+          <a:bodyPr anchorCtr="0" anchor="t" bIns="91425" lIns="91425" spcFirstLastPara="1" rIns="91425" wrap="square" tIns="91425">
+            <a:spAutoFit/>
+          </a:bodyPr>
+          <a:lstStyle/>
+          <a:p>
+            <a:pPr indent="0" lvl="0" marL="0" rtl="0" algn="l">
+              <a:spcBef>
+                <a:spcPts val="0"/>
+              </a:spcBef>
+              <a:spcAft>
+                <a:spcPts val="0"/>
+              </a:spcAft>
+              <a:buNone/>
+            </a:pPr>
+            <a:r>
+              <a:rPr lang="en"/>
+              <a:t>Melissa Winstanley</a:t>
+            </a:r>
+            <a:endParaRPr/>
+          </a:p>
+        </p:txBody>
+      </p:sp>
+    </p:spTree>
+  </p:cSld>
+  <p:clrMapOvr>
+    <a:masterClrMapping/>
+  </p:clrMapOvr>
+</p:sld>
+</file>
+
+<file path=ppt/slides/slide21.xml><?xml version="1.0" encoding="utf-8"?>
+<p:sld xmlns:a="http://schemas.openxmlformats.org/drawingml/2006/main" xmlns:r="http://schemas.openxmlformats.org/officeDocument/2006/relationships" xmlns:mc="http://schemas.openxmlformats.org/markup-compatibility/2006" xmlns:mv="urn:schemas-microsoft-com:mac:vml" xmlns:p="http://schemas.openxmlformats.org/presentationml/2006/main" xmlns:c="http://schemas.openxmlformats.org/drawingml/2006/chart" xmlns:dgm="http://schemas.openxmlformats.org/drawingml/2006/diagram" xmlns:o="urn:schemas-microsoft-com:office:office" xmlns:v="urn:schemas-microsoft-com:vml" xmlns:pvml="urn:schemas-microsoft-com:office:powerpoint" xmlns:com="http://schemas.openxmlformats.org/drawingml/2006/compatibility" xmlns:p14="http://schemas.microsoft.com/office/powerpoint/2010/main" xmlns:p15="http://schemas.microsoft.com/office/powerpoint/2012/main" xmlns:ahyp="http://schemas.microsoft.com/office/drawing/2018/hyperlinkcolor">
+  <p:cSld>
+    <p:spTree>
+      <p:nvGrpSpPr>
+        <p:cNvPr id="222" name="Shape 222"/>
+        <p:cNvGrpSpPr/>
+        <p:nvPr/>
+      </p:nvGrpSpPr>
+      <p:grpSpPr>
+        <a:xfrm>
+          <a:off x="0" y="0"/>
+          <a:ext cx="0" cy="0"/>
+          <a:chOff x="0" y="0"/>
+          <a:chExt cx="0" cy="0"/>
+        </a:xfrm>
+      </p:grpSpPr>
+      <p:sp>
+        <p:nvSpPr>
+          <p:cNvPr id="223" name="Google Shape;223;p33"/>
+          <p:cNvSpPr txBox="1"/>
+          <p:nvPr>
+            <p:ph type="title"/>
+          </p:nvPr>
+        </p:nvSpPr>
+        <p:spPr>
+          <a:xfrm>
+            <a:off x="311700" y="445025"/>
+            <a:ext cx="8520600" cy="572700"/>
+          </a:xfrm>
+          <a:prstGeom prst="rect">
+            <a:avLst/>
+          </a:prstGeom>
+        </p:spPr>
+        <p:txBody>
+          <a:bodyPr anchorCtr="0" anchor="t" bIns="91425" lIns="91425" spcFirstLastPara="1" rIns="91425" wrap="square" tIns="91425">
+            <a:normAutofit fontScale="90000"/>
+          </a:bodyPr>
+          <a:lstStyle/>
+          <a:p>
+            <a:pPr indent="0" lvl="0" marL="0" rtl="0" algn="l">
+              <a:spcBef>
+                <a:spcPts val="0"/>
+              </a:spcBef>
+              <a:spcAft>
+                <a:spcPts val="0"/>
+              </a:spcAft>
+              <a:buNone/>
+            </a:pPr>
+            <a:r>
+              <a:rPr lang="en"/>
+              <a:t>Tide Me Over!</a:t>
+            </a:r>
+            <a:endParaRPr/>
+          </a:p>
+        </p:txBody>
+      </p:sp>
+      <p:sp>
+        <p:nvSpPr>
+          <p:cNvPr id="224" name="Google Shape;224;p33"/>
+          <p:cNvSpPr txBox="1"/>
+          <p:nvPr>
+            <p:ph idx="1" type="body"/>
+          </p:nvPr>
+        </p:nvSpPr>
+        <p:spPr>
+          <a:xfrm>
+            <a:off x="311700" y="1152475"/>
+            <a:ext cx="8520600" cy="3416400"/>
+          </a:xfrm>
+          <a:prstGeom prst="rect">
+            <a:avLst/>
+          </a:prstGeom>
+        </p:spPr>
+        <p:txBody>
+          <a:bodyPr anchorCtr="0" anchor="t" bIns="91425" lIns="91425" spcFirstLastPara="1" rIns="91425" wrap="square" tIns="91425">
+            <a:normAutofit/>
+          </a:bodyPr>
+          <a:lstStyle/>
+          <a:p>
+            <a:pPr indent="-361950" lvl="0" marL="457200" rtl="0" algn="l">
+              <a:spcBef>
+                <a:spcPts val="0"/>
+              </a:spcBef>
+              <a:spcAft>
+                <a:spcPts val="0"/>
+              </a:spcAft>
+              <a:buSzPts val="2100"/>
+              <a:buChar char="●"/>
+            </a:pPr>
+            <a:r>
+              <a:rPr lang="en" sz="2100"/>
+              <a:t>Project output: research &amp; a tool (to make map visualizations)</a:t>
+            </a:r>
+            <a:endParaRPr sz="2100"/>
+          </a:p>
+          <a:p>
+            <a:pPr indent="-336550" lvl="1" marL="914400" rtl="0" algn="l">
+              <a:spcBef>
+                <a:spcPts val="0"/>
+              </a:spcBef>
+              <a:spcAft>
+                <a:spcPts val="0"/>
+              </a:spcAft>
+              <a:buSzPts val="1700"/>
+              <a:buChar char="○"/>
+            </a:pPr>
+            <a:r>
+              <a:rPr lang="en" sz="1700"/>
+              <a:t>Research how tides affect water changes in Puget Sound via mooring buoy</a:t>
+            </a:r>
+            <a:endParaRPr sz="1700"/>
+          </a:p>
+          <a:p>
+            <a:pPr indent="-336550" lvl="2" marL="1371600" rtl="0" algn="l">
+              <a:spcBef>
+                <a:spcPts val="0"/>
+              </a:spcBef>
+              <a:spcAft>
+                <a:spcPts val="0"/>
+              </a:spcAft>
+              <a:buSzPts val="1700"/>
+              <a:buChar char="■"/>
+            </a:pPr>
+            <a:r>
+              <a:rPr lang="en" sz="1700"/>
+              <a:t>Depth, oxygen, chlorophyll, and salinity</a:t>
+            </a:r>
+            <a:endParaRPr sz="1700"/>
+          </a:p>
+          <a:p>
+            <a:pPr indent="-336550" lvl="1" marL="914400" rtl="0" algn="l">
+              <a:spcBef>
+                <a:spcPts val="0"/>
+              </a:spcBef>
+              <a:spcAft>
+                <a:spcPts val="0"/>
+              </a:spcAft>
+              <a:buSzPts val="1700"/>
+              <a:buChar char="○"/>
+            </a:pPr>
+            <a:r>
+              <a:rPr lang="en" sz="1700"/>
+              <a:t>Build map visualizations with a time slider to show the changes</a:t>
+            </a:r>
+            <a:endParaRPr sz="1700"/>
+          </a:p>
+          <a:p>
+            <a:pPr indent="-336550" lvl="1" marL="914400" rtl="0" algn="l">
+              <a:spcBef>
+                <a:spcPts val="0"/>
+              </a:spcBef>
+              <a:spcAft>
+                <a:spcPts val="0"/>
+              </a:spcAft>
+              <a:buSzPts val="1700"/>
+              <a:buChar char="○"/>
+            </a:pPr>
+            <a:r>
+              <a:rPr lang="en" sz="1700"/>
+              <a:t>Include a search feature to narrow in on a particular location</a:t>
+            </a:r>
+            <a:endParaRPr sz="1700"/>
+          </a:p>
+          <a:p>
+            <a:pPr indent="-361950" lvl="0" marL="457200" rtl="0" algn="l">
+              <a:spcBef>
+                <a:spcPts val="0"/>
+              </a:spcBef>
+              <a:spcAft>
+                <a:spcPts val="0"/>
+              </a:spcAft>
+              <a:buSzPts val="2100"/>
+              <a:buChar char="●"/>
+            </a:pPr>
+            <a:r>
+              <a:rPr lang="en" sz="2100"/>
+              <a:t>Data</a:t>
+            </a:r>
+            <a:endParaRPr sz="2100"/>
+          </a:p>
+          <a:p>
+            <a:pPr indent="-336550" lvl="1" marL="914400" rtl="0" algn="l">
+              <a:spcBef>
+                <a:spcPts val="0"/>
+              </a:spcBef>
+              <a:spcAft>
+                <a:spcPts val="0"/>
+              </a:spcAft>
+              <a:buSzPts val="1700"/>
+              <a:buChar char="○"/>
+            </a:pPr>
+            <a:r>
+              <a:rPr lang="en" sz="1700"/>
+              <a:t>NOAA historical tide data</a:t>
+            </a:r>
+            <a:endParaRPr sz="1700"/>
+          </a:p>
+          <a:p>
+            <a:pPr indent="-336550" lvl="1" marL="914400" rtl="0" algn="l">
+              <a:spcBef>
+                <a:spcPts val="0"/>
+              </a:spcBef>
+              <a:spcAft>
+                <a:spcPts val="0"/>
+              </a:spcAft>
+              <a:buSzPts val="1700"/>
+              <a:buChar char="○"/>
+            </a:pPr>
+            <a:r>
+              <a:rPr lang="en" sz="1700"/>
+              <a:t>King County mooring buoy data </a:t>
+            </a:r>
+            <a:endParaRPr sz="1700"/>
+          </a:p>
+          <a:p>
+            <a:pPr indent="0" lvl="0" marL="0" rtl="0" algn="l">
+              <a:spcBef>
+                <a:spcPts val="1200"/>
+              </a:spcBef>
+              <a:spcAft>
+                <a:spcPts val="1200"/>
+              </a:spcAft>
+              <a:buNone/>
+            </a:pPr>
+            <a:r>
+              <a:t/>
+            </a:r>
+            <a:endParaRPr/>
+          </a:p>
+        </p:txBody>
+      </p:sp>
+      <p:pic>
+        <p:nvPicPr>
+          <p:cNvPr id="225" name="Google Shape;225;p33"/>
+          <p:cNvPicPr preferRelativeResize="0"/>
+          <p:nvPr/>
+        </p:nvPicPr>
+        <p:blipFill>
+          <a:blip r:embed="rId3">
+            <a:alphaModFix/>
+          </a:blip>
+          <a:stretch>
+            <a:fillRect/>
+          </a:stretch>
+        </p:blipFill>
+        <p:spPr>
+          <a:xfrm>
+            <a:off x="4869700" y="2802200"/>
+            <a:ext cx="3508750" cy="2214900"/>
+          </a:xfrm>
+          <a:prstGeom prst="rect">
+            <a:avLst/>
+          </a:prstGeom>
+          <a:noFill/>
+          <a:ln>
+            <a:noFill/>
+          </a:ln>
+        </p:spPr>
+      </p:pic>
+      <p:pic>
+        <p:nvPicPr>
+          <p:cNvPr id="226" name="Google Shape;226;p33"/>
+          <p:cNvPicPr preferRelativeResize="0"/>
+          <p:nvPr/>
+        </p:nvPicPr>
+        <p:blipFill rotWithShape="1">
+          <a:blip r:embed="rId4">
+            <a:alphaModFix/>
+          </a:blip>
+          <a:srcRect b="17478" l="18367" r="0" t="18590"/>
+          <a:stretch/>
+        </p:blipFill>
+        <p:spPr>
+          <a:xfrm>
+            <a:off x="1339700" y="3817075"/>
+            <a:ext cx="2365813" cy="1200025"/>
+          </a:xfrm>
+          <a:prstGeom prst="rect">
+            <a:avLst/>
+          </a:prstGeom>
+          <a:noFill/>
+          <a:ln>
+            <a:noFill/>
+          </a:ln>
+        </p:spPr>
+      </p:pic>
+      <p:sp>
+        <p:nvSpPr>
+          <p:cNvPr id="227" name="Google Shape;227;p33"/>
+          <p:cNvSpPr txBox="1"/>
+          <p:nvPr/>
+        </p:nvSpPr>
+        <p:spPr>
+          <a:xfrm>
+            <a:off x="7258725" y="4616900"/>
+            <a:ext cx="1711800" cy="400200"/>
+          </a:xfrm>
+          <a:prstGeom prst="rect">
+            <a:avLst/>
+          </a:prstGeom>
+          <a:noFill/>
+          <a:ln>
+            <a:noFill/>
+          </a:ln>
+        </p:spPr>
+        <p:txBody>
+          <a:bodyPr anchorCtr="0" anchor="t" bIns="91425" lIns="91425" spcFirstLastPara="1" rIns="91425" wrap="square" tIns="91425">
+            <a:spAutoFit/>
+          </a:bodyPr>
+          <a:lstStyle/>
+          <a:p>
+            <a:pPr indent="0" lvl="0" marL="0" rtl="0" algn="l">
+              <a:spcBef>
+                <a:spcPts val="0"/>
+              </a:spcBef>
+              <a:spcAft>
+                <a:spcPts val="0"/>
+              </a:spcAft>
+              <a:buNone/>
+            </a:pPr>
+            <a:r>
+              <a:rPr lang="en"/>
+              <a:t>Melissa Winstanley</a:t>
+            </a:r>
+            <a:endParaRPr/>
+          </a:p>
+        </p:txBody>
+      </p:sp>
+    </p:spTree>
+  </p:cSld>
+  <p:clrMapOvr>
+    <a:masterClrMapping/>
+  </p:clrMapOvr>
+</p:sld>
+</file>
+
+<file path=ppt/slides/slide22.xml><?xml version="1.0" encoding="utf-8"?>
+<p:sld xmlns:a="http://schemas.openxmlformats.org/drawingml/2006/main" xmlns:r="http://schemas.openxmlformats.org/officeDocument/2006/relationships" xmlns:mc="http://schemas.openxmlformats.org/markup-compatibility/2006" xmlns:mv="urn:schemas-microsoft-com:mac:vml" xmlns:p="http://schemas.openxmlformats.org/presentationml/2006/main" xmlns:c="http://schemas.openxmlformats.org/drawingml/2006/chart" xmlns:dgm="http://schemas.openxmlformats.org/drawingml/2006/diagram" xmlns:o="urn:schemas-microsoft-com:office:office" xmlns:v="urn:schemas-microsoft-com:vml" xmlns:pvml="urn:schemas-microsoft-com:office:powerpoint" xmlns:com="http://schemas.openxmlformats.org/drawingml/2006/compatibility" xmlns:p14="http://schemas.microsoft.com/office/powerpoint/2010/main" xmlns:p15="http://schemas.microsoft.com/office/powerpoint/2012/main" xmlns:ahyp="http://schemas.microsoft.com/office/drawing/2018/hyperlinkcolor">
+  <p:cSld>
+    <p:spTree>
+      <p:nvGrpSpPr>
+        <p:cNvPr id="231" name="Shape 231"/>
+        <p:cNvGrpSpPr/>
+        <p:nvPr/>
+      </p:nvGrpSpPr>
+      <p:grpSpPr>
+        <a:xfrm>
+          <a:off x="0" y="0"/>
+          <a:ext cx="0" cy="0"/>
+          <a:chOff x="0" y="0"/>
+          <a:chExt cx="0" cy="0"/>
+        </a:xfrm>
+      </p:grpSpPr>
+      <p:sp>
+        <p:nvSpPr>
+          <p:cNvPr id="232" name="Google Shape;232;p34"/>
+          <p:cNvSpPr txBox="1"/>
+          <p:nvPr>
+            <p:ph type="title"/>
+          </p:nvPr>
+        </p:nvSpPr>
+        <p:spPr>
+          <a:xfrm>
+            <a:off x="311700" y="445025"/>
+            <a:ext cx="8520600" cy="572700"/>
+          </a:xfrm>
+          <a:prstGeom prst="rect">
+            <a:avLst/>
+          </a:prstGeom>
+        </p:spPr>
+        <p:txBody>
+          <a:bodyPr anchorCtr="0" anchor="t" bIns="91425" lIns="91425" spcFirstLastPara="1" rIns="91425" wrap="square" tIns="91425">
+            <a:normAutofit fontScale="90000"/>
+          </a:bodyPr>
+          <a:lstStyle/>
+          <a:p>
+            <a:pPr indent="0" lvl="0" marL="0" rtl="0" algn="l">
+              <a:spcBef>
+                <a:spcPts val="0"/>
+              </a:spcBef>
+              <a:spcAft>
+                <a:spcPts val="0"/>
+              </a:spcAft>
+              <a:buNone/>
+            </a:pPr>
+            <a:r>
+              <a:rPr lang="en"/>
+              <a:t>Fantastical Basketball*</a:t>
+            </a:r>
+            <a:endParaRPr/>
+          </a:p>
+        </p:txBody>
+      </p:sp>
+      <p:sp>
+        <p:nvSpPr>
+          <p:cNvPr id="233" name="Google Shape;233;p34"/>
           <p:cNvSpPr txBox="1"/>
           <p:nvPr>
             <p:ph idx="1" type="body"/>
@@ -10978,7 +11742,7 @@
       </p:sp>
       <p:pic>
         <p:nvPicPr>
-          <p:cNvPr id="222" name="Google Shape;222;p32"/>
+          <p:cNvPr id="234" name="Google Shape;234;p34"/>
           <p:cNvPicPr preferRelativeResize="0"/>
           <p:nvPr/>
         </p:nvPicPr>
@@ -11006,7 +11770,7 @@
       </p:pic>
       <p:sp>
         <p:nvSpPr>
-          <p:cNvPr id="223" name="Google Shape;223;p32"/>
+          <p:cNvPr id="235" name="Google Shape;235;p34"/>
           <p:cNvSpPr txBox="1"/>
           <p:nvPr/>
         </p:nvSpPr>
@@ -11509,7 +12273,7 @@
             </a:pPr>
             <a:r>
               <a:rPr lang="en"/>
-              <a:t>Project Type 2: Create Reusable Data</a:t>
+              <a:t>Project Type 2: Create a Tool</a:t>
             </a:r>
             <a:endParaRPr/>
           </a:p>
@@ -11554,7 +12318,24 @@
             </a:pPr>
             <a:r>
               <a:rPr lang="en"/>
-              <a:t>Problem statement: Create data repository with tools  (e.g., search, visualization, analytics)</a:t>
+              <a:t>Problem statement: Solve a problem common to many users</a:t>
+            </a:r>
+            <a:endParaRPr/>
+          </a:p>
+          <a:p>
+            <a:pPr indent="-342900" lvl="0" marL="457200" rtl="0" algn="l">
+              <a:spcBef>
+                <a:spcPts val="1200"/>
+              </a:spcBef>
+              <a:spcAft>
+                <a:spcPts val="0"/>
+              </a:spcAft>
+              <a:buSzPts val="1800"/>
+              <a:buChar char="●"/>
+            </a:pPr>
+            <a:r>
+              <a:rPr lang="en"/>
+              <a:t>Don’t reinvent the wheel</a:t>
             </a:r>
             <a:endParaRPr/>
           </a:p>
@@ -11596,11 +12377,11 @@
                 </a:solidFill>
                 <a:hlinkClick r:id="rId3"/>
               </a:rPr>
-              <a:t>Car2Know</a:t>
+              <a:t>BioReactor Data Logging</a:t>
             </a:r>
             <a:r>
               <a:rPr lang="en"/>
-              <a:t>: Provide car rental data to users of Car2Go (e.g., for planning trips)</a:t>
+              <a:t> – Monitor and publish data from BioReactor experiments</a:t>
             </a:r>
             <a:endParaRPr/>
           </a:p>
@@ -11665,7 +12446,7 @@
             </a:pPr>
             <a:r>
               <a:rPr lang="en"/>
-              <a:t>Project Type 3: Create a Tool</a:t>
+              <a:t>Project Type 3: Teach Analysis</a:t>
             </a:r>
             <a:endParaRPr/>
           </a:p>
@@ -11710,24 +12491,23 @@
             </a:pPr>
             <a:r>
               <a:rPr lang="en"/>
-              <a:t>Problem statement: Solve a problem common to many users</a:t>
+              <a:t>Problem statement: Create a system that teaches others the skills needed to do analysis</a:t>
             </a:r>
             <a:endParaRPr/>
           </a:p>
           <a:p>
-            <a:pPr indent="-342900" lvl="0" marL="457200" rtl="0" algn="l">
+            <a:pPr indent="0" lvl="0" marL="0" rtl="0" algn="l">
               <a:spcBef>
                 <a:spcPts val="1200"/>
               </a:spcBef>
               <a:spcAft>
                 <a:spcPts val="0"/>
               </a:spcAft>
-              <a:buSzPts val="1800"/>
-              <a:buChar char="●"/>
+              <a:buNone/>
             </a:pPr>
             <a:r>
               <a:rPr lang="en"/>
-              <a:t>Don’t reinvent the wheel</a:t>
+              <a:t>Example:</a:t>
             </a:r>
             <a:endParaRPr/>
           </a:p>
@@ -11737,43 +12517,13 @@
                 <a:spcPts val="1200"/>
               </a:spcBef>
               <a:spcAft>
-                <a:spcPts val="0"/>
-              </a:spcAft>
-              <a:buClr>
-                <a:schemeClr val="dk1"/>
-              </a:buClr>
-              <a:buSzPts val="1100"/>
-              <a:buFont typeface="Arial"/>
+                <a:spcPts val="1200"/>
+              </a:spcAft>
               <a:buNone/>
             </a:pPr>
             <a:r>
               <a:rPr lang="en"/>
-              <a:t>Example</a:t>
-            </a:r>
-            <a:endParaRPr/>
-          </a:p>
-          <a:p>
-            <a:pPr indent="0" lvl="0" marL="0" rtl="0" algn="l">
-              <a:spcBef>
-                <a:spcPts val="1200"/>
-              </a:spcBef>
-              <a:spcAft>
-                <a:spcPts val="1200"/>
-              </a:spcAft>
-              <a:buNone/>
-            </a:pPr>
-            <a:r>
-              <a:rPr lang="en" u="sng">
-                <a:solidFill>
-                  <a:schemeClr val="hlink"/>
-                </a:solidFill>
-                <a:hlinkClick r:id="rId3"/>
-              </a:rPr>
-              <a:t>BioReactor Data Logging</a:t>
-            </a:r>
-            <a:r>
-              <a:rPr lang="en"/>
-              <a:t> – Monitor and publish data from BioReactor experiments</a:t>
+              <a:t>A system that teaches about logistics for businesses in the sharing economy</a:t>
             </a:r>
             <a:endParaRPr/>
           </a:p>
@@ -11838,7 +12588,7 @@
             </a:pPr>
             <a:r>
               <a:rPr lang="en"/>
-              <a:t>More on the Data</a:t>
+              <a:t>Project Type 4: Present Data</a:t>
             </a:r>
             <a:endParaRPr/>
           </a:p>
@@ -11867,55 +12617,97 @@
           </a:bodyPr>
           <a:lstStyle/>
           <a:p>
-            <a:pPr indent="-381000" lvl="0" marL="457200" rtl="0" algn="l">
-              <a:spcBef>
-                <a:spcPts val="0"/>
-              </a:spcBef>
-              <a:spcAft>
-                <a:spcPts val="0"/>
-              </a:spcAft>
-              <a:buSzPts val="2400"/>
-              <a:buChar char="●"/>
-            </a:pPr>
-            <a:r>
-              <a:rPr lang="en" sz="2400"/>
-              <a:t>At least two non-trivial data sets</a:t>
-            </a:r>
-            <a:endParaRPr sz="2400"/>
-          </a:p>
-          <a:p>
-            <a:pPr indent="-381000" lvl="0" marL="457200" rtl="0" algn="l">
-              <a:spcBef>
-                <a:spcPts val="0"/>
-              </a:spcBef>
-              <a:spcAft>
-                <a:spcPts val="0"/>
-              </a:spcAft>
-              <a:buSzPts val="2400"/>
-              <a:buChar char="●"/>
-            </a:pPr>
-            <a:r>
-              <a:rPr lang="en" sz="2400"/>
-              <a:t>Data need to be combined, joined, merged, etc. to answer the scientific questions</a:t>
-            </a:r>
-            <a:endParaRPr sz="2400"/>
-          </a:p>
-          <a:p>
-            <a:pPr indent="-381000" lvl="0" marL="457200" rtl="0" algn="l">
-              <a:spcBef>
-                <a:spcPts val="0"/>
-              </a:spcBef>
-              <a:spcAft>
-                <a:spcPts val="0"/>
-              </a:spcAft>
-              <a:buSzPts val="2400"/>
-              <a:buChar char="●"/>
-            </a:pPr>
-            <a:r>
-              <a:rPr lang="en" sz="2400"/>
-              <a:t>Have access to the data NOW!</a:t>
-            </a:r>
-            <a:endParaRPr sz="2400"/>
+            <a:pPr indent="0" lvl="0" marL="0" rtl="0" algn="l">
+              <a:spcBef>
+                <a:spcPts val="0"/>
+              </a:spcBef>
+              <a:spcAft>
+                <a:spcPts val="0"/>
+              </a:spcAft>
+              <a:buClr>
+                <a:schemeClr val="dk1"/>
+              </a:buClr>
+              <a:buSzPts val="1100"/>
+              <a:buFont typeface="Arial"/>
+              <a:buNone/>
+            </a:pPr>
+            <a:r>
+              <a:rPr lang="en"/>
+              <a:t>Problem statement: Create data repository with tools  (e.g., search, visualization, analytics) and a user-friendly interface</a:t>
+            </a:r>
+            <a:endParaRPr/>
+          </a:p>
+          <a:p>
+            <a:pPr indent="0" lvl="0" marL="0" rtl="0" algn="l">
+              <a:spcBef>
+                <a:spcPts val="1200"/>
+              </a:spcBef>
+              <a:spcAft>
+                <a:spcPts val="0"/>
+              </a:spcAft>
+              <a:buClr>
+                <a:schemeClr val="dk1"/>
+              </a:buClr>
+              <a:buSzPts val="1100"/>
+              <a:buFont typeface="Arial"/>
+              <a:buNone/>
+            </a:pPr>
+            <a:r>
+              <a:rPr lang="en"/>
+              <a:t>Example</a:t>
+            </a:r>
+            <a:endParaRPr/>
+          </a:p>
+          <a:p>
+            <a:pPr indent="0" lvl="0" marL="0" rtl="0" algn="l">
+              <a:spcBef>
+                <a:spcPts val="1200"/>
+              </a:spcBef>
+              <a:spcAft>
+                <a:spcPts val="0"/>
+              </a:spcAft>
+              <a:buClr>
+                <a:schemeClr val="dk1"/>
+              </a:buClr>
+              <a:buSzPts val="1100"/>
+              <a:buFont typeface="Arial"/>
+              <a:buNone/>
+            </a:pPr>
+            <a:r>
+              <a:rPr lang="en" u="sng">
+                <a:solidFill>
+                  <a:schemeClr val="accent5"/>
+                </a:solidFill>
+                <a:hlinkClick r:id="rId3">
+                  <a:extLst>
+                    <a:ext uri="{A12FA001-AC4F-418D-AE19-62706E023703}">
+                      <ahyp:hlinkClr val="tx"/>
+                    </a:ext>
+                  </a:extLst>
+                </a:hlinkClick>
+              </a:rPr>
+              <a:t>Car2Know</a:t>
+            </a:r>
+            <a:r>
+              <a:rPr lang="en"/>
+              <a:t>: Provide car rental data to users of Car2Go (e.g., for planning trips)</a:t>
+            </a:r>
+            <a:endParaRPr/>
+          </a:p>
+          <a:p>
+            <a:pPr indent="0" lvl="0" marL="0" rtl="0" algn="l">
+              <a:spcBef>
+                <a:spcPts val="1200"/>
+              </a:spcBef>
+              <a:spcAft>
+                <a:spcPts val="1200"/>
+              </a:spcAft>
+              <a:buNone/>
+            </a:pPr>
+            <a:r>
+              <a:t/>
+            </a:r>
+            <a:endParaRPr/>
           </a:p>
         </p:txBody>
       </p:sp>
@@ -11978,6 +12770,146 @@
             </a:pPr>
             <a:r>
               <a:rPr lang="en"/>
+              <a:t>More on the Data</a:t>
+            </a:r>
+            <a:endParaRPr/>
+          </a:p>
+        </p:txBody>
+      </p:sp>
+      <p:sp>
+        <p:nvSpPr>
+          <p:cNvPr id="108" name="Google Shape;108;p20"/>
+          <p:cNvSpPr txBox="1"/>
+          <p:nvPr>
+            <p:ph idx="1" type="body"/>
+          </p:nvPr>
+        </p:nvSpPr>
+        <p:spPr>
+          <a:xfrm>
+            <a:off x="311700" y="1152475"/>
+            <a:ext cx="8520600" cy="3416400"/>
+          </a:xfrm>
+          <a:prstGeom prst="rect">
+            <a:avLst/>
+          </a:prstGeom>
+        </p:spPr>
+        <p:txBody>
+          <a:bodyPr anchorCtr="0" anchor="t" bIns="91425" lIns="91425" spcFirstLastPara="1" rIns="91425" wrap="square" tIns="91425">
+            <a:normAutofit/>
+          </a:bodyPr>
+          <a:lstStyle/>
+          <a:p>
+            <a:pPr indent="-381000" lvl="0" marL="457200" rtl="0" algn="l">
+              <a:spcBef>
+                <a:spcPts val="0"/>
+              </a:spcBef>
+              <a:spcAft>
+                <a:spcPts val="0"/>
+              </a:spcAft>
+              <a:buSzPts val="2400"/>
+              <a:buChar char="●"/>
+            </a:pPr>
+            <a:r>
+              <a:rPr lang="en" sz="2400"/>
+              <a:t>At least two non-trivial data sets</a:t>
+            </a:r>
+            <a:endParaRPr sz="2400"/>
+          </a:p>
+          <a:p>
+            <a:pPr indent="-381000" lvl="0" marL="457200" rtl="0" algn="l">
+              <a:spcBef>
+                <a:spcPts val="0"/>
+              </a:spcBef>
+              <a:spcAft>
+                <a:spcPts val="0"/>
+              </a:spcAft>
+              <a:buSzPts val="2400"/>
+              <a:buChar char="●"/>
+            </a:pPr>
+            <a:r>
+              <a:rPr lang="en" sz="2400"/>
+              <a:t>Data need to be combined, joined, merged, etc. to answer the scientific questions</a:t>
+            </a:r>
+            <a:endParaRPr sz="2400"/>
+          </a:p>
+          <a:p>
+            <a:pPr indent="-381000" lvl="0" marL="457200" rtl="0" algn="l">
+              <a:spcBef>
+                <a:spcPts val="0"/>
+              </a:spcBef>
+              <a:spcAft>
+                <a:spcPts val="0"/>
+              </a:spcAft>
+              <a:buSzPts val="2400"/>
+              <a:buChar char="●"/>
+            </a:pPr>
+            <a:r>
+              <a:rPr lang="en" sz="2400"/>
+              <a:t>Have access to the data NOW!</a:t>
+            </a:r>
+            <a:endParaRPr sz="2400"/>
+          </a:p>
+        </p:txBody>
+      </p:sp>
+    </p:spTree>
+  </p:cSld>
+  <p:clrMapOvr>
+    <a:masterClrMapping/>
+  </p:clrMapOvr>
+</p:sld>
+</file>
+
+<file path=ppt/slides/slide9.xml><?xml version="1.0" encoding="utf-8"?>
+<p:sld xmlns:a="http://schemas.openxmlformats.org/drawingml/2006/main" xmlns:r="http://schemas.openxmlformats.org/officeDocument/2006/relationships" xmlns:mc="http://schemas.openxmlformats.org/markup-compatibility/2006" xmlns:mv="urn:schemas-microsoft-com:mac:vml" xmlns:p="http://schemas.openxmlformats.org/presentationml/2006/main" xmlns:c="http://schemas.openxmlformats.org/drawingml/2006/chart" xmlns:dgm="http://schemas.openxmlformats.org/drawingml/2006/diagram" xmlns:o="urn:schemas-microsoft-com:office:office" xmlns:v="urn:schemas-microsoft-com:vml" xmlns:pvml="urn:schemas-microsoft-com:office:powerpoint" xmlns:com="http://schemas.openxmlformats.org/drawingml/2006/compatibility" xmlns:p14="http://schemas.microsoft.com/office/powerpoint/2010/main" xmlns:p15="http://schemas.microsoft.com/office/powerpoint/2012/main" xmlns:ahyp="http://schemas.microsoft.com/office/drawing/2018/hyperlinkcolor">
+  <p:cSld>
+    <p:spTree>
+      <p:nvGrpSpPr>
+        <p:cNvPr id="112" name="Shape 112"/>
+        <p:cNvGrpSpPr/>
+        <p:nvPr/>
+      </p:nvGrpSpPr>
+      <p:grpSpPr>
+        <a:xfrm>
+          <a:off x="0" y="0"/>
+          <a:ext cx="0" cy="0"/>
+          <a:chOff x="0" y="0"/>
+          <a:chExt cx="0" cy="0"/>
+        </a:xfrm>
+      </p:grpSpPr>
+      <p:sp>
+        <p:nvSpPr>
+          <p:cNvPr id="113" name="Google Shape;113;p21"/>
+          <p:cNvSpPr txBox="1"/>
+          <p:nvPr>
+            <p:ph type="title"/>
+          </p:nvPr>
+        </p:nvSpPr>
+        <p:spPr>
+          <a:xfrm>
+            <a:off x="311700" y="445025"/>
+            <a:ext cx="8520600" cy="572700"/>
+          </a:xfrm>
+          <a:prstGeom prst="rect">
+            <a:avLst/>
+          </a:prstGeom>
+        </p:spPr>
+        <p:txBody>
+          <a:bodyPr anchorCtr="0" anchor="t" bIns="91425" lIns="91425" spcFirstLastPara="1" rIns="91425" wrap="square" tIns="91425">
+            <a:normAutofit fontScale="90000"/>
+          </a:bodyPr>
+          <a:lstStyle/>
+          <a:p>
+            <a:pPr indent="0" lvl="0" marL="0" rtl="0" algn="l">
+              <a:spcBef>
+                <a:spcPts val="0"/>
+              </a:spcBef>
+              <a:spcAft>
+                <a:spcPts val="0"/>
+              </a:spcAft>
+              <a:buNone/>
+            </a:pPr>
+            <a:r>
+              <a:rPr lang="en"/>
               <a:t>Project Timeline</a:t>
             </a:r>
             <a:endParaRPr/>
@@ -11986,7 +12918,7 @@
       </p:sp>
       <p:grpSp>
         <p:nvGrpSpPr>
-          <p:cNvPr id="108" name="Google Shape;108;p20"/>
+          <p:cNvPr id="114" name="Google Shape;114;p21"/>
           <p:cNvGrpSpPr/>
           <p:nvPr/>
         </p:nvGrpSpPr>
@@ -12000,7 +12932,7 @@
         </p:grpSpPr>
         <p:cxnSp>
           <p:nvCxnSpPr>
-            <p:cNvPr id="109" name="Google Shape;109;p20"/>
+            <p:cNvPr id="115" name="Google Shape;115;p21"/>
             <p:cNvCxnSpPr/>
             <p:nvPr/>
           </p:nvCxnSpPr>
@@ -12026,7 +12958,7 @@
         </p:cxnSp>
         <p:sp>
           <p:nvSpPr>
-            <p:cNvPr id="110" name="Google Shape;110;p20"/>
+            <p:cNvPr id="116" name="Google Shape;116;p21"/>
             <p:cNvSpPr/>
             <p:nvPr/>
           </p:nvSpPr>
@@ -12072,7 +13004,7 @@
         </p:sp>
         <p:sp>
           <p:nvSpPr>
-            <p:cNvPr id="111" name="Google Shape;111;p20"/>
+            <p:cNvPr id="117" name="Google Shape;117;p21"/>
             <p:cNvSpPr/>
             <p:nvPr/>
           </p:nvSpPr>
@@ -12117,7 +13049,7 @@
         </p:sp>
         <p:grpSp>
           <p:nvGrpSpPr>
-            <p:cNvPr id="112" name="Google Shape;112;p20"/>
+            <p:cNvPr id="118" name="Google Shape;118;p21"/>
             <p:cNvGrpSpPr/>
             <p:nvPr/>
           </p:nvGrpSpPr>
@@ -12131,7 +13063,7 @@
           </p:grpSpPr>
           <p:sp>
             <p:nvSpPr>
-              <p:cNvPr id="113" name="Google Shape;113;p20"/>
+              <p:cNvPr id="119" name="Google Shape;119;p21"/>
               <p:cNvSpPr txBox="1"/>
               <p:nvPr/>
             </p:nvSpPr>
@@ -12192,7 +13124,7 @@
           </p:sp>
           <p:sp>
             <p:nvSpPr>
-              <p:cNvPr id="114" name="Google Shape;114;p20"/>
+              <p:cNvPr id="120" name="Google Shape;120;p21"/>
               <p:cNvSpPr txBox="1"/>
               <p:nvPr/>
             </p:nvSpPr>
@@ -12237,7 +13169,7 @@
                     <a:cs typeface="Roboto"/>
                     <a:sym typeface="Roboto"/>
                   </a:rPr>
-                  <a:t>Week 4</a:t>
+                  <a:t>Week 5</a:t>
                 </a:r>
                 <a:endParaRPr sz="1200">
                   <a:solidFill>
@@ -12255,7 +13187,7 @@
       </p:grpSp>
       <p:grpSp>
         <p:nvGrpSpPr>
-          <p:cNvPr id="115" name="Google Shape;115;p20"/>
+          <p:cNvPr id="121" name="Google Shape;121;p21"/>
           <p:cNvGrpSpPr/>
           <p:nvPr/>
         </p:nvGrpSpPr>
@@ -12269,7 +13201,7 @@
         </p:grpSpPr>
         <p:cxnSp>
           <p:nvCxnSpPr>
-            <p:cNvPr id="116" name="Google Shape;116;p20"/>
+            <p:cNvPr id="122" name="Google Shape;122;p21"/>
             <p:cNvCxnSpPr/>
             <p:nvPr/>
           </p:nvCxnSpPr>
@@ -12295,7 +13227,7 @@
         </p:cxnSp>
         <p:sp>
           <p:nvSpPr>
-            <p:cNvPr id="117" name="Google Shape;117;p20"/>
+            <p:cNvPr id="123" name="Google Shape;123;p21"/>
             <p:cNvSpPr/>
             <p:nvPr/>
           </p:nvSpPr>
@@ -12341,7 +13273,7 @@
         </p:sp>
         <p:sp>
           <p:nvSpPr>
-            <p:cNvPr id="118" name="Google Shape;118;p20"/>
+            <p:cNvPr id="124" name="Google Shape;124;p21"/>
             <p:cNvSpPr/>
             <p:nvPr/>
           </p:nvSpPr>
@@ -12386,7 +13318,7 @@
         </p:sp>
         <p:sp>
           <p:nvSpPr>
-            <p:cNvPr id="119" name="Google Shape;119;p20"/>
+            <p:cNvPr id="125" name="Google Shape;125;p21"/>
             <p:cNvSpPr txBox="1"/>
             <p:nvPr/>
           </p:nvSpPr>
@@ -12447,7 +13379,7 @@
         </p:sp>
         <p:sp>
           <p:nvSpPr>
-            <p:cNvPr id="120" name="Google Shape;120;p20"/>
+            <p:cNvPr id="126" name="Google Shape;126;p21"/>
             <p:cNvSpPr txBox="1"/>
             <p:nvPr/>
           </p:nvSpPr>
@@ -12492,7 +13424,7 @@
                   <a:cs typeface="Roboto"/>
                   <a:sym typeface="Roboto"/>
                 </a:rPr>
-                <a:t>Week 4-5</a:t>
+                <a:t>Week 5-6</a:t>
               </a:r>
               <a:endParaRPr sz="1200">
                 <a:solidFill>
@@ -12509,7 +13441,7 @@
       </p:grpSp>
       <p:grpSp>
         <p:nvGrpSpPr>
-          <p:cNvPr id="121" name="Google Shape;121;p20"/>
+          <p:cNvPr id="127" name="Google Shape;127;p21"/>
           <p:cNvGrpSpPr/>
           <p:nvPr/>
         </p:nvGrpSpPr>
@@ -12523,7 +13455,7 @@
         </p:grpSpPr>
         <p:cxnSp>
           <p:nvCxnSpPr>
-            <p:cNvPr id="122" name="Google Shape;122;p20"/>
+            <p:cNvPr id="128" name="Google Shape;128;p21"/>
             <p:cNvCxnSpPr/>
             <p:nvPr/>
           </p:nvCxnSpPr>
@@ -12549,7 +13481,7 @@
         </p:cxnSp>
         <p:sp>
           <p:nvSpPr>
-            <p:cNvPr id="123" name="Google Shape;123;p20"/>
+            <p:cNvPr id="129" name="Google Shape;129;p21"/>
             <p:cNvSpPr/>
             <p:nvPr/>
           </p:nvSpPr>
@@ -12595,7 +13527,7 @@
         </p:sp>
         <p:sp>
           <p:nvSpPr>
-            <p:cNvPr id="124" name="Google Shape;124;p20"/>
+            <p:cNvPr id="130" name="Google Shape;130;p21"/>
             <p:cNvSpPr/>
             <p:nvPr/>
           </p:nvSpPr>
@@ -12640,7 +13572,7 @@
         </p:sp>
         <p:sp>
           <p:nvSpPr>
-            <p:cNvPr id="125" name="Google Shape;125;p20"/>
+            <p:cNvPr id="131" name="Google Shape;131;p21"/>
             <p:cNvSpPr txBox="1"/>
             <p:nvPr/>
           </p:nvSpPr>
@@ -12771,7 +13703,7 @@
         </p:sp>
         <p:sp>
           <p:nvSpPr>
-            <p:cNvPr id="126" name="Google Shape;126;p20"/>
+            <p:cNvPr id="132" name="Google Shape;132;p21"/>
             <p:cNvSpPr txBox="1"/>
             <p:nvPr/>
           </p:nvSpPr>
@@ -12816,7 +13748,7 @@
                   <a:cs typeface="Roboto"/>
                   <a:sym typeface="Roboto"/>
                 </a:rPr>
-                <a:t>Week 5-6</a:t>
+                <a:t>Week 6</a:t>
               </a:r>
               <a:endParaRPr sz="1200">
                 <a:solidFill>
@@ -12833,21 +13765,21 @@
       </p:grpSp>
       <p:grpSp>
         <p:nvGrpSpPr>
-          <p:cNvPr id="127" name="Google Shape;127;p20"/>
+          <p:cNvPr id="133" name="Google Shape;133;p21"/>
           <p:cNvGrpSpPr/>
           <p:nvPr/>
         </p:nvGrpSpPr>
         <p:grpSpPr>
           <a:xfrm>
-            <a:off x="4621995" y="1575825"/>
-            <a:ext cx="1418051" cy="2581520"/>
-            <a:chOff x="1917073" y="1575827"/>
-            <a:chExt cx="1418334" cy="1747695"/>
+            <a:off x="4522850" y="1575825"/>
+            <a:ext cx="1517195" cy="2581520"/>
+            <a:chOff x="1817908" y="1575827"/>
+            <a:chExt cx="1517499" cy="1747695"/>
           </a:xfrm>
         </p:grpSpPr>
         <p:cxnSp>
           <p:nvCxnSpPr>
-            <p:cNvPr id="128" name="Google Shape;128;p20"/>
+            <p:cNvPr id="134" name="Google Shape;134;p21"/>
             <p:cNvCxnSpPr/>
             <p:nvPr/>
           </p:nvCxnSpPr>
@@ -12873,7 +13805,7 @@
         </p:cxnSp>
         <p:sp>
           <p:nvSpPr>
-            <p:cNvPr id="129" name="Google Shape;129;p20"/>
+            <p:cNvPr id="135" name="Google Shape;135;p21"/>
             <p:cNvSpPr/>
             <p:nvPr/>
           </p:nvSpPr>
@@ -12919,7 +13851,7 @@
         </p:sp>
         <p:sp>
           <p:nvSpPr>
-            <p:cNvPr id="130" name="Google Shape;130;p20"/>
+            <p:cNvPr id="136" name="Google Shape;136;p21"/>
             <p:cNvSpPr/>
             <p:nvPr/>
           </p:nvSpPr>
@@ -12964,7 +13896,7 @@
         </p:sp>
         <p:sp>
           <p:nvSpPr>
-            <p:cNvPr id="131" name="Google Shape;131;p20"/>
+            <p:cNvPr id="137" name="Google Shape;137;p21"/>
             <p:cNvSpPr txBox="1"/>
             <p:nvPr/>
           </p:nvSpPr>
@@ -13025,14 +13957,14 @@
         </p:sp>
         <p:sp>
           <p:nvSpPr>
-            <p:cNvPr id="132" name="Google Shape;132;p20"/>
+            <p:cNvPr id="138" name="Google Shape;138;p21"/>
             <p:cNvSpPr txBox="1"/>
             <p:nvPr/>
           </p:nvSpPr>
           <p:spPr>
             <a:xfrm>
-              <a:off x="1919554" y="1575827"/>
-              <a:ext cx="718500" cy="241200"/>
+              <a:off x="1817908" y="1575827"/>
+              <a:ext cx="820200" cy="241200"/>
             </a:xfrm>
             <a:prstGeom prst="rect">
               <a:avLst/>
@@ -13070,7 +14002,7 @@
                   <a:cs typeface="Roboto"/>
                   <a:sym typeface="Roboto"/>
                 </a:rPr>
-                <a:t>Week 6</a:t>
+                <a:t>Week 7-8</a:t>
               </a:r>
               <a:endParaRPr sz="1200">
                 <a:solidFill>
@@ -13087,7 +14019,7 @@
       </p:grpSp>
       <p:grpSp>
         <p:nvGrpSpPr>
-          <p:cNvPr id="133" name="Google Shape;133;p20"/>
+          <p:cNvPr id="139" name="Google Shape;139;p21"/>
           <p:cNvGrpSpPr/>
           <p:nvPr/>
         </p:nvGrpSpPr>
@@ -13101,7 +14033,7 @@
         </p:grpSpPr>
         <p:cxnSp>
           <p:nvCxnSpPr>
-            <p:cNvPr id="134" name="Google Shape;134;p20"/>
+            <p:cNvPr id="140" name="Google Shape;140;p21"/>
             <p:cNvCxnSpPr/>
             <p:nvPr/>
           </p:nvCxnSpPr>
@@ -13127,7 +14059,7 @@
         </p:cxnSp>
         <p:sp>
           <p:nvSpPr>
-            <p:cNvPr id="135" name="Google Shape;135;p20"/>
+            <p:cNvPr id="141" name="Google Shape;141;p21"/>
             <p:cNvSpPr/>
             <p:nvPr/>
           </p:nvSpPr>
@@ -13173,7 +14105,7 @@
         </p:sp>
         <p:sp>
           <p:nvSpPr>
-            <p:cNvPr id="136" name="Google Shape;136;p20"/>
+            <p:cNvPr id="142" name="Google Shape;142;p21"/>
             <p:cNvSpPr/>
             <p:nvPr/>
           </p:nvSpPr>
@@ -13218,7 +14150,7 @@
         </p:sp>
         <p:sp>
           <p:nvSpPr>
-            <p:cNvPr id="137" name="Google Shape;137;p20"/>
+            <p:cNvPr id="143" name="Google Shape;143;p21"/>
             <p:cNvSpPr txBox="1"/>
             <p:nvPr/>
           </p:nvSpPr>
@@ -13279,7 +14211,7 @@
         </p:sp>
         <p:sp>
           <p:nvSpPr>
-            <p:cNvPr id="138" name="Google Shape;138;p20"/>
+            <p:cNvPr id="144" name="Google Shape;144;p21"/>
             <p:cNvSpPr txBox="1"/>
             <p:nvPr/>
           </p:nvSpPr>
@@ -13341,7 +14273,7 @@
       </p:grpSp>
       <p:grpSp>
         <p:nvGrpSpPr>
-          <p:cNvPr id="139" name="Google Shape;139;p20"/>
+          <p:cNvPr id="145" name="Google Shape;145;p21"/>
           <p:cNvGrpSpPr/>
           <p:nvPr/>
         </p:nvGrpSpPr>
@@ -13355,7 +14287,7 @@
         </p:grpSpPr>
         <p:cxnSp>
           <p:nvCxnSpPr>
-            <p:cNvPr id="140" name="Google Shape;140;p20"/>
+            <p:cNvPr id="146" name="Google Shape;146;p21"/>
             <p:cNvCxnSpPr/>
             <p:nvPr/>
           </p:nvCxnSpPr>
@@ -13381,7 +14313,7 @@
         </p:cxnSp>
         <p:sp>
           <p:nvSpPr>
-            <p:cNvPr id="141" name="Google Shape;141;p20"/>
+            <p:cNvPr id="147" name="Google Shape;147;p21"/>
             <p:cNvSpPr/>
             <p:nvPr/>
           </p:nvSpPr>
@@ -13427,7 +14359,7 @@
         </p:sp>
         <p:sp>
           <p:nvSpPr>
-            <p:cNvPr id="142" name="Google Shape;142;p20"/>
+            <p:cNvPr id="148" name="Google Shape;148;p21"/>
             <p:cNvSpPr/>
             <p:nvPr/>
           </p:nvSpPr>
@@ -13472,7 +14404,7 @@
         </p:sp>
         <p:sp>
           <p:nvSpPr>
-            <p:cNvPr id="143" name="Google Shape;143;p20"/>
+            <p:cNvPr id="149" name="Google Shape;149;p21"/>
             <p:cNvSpPr txBox="1"/>
             <p:nvPr/>
           </p:nvSpPr>
@@ -13533,7 +14465,7 @@
         </p:sp>
         <p:sp>
           <p:nvSpPr>
-            <p:cNvPr id="144" name="Google Shape;144;p20"/>
+            <p:cNvPr id="150" name="Google Shape;150;p21"/>
             <p:cNvSpPr txBox="1"/>
             <p:nvPr/>
           </p:nvSpPr>
@@ -13593,266 +14525,6 @@
           </p:txBody>
         </p:sp>
       </p:grpSp>
-    </p:spTree>
-  </p:cSld>
-  <p:clrMapOvr>
-    <a:masterClrMapping/>
-  </p:clrMapOvr>
-</p:sld>
-</file>
-
-<file path=ppt/slides/slide9.xml><?xml version="1.0" encoding="utf-8"?>
-<p:sld xmlns:a="http://schemas.openxmlformats.org/drawingml/2006/main" xmlns:r="http://schemas.openxmlformats.org/officeDocument/2006/relationships" xmlns:mc="http://schemas.openxmlformats.org/markup-compatibility/2006" xmlns:mv="urn:schemas-microsoft-com:mac:vml" xmlns:p="http://schemas.openxmlformats.org/presentationml/2006/main" xmlns:c="http://schemas.openxmlformats.org/drawingml/2006/chart" xmlns:dgm="http://schemas.openxmlformats.org/drawingml/2006/diagram" xmlns:o="urn:schemas-microsoft-com:office:office" xmlns:v="urn:schemas-microsoft-com:vml" xmlns:pvml="urn:schemas-microsoft-com:office:powerpoint" xmlns:com="http://schemas.openxmlformats.org/drawingml/2006/compatibility" xmlns:p14="http://schemas.microsoft.com/office/powerpoint/2010/main" xmlns:p15="http://schemas.microsoft.com/office/powerpoint/2012/main" xmlns:ahyp="http://schemas.microsoft.com/office/drawing/2018/hyperlinkcolor">
-  <p:cSld>
-    <p:spTree>
-      <p:nvGrpSpPr>
-        <p:cNvPr id="148" name="Shape 148"/>
-        <p:cNvGrpSpPr/>
-        <p:nvPr/>
-      </p:nvGrpSpPr>
-      <p:grpSpPr>
-        <a:xfrm>
-          <a:off x="0" y="0"/>
-          <a:ext cx="0" cy="0"/>
-          <a:chOff x="0" y="0"/>
-          <a:chExt cx="0" cy="0"/>
-        </a:xfrm>
-      </p:grpSpPr>
-      <p:sp>
-        <p:nvSpPr>
-          <p:cNvPr id="149" name="Google Shape;149;p21"/>
-          <p:cNvSpPr txBox="1"/>
-          <p:nvPr>
-            <p:ph type="title"/>
-          </p:nvPr>
-        </p:nvSpPr>
-        <p:spPr>
-          <a:xfrm>
-            <a:off x="311700" y="445025"/>
-            <a:ext cx="8520600" cy="572700"/>
-          </a:xfrm>
-          <a:prstGeom prst="rect">
-            <a:avLst/>
-          </a:prstGeom>
-        </p:spPr>
-        <p:txBody>
-          <a:bodyPr anchorCtr="0" anchor="t" bIns="91425" lIns="91425" spcFirstLastPara="1" rIns="91425" wrap="square" tIns="91425">
-            <a:normAutofit fontScale="90000"/>
-          </a:bodyPr>
-          <a:lstStyle/>
-          <a:p>
-            <a:pPr indent="0" lvl="0" marL="0" rtl="0" algn="l">
-              <a:spcBef>
-                <a:spcPts val="0"/>
-              </a:spcBef>
-              <a:spcAft>
-                <a:spcPts val="0"/>
-              </a:spcAft>
-              <a:buNone/>
-            </a:pPr>
-            <a:r>
-              <a:rPr lang="en"/>
-              <a:t>Week 4: Project Proposals</a:t>
-            </a:r>
-            <a:endParaRPr/>
-          </a:p>
-        </p:txBody>
-      </p:sp>
-      <p:sp>
-        <p:nvSpPr>
-          <p:cNvPr id="150" name="Google Shape;150;p21"/>
-          <p:cNvSpPr txBox="1"/>
-          <p:nvPr>
-            <p:ph idx="1" type="body"/>
-          </p:nvPr>
-        </p:nvSpPr>
-        <p:spPr>
-          <a:xfrm>
-            <a:off x="311700" y="1152475"/>
-            <a:ext cx="8520600" cy="3738600"/>
-          </a:xfrm>
-          <a:prstGeom prst="rect">
-            <a:avLst/>
-          </a:prstGeom>
-        </p:spPr>
-        <p:txBody>
-          <a:bodyPr anchorCtr="0" anchor="t" bIns="91425" lIns="91425" spcFirstLastPara="1" rIns="91425" wrap="square" tIns="91425">
-            <a:normAutofit lnSpcReduction="10000"/>
-          </a:bodyPr>
-          <a:lstStyle/>
-          <a:p>
-            <a:pPr indent="0" lvl="0" marL="0" rtl="0" algn="l">
-              <a:spcBef>
-                <a:spcPts val="0"/>
-              </a:spcBef>
-              <a:spcAft>
-                <a:spcPts val="0"/>
-              </a:spcAft>
-              <a:buNone/>
-            </a:pPr>
-            <a:r>
-              <a:rPr lang="en"/>
-              <a:t>Share what you’re passionate about and convince others to work with you:</a:t>
-            </a:r>
-            <a:endParaRPr/>
-          </a:p>
-          <a:p>
-            <a:pPr indent="-342900" lvl="0" marL="457200" rtl="0" algn="l">
-              <a:spcBef>
-                <a:spcPts val="1200"/>
-              </a:spcBef>
-              <a:spcAft>
-                <a:spcPts val="0"/>
-              </a:spcAft>
-              <a:buSzPts val="1800"/>
-              <a:buChar char="●"/>
-            </a:pPr>
-            <a:r>
-              <a:rPr lang="en"/>
-              <a:t>1 slide (PowerPoint, Keynote, or Google Slides)</a:t>
-            </a:r>
-            <a:endParaRPr/>
-          </a:p>
-          <a:p>
-            <a:pPr indent="-342900" lvl="0" marL="457200" rtl="0" algn="l">
-              <a:spcBef>
-                <a:spcPts val="0"/>
-              </a:spcBef>
-              <a:spcAft>
-                <a:spcPts val="0"/>
-              </a:spcAft>
-              <a:buSzPts val="1800"/>
-              <a:buChar char="●"/>
-            </a:pPr>
-            <a:r>
-              <a:rPr lang="en"/>
-              <a:t>Title</a:t>
-            </a:r>
-            <a:endParaRPr/>
-          </a:p>
-          <a:p>
-            <a:pPr indent="-342900" lvl="0" marL="457200" rtl="0" algn="l">
-              <a:spcBef>
-                <a:spcPts val="0"/>
-              </a:spcBef>
-              <a:spcAft>
-                <a:spcPts val="0"/>
-              </a:spcAft>
-              <a:buSzPts val="1800"/>
-              <a:buChar char="●"/>
-            </a:pPr>
-            <a:r>
-              <a:rPr lang="en"/>
-              <a:t>Project type (research, reusable data, tool)</a:t>
-            </a:r>
-            <a:endParaRPr/>
-          </a:p>
-          <a:p>
-            <a:pPr indent="-342900" lvl="0" marL="457200" rtl="0" algn="l">
-              <a:spcBef>
-                <a:spcPts val="0"/>
-              </a:spcBef>
-              <a:spcAft>
-                <a:spcPts val="0"/>
-              </a:spcAft>
-              <a:buSzPts val="1800"/>
-              <a:buChar char="●"/>
-            </a:pPr>
-            <a:r>
-              <a:rPr lang="en"/>
-              <a:t>Short pitch - what will you do, why it is cool</a:t>
-            </a:r>
-            <a:endParaRPr/>
-          </a:p>
-          <a:p>
-            <a:pPr indent="-342900" lvl="0" marL="457200" rtl="0" algn="l">
-              <a:spcBef>
-                <a:spcPts val="0"/>
-              </a:spcBef>
-              <a:spcAft>
-                <a:spcPts val="0"/>
-              </a:spcAft>
-              <a:buSzPts val="1800"/>
-              <a:buChar char="●"/>
-            </a:pPr>
-            <a:r>
-              <a:rPr lang="en"/>
-              <a:t>Your 2+ data sources (could be tentative)</a:t>
-            </a:r>
-            <a:endParaRPr/>
-          </a:p>
-          <a:p>
-            <a:pPr indent="-342900" lvl="0" marL="457200" rtl="0" algn="l">
-              <a:spcBef>
-                <a:spcPts val="0"/>
-              </a:spcBef>
-              <a:spcAft>
-                <a:spcPts val="0"/>
-              </a:spcAft>
-              <a:buSzPts val="1800"/>
-              <a:buChar char="●"/>
-            </a:pPr>
-            <a:r>
-              <a:rPr lang="en"/>
-              <a:t>Your name</a:t>
-            </a:r>
-            <a:endParaRPr/>
-          </a:p>
-          <a:p>
-            <a:pPr indent="0" lvl="0" marL="0" rtl="0" algn="l">
-              <a:spcBef>
-                <a:spcPts val="1200"/>
-              </a:spcBef>
-              <a:spcAft>
-                <a:spcPts val="0"/>
-              </a:spcAft>
-              <a:buNone/>
-            </a:pPr>
-            <a:r>
-              <a:rPr b="1" lang="en"/>
-              <a:t>Due by 12pm next Thursday via Canvas (I need time to compile the deck!)</a:t>
-            </a:r>
-            <a:endParaRPr b="1"/>
-          </a:p>
-          <a:p>
-            <a:pPr indent="0" lvl="0" marL="0" rtl="0" algn="l">
-              <a:spcBef>
-                <a:spcPts val="1200"/>
-              </a:spcBef>
-              <a:spcAft>
-                <a:spcPts val="0"/>
-              </a:spcAft>
-              <a:buNone/>
-            </a:pPr>
-            <a:r>
-              <a:rPr lang="en"/>
-              <a:t>In-class presentation of your proposal (2 minutes)</a:t>
-            </a:r>
-            <a:endParaRPr/>
-          </a:p>
-          <a:p>
-            <a:pPr indent="0" lvl="0" marL="0" rtl="0" algn="l">
-              <a:spcBef>
-                <a:spcPts val="1200"/>
-              </a:spcBef>
-              <a:spcAft>
-                <a:spcPts val="1200"/>
-              </a:spcAft>
-              <a:buClr>
-                <a:schemeClr val="dk1"/>
-              </a:buClr>
-              <a:buSzPts val="1100"/>
-              <a:buFont typeface="Arial"/>
-              <a:buNone/>
-            </a:pPr>
-            <a:r>
-              <a:rPr lang="en"/>
-              <a:t>Participation points! If you are unable to attend, please let me know.</a:t>
-            </a:r>
-            <a:endParaRPr/>
-          </a:p>
-        </p:txBody>
-      </p:sp>
     </p:spTree>
   </p:cSld>
   <p:clrMapOvr>
